--- a/A01/presentation.pptx
+++ b/A01/presentation.pptx
@@ -16,6 +16,8 @@
     <p:sldId id="264" r:id="rId11"/>
     <p:sldId id="265" r:id="rId12"/>
     <p:sldId id="266" r:id="rId13"/>
+    <p:sldId id="267" r:id="rId14"/>
+    <p:sldId id="268" r:id="rId15"/>
   </p:sldIdLst>
   <p:sldSz cx="12192000" cy="6858000"/>
   <p:notesSz cx="6858000" cy="12192000"/>
@@ -383,7 +385,7 @@
           <a:xfrm>
             <a:off x="-22006" y="-7442"/>
             <a:ext cx="12214008" cy="1742779"/>
-            <a:chOff x="5534482" y="2204917"/>
+            <a:chOff x="5534481" y="2204917"/>
             <a:chExt cx="5756459" cy="1155514"/>
           </a:xfrm>
         </p:grpSpPr>
@@ -396,9 +398,9 @@
           <p:grpSpPr bwMode="auto">
             <a:xfrm>
               <a:off x="10137289" y="2208431"/>
-              <a:ext cx="1153653" cy="1152000"/>
+              <a:ext cx="1153652" cy="1152000"/>
               <a:chOff x="8985289" y="2208431"/>
-              <a:chExt cx="1153653" cy="1152000"/>
+              <a:chExt cx="1153652" cy="1152000"/>
             </a:xfrm>
           </p:grpSpPr>
           <p:sp>
@@ -432,9 +434,9 @@
             <p:grpSpPr bwMode="auto">
               <a:xfrm>
                 <a:off x="8985289" y="2208431"/>
-                <a:ext cx="1153653" cy="1152000"/>
+                <a:ext cx="1153652" cy="1152000"/>
                 <a:chOff x="8985289" y="2208431"/>
-                <a:chExt cx="1153653" cy="1152000"/>
+                <a:chExt cx="1153652" cy="1152000"/>
               </a:xfrm>
             </p:grpSpPr>
             <p:sp>
@@ -677,9 +679,9 @@
           <p:grpSpPr bwMode="auto">
             <a:xfrm>
               <a:off x="8985885" y="2204917"/>
-              <a:ext cx="1153057" cy="1152000"/>
+              <a:ext cx="1153056" cy="1152000"/>
               <a:chOff x="8985885" y="2208431"/>
-              <a:chExt cx="1153057" cy="1152000"/>
+              <a:chExt cx="1153056" cy="1152000"/>
             </a:xfrm>
           </p:grpSpPr>
           <p:sp>
@@ -994,9 +996,9 @@
             <p:grpSpPr bwMode="auto">
               <a:xfrm>
                 <a:off x="8988763" y="2208431"/>
-                <a:ext cx="1153653" cy="1152000"/>
+                <a:ext cx="1153652" cy="1152000"/>
                 <a:chOff x="8988763" y="2208431"/>
-                <a:chExt cx="1153653" cy="1152000"/>
+                <a:chExt cx="1153652" cy="1152000"/>
               </a:xfrm>
             </p:grpSpPr>
             <p:sp>
@@ -1240,9 +1242,9 @@
           <p:grpSpPr bwMode="auto">
             <a:xfrm>
               <a:off x="6683297" y="2204917"/>
-              <a:ext cx="1153057" cy="1152000"/>
+              <a:ext cx="1153056" cy="1152000"/>
               <a:chOff x="8985885" y="2208431"/>
-              <a:chExt cx="1153057" cy="1152000"/>
+              <a:chExt cx="1153056" cy="1152000"/>
             </a:xfrm>
           </p:grpSpPr>
           <p:sp>
@@ -1523,10 +1525,10 @@
           </p:nvGrpSpPr>
           <p:grpSpPr bwMode="auto">
             <a:xfrm>
-              <a:off x="5534482" y="2204917"/>
-              <a:ext cx="1153057" cy="1152000"/>
+              <a:off x="5534481" y="2204917"/>
+              <a:ext cx="1153056" cy="1152000"/>
               <a:chOff x="8985885" y="2208431"/>
-              <a:chExt cx="1153057" cy="1152000"/>
+              <a:chExt cx="1153056" cy="1152000"/>
             </a:xfrm>
           </p:grpSpPr>
           <p:sp>
@@ -1712,7 +1714,7 @@
                   <a:schemeClr val="accent4">
                     <a:lumMod val="20000"/>
                     <a:lumOff val="80000"/>
-                    <a:alpha val="26999"/>
+                    <a:alpha val="26998"/>
                   </a:schemeClr>
                 </a:solidFill>
                 <a:ln>
@@ -1867,7 +1869,7 @@
           </p:nvSpPr>
           <p:spPr bwMode="auto">
             <a:xfrm>
-              <a:off x="5731506" y="8799984"/>
+              <a:off x="5731505" y="8799984"/>
               <a:ext cx="383999" cy="383999"/>
             </a:xfrm>
             <a:prstGeom prst="rect">
@@ -2302,7 +2304,7 @@
               <a:schemeClr val="accent4">
                 <a:lumMod val="20000"/>
                 <a:lumOff val="80000"/>
-                <a:alpha val="26999"/>
+                <a:alpha val="26998"/>
               </a:schemeClr>
             </a:solidFill>
             <a:ln>
@@ -2911,7 +2913,7 @@
         <p:spPr bwMode="auto">
           <a:xfrm>
             <a:off x="607261" y="6109507"/>
-            <a:ext cx="2844799" cy="365125"/>
+            <a:ext cx="2844798" cy="365125"/>
           </a:xfrm>
         </p:spPr>
         <p:txBody>
@@ -4886,7 +4888,7 @@
         <p:spPr bwMode="auto">
           <a:xfrm>
             <a:off x="1" y="-5610"/>
-            <a:ext cx="765454" cy="864000"/>
+            <a:ext cx="765453" cy="864000"/>
           </a:xfrm>
           <a:prstGeom prst="rect">
             <a:avLst/>
@@ -4924,7 +4926,7 @@
               <a:off x="11052937" y="-6409"/>
               <a:ext cx="1146222" cy="1147201"/>
               <a:chOff x="8985289" y="2208431"/>
-              <a:chExt cx="1153653" cy="1152000"/>
+              <a:chExt cx="1153652" cy="1152000"/>
             </a:xfrm>
           </p:grpSpPr>
           <p:sp>
@@ -4958,9 +4960,9 @@
             <p:grpSpPr bwMode="auto">
               <a:xfrm>
                 <a:off x="8985289" y="2208431"/>
-                <a:ext cx="1153653" cy="1152000"/>
+                <a:ext cx="1153652" cy="1152000"/>
                 <a:chOff x="8985289" y="2208431"/>
-                <a:chExt cx="1153653" cy="1152000"/>
+                <a:chExt cx="1153652" cy="1152000"/>
               </a:xfrm>
             </p:grpSpPr>
             <p:sp>
@@ -5205,7 +5207,7 @@
               <a:off x="9908949" y="-9923"/>
               <a:ext cx="1145630" cy="1152000"/>
               <a:chOff x="8985885" y="2208431"/>
-              <a:chExt cx="1153057" cy="1152000"/>
+              <a:chExt cx="1153056" cy="1152000"/>
             </a:xfrm>
           </p:grpSpPr>
           <p:sp>
@@ -5520,9 +5522,9 @@
             <p:grpSpPr bwMode="auto">
               <a:xfrm>
                 <a:off x="8988763" y="2208431"/>
-                <a:ext cx="1153653" cy="1152000"/>
+                <a:ext cx="1153652" cy="1152000"/>
                 <a:chOff x="8988763" y="2208431"/>
-                <a:chExt cx="1153653" cy="1152000"/>
+                <a:chExt cx="1153652" cy="1152000"/>
               </a:xfrm>
             </p:grpSpPr>
             <p:sp>
@@ -5768,7 +5770,7 @@
               <a:off x="7621191" y="-9923"/>
               <a:ext cx="1145630" cy="1152000"/>
               <a:chOff x="8985885" y="2208431"/>
-              <a:chExt cx="1153057" cy="1152000"/>
+              <a:chExt cx="1153056" cy="1152000"/>
             </a:xfrm>
           </p:grpSpPr>
           <p:sp>
@@ -6052,7 +6054,7 @@
               <a:off x="6479777" y="-9923"/>
               <a:ext cx="1145630" cy="1152000"/>
               <a:chOff x="8985885" y="2208431"/>
-              <a:chExt cx="1153057" cy="1152000"/>
+              <a:chExt cx="1153056" cy="1152000"/>
             </a:xfrm>
           </p:grpSpPr>
           <p:sp>
@@ -6238,7 +6240,7 @@
                   <a:schemeClr val="accent4">
                     <a:lumMod val="20000"/>
                     <a:lumOff val="80000"/>
-                    <a:alpha val="26999"/>
+                    <a:alpha val="26998"/>
                   </a:schemeClr>
                 </a:solidFill>
                 <a:ln>
@@ -6333,7 +6335,7 @@
               <a:off x="5332234" y="-7693"/>
               <a:ext cx="1146222" cy="1152000"/>
               <a:chOff x="8985289" y="2208431"/>
-              <a:chExt cx="1153653" cy="1152000"/>
+              <a:chExt cx="1153652" cy="1152000"/>
             </a:xfrm>
           </p:grpSpPr>
           <p:sp>
@@ -6367,9 +6369,9 @@
             <p:grpSpPr bwMode="auto">
               <a:xfrm>
                 <a:off x="8985289" y="2208431"/>
-                <a:ext cx="1153653" cy="1152000"/>
+                <a:ext cx="1153652" cy="1152000"/>
                 <a:chOff x="8985289" y="2208431"/>
-                <a:chExt cx="1153653" cy="1152000"/>
+                <a:chExt cx="1153652" cy="1152000"/>
               </a:xfrm>
             </p:grpSpPr>
             <p:sp>
@@ -6614,7 +6616,7 @@
               <a:off x="4188246" y="-11207"/>
               <a:ext cx="1145630" cy="1152000"/>
               <a:chOff x="8985885" y="2208431"/>
-              <a:chExt cx="1153057" cy="1152000"/>
+              <a:chExt cx="1153056" cy="1152000"/>
             </a:xfrm>
           </p:grpSpPr>
           <p:sp>
@@ -6929,9 +6931,9 @@
             <p:grpSpPr bwMode="auto">
               <a:xfrm>
                 <a:off x="8988763" y="2208431"/>
-                <a:ext cx="1153653" cy="1152000"/>
+                <a:ext cx="1153652" cy="1152000"/>
                 <a:chOff x="8988763" y="2208431"/>
-                <a:chExt cx="1153653" cy="1152000"/>
+                <a:chExt cx="1153652" cy="1152000"/>
               </a:xfrm>
             </p:grpSpPr>
             <p:sp>
@@ -7177,7 +7179,7 @@
               <a:off x="1900489" y="-11207"/>
               <a:ext cx="1145630" cy="1152000"/>
               <a:chOff x="8985885" y="2208431"/>
-              <a:chExt cx="1153057" cy="1152000"/>
+              <a:chExt cx="1153056" cy="1152000"/>
             </a:xfrm>
           </p:grpSpPr>
           <p:sp>
@@ -7611,7 +7613,7 @@
                 <a:schemeClr val="accent4">
                   <a:lumMod val="20000"/>
                   <a:lumOff val="80000"/>
-                  <a:alpha val="26999"/>
+                  <a:alpha val="26998"/>
                 </a:schemeClr>
               </a:solidFill>
               <a:ln>
@@ -7895,7 +7897,7 @@
         <p:spPr bwMode="auto">
           <a:xfrm>
             <a:off x="11053358" y="6594997"/>
-            <a:ext cx="381385" cy="257430"/>
+            <a:ext cx="381384" cy="257430"/>
           </a:xfrm>
           <a:prstGeom prst="rect">
             <a:avLst/>
@@ -7920,8 +7922,8 @@
         </p:nvSpPr>
         <p:spPr bwMode="auto">
           <a:xfrm>
-            <a:off x="11432935" y="6600570"/>
-            <a:ext cx="381385" cy="257430"/>
+            <a:off x="11432934" y="6600570"/>
+            <a:ext cx="381384" cy="257430"/>
           </a:xfrm>
           <a:prstGeom prst="rect">
             <a:avLst/>
@@ -7947,7 +7949,7 @@
         <p:spPr bwMode="auto">
           <a:xfrm>
             <a:off x="11813271" y="6600570"/>
-            <a:ext cx="381385" cy="257430"/>
+            <a:ext cx="381384" cy="257430"/>
           </a:xfrm>
           <a:prstGeom prst="rect">
             <a:avLst/>
@@ -7995,7 +7997,7 @@
         <p:spPr bwMode="auto">
           <a:xfrm>
             <a:off x="9909199" y="6598214"/>
-            <a:ext cx="381385" cy="257430"/>
+            <a:ext cx="381384" cy="257430"/>
           </a:xfrm>
           <a:prstGeom prst="rect">
             <a:avLst/>
@@ -8021,7 +8023,7 @@
         <p:spPr bwMode="auto">
           <a:xfrm>
             <a:off x="10289537" y="6681515"/>
-            <a:ext cx="381385" cy="257430"/>
+            <a:ext cx="381384" cy="257430"/>
           </a:xfrm>
           <a:prstGeom prst="rect">
             <a:avLst/>
@@ -8047,7 +8049,7 @@
         <p:spPr bwMode="auto">
           <a:xfrm>
             <a:off x="10669114" y="6598214"/>
-            <a:ext cx="381385" cy="257430"/>
+            <a:ext cx="381384" cy="257430"/>
           </a:xfrm>
           <a:prstGeom prst="rect">
             <a:avLst/>
@@ -8095,7 +8097,7 @@
         <p:spPr bwMode="auto">
           <a:xfrm>
             <a:off x="8763994" y="6594997"/>
-            <a:ext cx="381385" cy="257430"/>
+            <a:ext cx="381384" cy="257430"/>
           </a:xfrm>
           <a:prstGeom prst="rect">
             <a:avLst/>
@@ -8120,7 +8122,7 @@
         <p:spPr bwMode="auto">
           <a:xfrm>
             <a:off x="9150709" y="6594997"/>
-            <a:ext cx="381385" cy="257430"/>
+            <a:ext cx="381384" cy="257430"/>
           </a:xfrm>
           <a:prstGeom prst="rect">
             <a:avLst/>
@@ -8146,7 +8148,7 @@
         <p:spPr bwMode="auto">
           <a:xfrm>
             <a:off x="9521437" y="6597036"/>
-            <a:ext cx="381385" cy="257430"/>
+            <a:ext cx="381384" cy="257430"/>
           </a:xfrm>
           <a:prstGeom prst="rect">
             <a:avLst/>
@@ -8194,7 +8196,7 @@
         <p:spPr bwMode="auto">
           <a:xfrm>
             <a:off x="7622289" y="6598214"/>
-            <a:ext cx="381385" cy="257430"/>
+            <a:ext cx="381384" cy="257430"/>
           </a:xfrm>
           <a:prstGeom prst="rect">
             <a:avLst/>
@@ -8220,7 +8222,7 @@
         <p:spPr bwMode="auto">
           <a:xfrm>
             <a:off x="8001866" y="6598214"/>
-            <a:ext cx="381385" cy="257430"/>
+            <a:ext cx="381384" cy="257430"/>
           </a:xfrm>
           <a:prstGeom prst="rect">
             <a:avLst/>
@@ -8246,7 +8248,7 @@
         <p:spPr bwMode="auto">
           <a:xfrm>
             <a:off x="8382201" y="6598214"/>
-            <a:ext cx="381385" cy="257430"/>
+            <a:ext cx="381384" cy="257430"/>
           </a:xfrm>
           <a:prstGeom prst="rect">
             <a:avLst/>
@@ -8294,7 +8296,7 @@
         <p:spPr bwMode="auto">
           <a:xfrm>
             <a:off x="6481296" y="6598214"/>
-            <a:ext cx="381385" cy="257430"/>
+            <a:ext cx="381384" cy="257430"/>
           </a:xfrm>
           <a:prstGeom prst="rect">
             <a:avLst/>
@@ -8320,7 +8322,7 @@
         <p:spPr bwMode="auto">
           <a:xfrm>
             <a:off x="6860871" y="6598214"/>
-            <a:ext cx="381385" cy="257430"/>
+            <a:ext cx="381384" cy="257430"/>
           </a:xfrm>
           <a:prstGeom prst="rect">
             <a:avLst/>
@@ -8346,7 +8348,7 @@
         <p:spPr bwMode="auto">
           <a:xfrm>
             <a:off x="7241207" y="6598214"/>
-            <a:ext cx="381385" cy="257430"/>
+            <a:ext cx="381384" cy="257430"/>
           </a:xfrm>
           <a:prstGeom prst="rect">
             <a:avLst/>
@@ -8355,7 +8357,7 @@
             <a:schemeClr val="accent4">
               <a:lumMod val="20000"/>
               <a:lumOff val="80000"/>
-              <a:alpha val="26999"/>
+              <a:alpha val="26998"/>
             </a:schemeClr>
           </a:solidFill>
           <a:ln>
@@ -8371,7 +8373,7 @@
         </p:nvSpPr>
         <p:spPr bwMode="auto">
           <a:xfrm>
-            <a:off x="5330857" y="6599709"/>
+            <a:off x="5330856" y="6599709"/>
             <a:ext cx="1144157" cy="255074"/>
           </a:xfrm>
           <a:prstGeom prst="rect">
@@ -8394,7 +8396,7 @@
         <p:spPr bwMode="auto">
           <a:xfrm>
             <a:off x="5334768" y="6599709"/>
-            <a:ext cx="381385" cy="257430"/>
+            <a:ext cx="381384" cy="257430"/>
           </a:xfrm>
           <a:prstGeom prst="rect">
             <a:avLst/>
@@ -8420,7 +8422,7 @@
         <p:spPr bwMode="auto">
           <a:xfrm>
             <a:off x="5714343" y="6599709"/>
-            <a:ext cx="381385" cy="257430"/>
+            <a:ext cx="381384" cy="257430"/>
           </a:xfrm>
           <a:prstGeom prst="rect">
             <a:avLst/>
@@ -8446,7 +8448,7 @@
         <p:spPr bwMode="auto">
           <a:xfrm>
             <a:off x="6094679" y="6599709"/>
-            <a:ext cx="381385" cy="257430"/>
+            <a:ext cx="381384" cy="257430"/>
           </a:xfrm>
           <a:prstGeom prst="rect">
             <a:avLst/>
@@ -8494,7 +8496,7 @@
         <p:spPr bwMode="auto">
           <a:xfrm>
             <a:off x="4190610" y="6597353"/>
-            <a:ext cx="381385" cy="257430"/>
+            <a:ext cx="381384" cy="257430"/>
           </a:xfrm>
           <a:prstGeom prst="rect">
             <a:avLst/>
@@ -8520,7 +8522,7 @@
         <p:spPr bwMode="auto">
           <a:xfrm>
             <a:off x="4570186" y="6597353"/>
-            <a:ext cx="381385" cy="257430"/>
+            <a:ext cx="381384" cy="257430"/>
           </a:xfrm>
           <a:prstGeom prst="rect">
             <a:avLst/>
@@ -8546,7 +8548,7 @@
         <p:spPr bwMode="auto">
           <a:xfrm>
             <a:off x="4950522" y="6597353"/>
-            <a:ext cx="381385" cy="257430"/>
+            <a:ext cx="381384" cy="257430"/>
           </a:xfrm>
           <a:prstGeom prst="rect">
             <a:avLst/>
@@ -8594,7 +8596,7 @@
         <p:spPr bwMode="auto">
           <a:xfrm>
             <a:off x="3045402" y="6599709"/>
-            <a:ext cx="381385" cy="257430"/>
+            <a:ext cx="381384" cy="257430"/>
           </a:xfrm>
           <a:prstGeom prst="rect">
             <a:avLst/>
@@ -8619,7 +8621,7 @@
         <p:spPr bwMode="auto">
           <a:xfrm>
             <a:off x="3424979" y="6599709"/>
-            <a:ext cx="381385" cy="257430"/>
+            <a:ext cx="381384" cy="257430"/>
           </a:xfrm>
           <a:prstGeom prst="rect">
             <a:avLst/>
@@ -8645,7 +8647,7 @@
         <p:spPr bwMode="auto">
           <a:xfrm>
             <a:off x="3805314" y="6599709"/>
-            <a:ext cx="381385" cy="257430"/>
+            <a:ext cx="381384" cy="257430"/>
           </a:xfrm>
           <a:prstGeom prst="rect">
             <a:avLst/>
@@ -8693,7 +8695,7 @@
         <p:spPr bwMode="auto">
           <a:xfrm>
             <a:off x="1903697" y="6597353"/>
-            <a:ext cx="381385" cy="257430"/>
+            <a:ext cx="381384" cy="257430"/>
           </a:xfrm>
           <a:prstGeom prst="rect">
             <a:avLst/>
@@ -8719,7 +8721,7 @@
         <p:spPr bwMode="auto">
           <a:xfrm>
             <a:off x="2283274" y="6597353"/>
-            <a:ext cx="381385" cy="257430"/>
+            <a:ext cx="381384" cy="257430"/>
           </a:xfrm>
           <a:prstGeom prst="rect">
             <a:avLst/>
@@ -8745,7 +8747,7 @@
         <p:spPr bwMode="auto">
           <a:xfrm>
             <a:off x="2663610" y="6597353"/>
-            <a:ext cx="381385" cy="257430"/>
+            <a:ext cx="381384" cy="257430"/>
           </a:xfrm>
           <a:prstGeom prst="rect">
             <a:avLst/>
@@ -8793,7 +8795,7 @@
         <p:spPr bwMode="auto">
           <a:xfrm>
             <a:off x="762703" y="6597353"/>
-            <a:ext cx="381385" cy="257430"/>
+            <a:ext cx="381384" cy="257430"/>
           </a:xfrm>
           <a:prstGeom prst="rect">
             <a:avLst/>
@@ -8819,7 +8821,7 @@
         <p:spPr bwMode="auto">
           <a:xfrm>
             <a:off x="1142281" y="6597353"/>
-            <a:ext cx="381385" cy="257430"/>
+            <a:ext cx="381384" cy="257430"/>
           </a:xfrm>
           <a:prstGeom prst="rect">
             <a:avLst/>
@@ -8845,7 +8847,7 @@
         <p:spPr bwMode="auto">
           <a:xfrm>
             <a:off x="1522615" y="6597353"/>
-            <a:ext cx="381385" cy="257430"/>
+            <a:ext cx="381384" cy="257430"/>
           </a:xfrm>
           <a:prstGeom prst="rect">
             <a:avLst/>
@@ -8854,7 +8856,7 @@
             <a:schemeClr val="accent4">
               <a:lumMod val="20000"/>
               <a:lumOff val="80000"/>
-              <a:alpha val="26999"/>
+              <a:alpha val="26998"/>
             </a:schemeClr>
           </a:solidFill>
           <a:ln>
@@ -8893,7 +8895,7 @@
         <p:spPr bwMode="auto">
           <a:xfrm>
             <a:off x="4502" y="6599853"/>
-            <a:ext cx="381385" cy="257430"/>
+            <a:ext cx="381384" cy="257430"/>
           </a:xfrm>
           <a:prstGeom prst="rect">
             <a:avLst/>
@@ -8919,7 +8921,7 @@
         <p:spPr bwMode="auto">
           <a:xfrm>
             <a:off x="384838" y="6599853"/>
-            <a:ext cx="381385" cy="257430"/>
+            <a:ext cx="381384" cy="257430"/>
           </a:xfrm>
           <a:prstGeom prst="rect">
             <a:avLst/>
@@ -9025,7 +9027,7 @@
         <p:spPr bwMode="auto">
           <a:xfrm>
             <a:off x="2676487" y="220639"/>
-            <a:ext cx="6750078" cy="856127"/>
+            <a:ext cx="6750077" cy="856127"/>
           </a:xfrm>
           <a:prstGeom prst="rect">
             <a:avLst/>
@@ -9107,7 +9109,7 @@
         <p:spPr bwMode="auto">
           <a:xfrm>
             <a:off x="607261" y="6109507"/>
-            <a:ext cx="2844799" cy="365125"/>
+            <a:ext cx="2844798" cy="365125"/>
           </a:xfrm>
           <a:prstGeom prst="rect">
             <a:avLst/>
@@ -9581,7 +9583,7 @@
             </a:pPr>
             <a:r>
               <a:rPr/>
-              <a:t>Selection Sort / Code</a:t>
+              <a:t>{selection_sort} / [code]</a:t>
             </a:r>
             <a:endParaRPr/>
           </a:p>
@@ -10341,7 +10343,1359 @@
             </a:pPr>
             <a:r>
               <a:rPr/>
-              <a:t>Quick Sort / Code</a:t>
+              <a:t>{insertion_sort} / [code]</a:t>
+            </a:r>
+            <a:endParaRPr/>
+          </a:p>
+        </p:txBody>
+      </p:sp>
+      <p:sp>
+        <p:nvSpPr>
+          <p:cNvPr id="5" name="Объект 2" hidden="0"/>
+          <p:cNvSpPr>
+            <a:spLocks noGrp="1"/>
+          </p:cNvSpPr>
+          <p:nvPr isPhoto="0" userDrawn="0">
+            <p:ph idx="1" hasCustomPrompt="0"/>
+          </p:nvPr>
+        </p:nvSpPr>
+        <p:spPr bwMode="auto"/>
+        <p:txBody>
+          <a:bodyPr/>
+          <a:lstStyle/>
+          <a:p>
+            <a:pPr>
+              <a:defRPr/>
+            </a:pPr>
+            <a:r>
+              <a:rPr lang="en-US" sz="2400" b="0" i="0" u="none" strike="noStrike" cap="none" spc="0">
+                <a:solidFill>
+                  <a:schemeClr val="accent1"/>
+                </a:solidFill>
+                <a:latin typeface="Times New Roman"/>
+                <a:ea typeface="Times New Roman"/>
+                <a:cs typeface="Times New Roman"/>
+              </a:rPr>
+              <a:t>public </a:t>
+            </a:r>
+            <a:r>
+              <a:rPr lang="en-US" sz="2400" b="0" i="0" u="none" strike="noStrike" cap="none" spc="0">
+                <a:solidFill>
+                  <a:schemeClr val="accent4"/>
+                </a:solidFill>
+                <a:latin typeface="Times New Roman"/>
+                <a:ea typeface="Times New Roman"/>
+                <a:cs typeface="Times New Roman"/>
+              </a:rPr>
+              <a:t>void </a:t>
+            </a:r>
+            <a:r>
+              <a:rPr lang="en-US" sz="2400" b="0" i="0" u="none" strike="noStrike" cap="none" spc="0">
+                <a:solidFill>
+                  <a:schemeClr val="tx2">
+                    <a:lumMod val="50000"/>
+                  </a:schemeClr>
+                </a:solidFill>
+                <a:latin typeface="Times New Roman"/>
+                <a:ea typeface="Times New Roman"/>
+                <a:cs typeface="Times New Roman"/>
+              </a:rPr>
+              <a:t>insertionSort()</a:t>
+            </a:r>
+            <a:endParaRPr sz="2400" b="0" i="0" u="none" strike="noStrike" cap="none" spc="0">
+              <a:solidFill>
+                <a:schemeClr val="tx2">
+                  <a:lumMod val="50000"/>
+                </a:schemeClr>
+              </a:solidFill>
+              <a:latin typeface="Times New Roman"/>
+              <a:ea typeface="Times New Roman"/>
+              <a:cs typeface="Times New Roman"/>
+            </a:endParaRPr>
+          </a:p>
+          <a:p>
+            <a:pPr marL="0" indent="0">
+              <a:buNone/>
+              <a:defRPr/>
+            </a:pPr>
+            <a:r>
+              <a:rPr lang="en-US" sz="2400" b="0" i="0" u="none" strike="noStrike" cap="none" spc="0">
+                <a:solidFill>
+                  <a:schemeClr val="tx2">
+                    <a:lumMod val="50000"/>
+                  </a:schemeClr>
+                </a:solidFill>
+                <a:latin typeface="Times New Roman"/>
+                <a:ea typeface="Times New Roman"/>
+                <a:cs typeface="Times New Roman"/>
+              </a:rPr>
+              <a:t>{</a:t>
+            </a:r>
+            <a:endParaRPr sz="2400" b="0" i="0" u="none" strike="noStrike" cap="none" spc="0">
+              <a:solidFill>
+                <a:schemeClr val="tx2">
+                  <a:lumMod val="50000"/>
+                </a:schemeClr>
+              </a:solidFill>
+              <a:latin typeface="Times New Roman"/>
+              <a:ea typeface="Times New Roman"/>
+              <a:cs typeface="Times New Roman"/>
+            </a:endParaRPr>
+          </a:p>
+          <a:p>
+            <a:pPr marL="0" indent="0">
+              <a:buNone/>
+              <a:defRPr/>
+            </a:pPr>
+            <a:r>
+              <a:rPr lang="en-US" sz="2400" b="0" i="0" u="none" strike="noStrike" cap="none" spc="0">
+                <a:solidFill>
+                  <a:schemeClr val="tx2">
+                    <a:lumMod val="50000"/>
+                  </a:schemeClr>
+                </a:solidFill>
+                <a:latin typeface="Times New Roman"/>
+                <a:ea typeface="Times New Roman"/>
+                <a:cs typeface="Times New Roman"/>
+              </a:rPr>
+              <a:t>	</a:t>
+            </a:r>
+            <a:r>
+              <a:rPr lang="en-US" sz="2400" b="0" i="0" u="none" strike="noStrike" cap="none" spc="0">
+                <a:solidFill>
+                  <a:schemeClr val="accent1"/>
+                </a:solidFill>
+                <a:latin typeface="Times New Roman"/>
+                <a:ea typeface="Times New Roman"/>
+                <a:cs typeface="Times New Roman"/>
+              </a:rPr>
+              <a:t>for</a:t>
+            </a:r>
+            <a:r>
+              <a:rPr lang="en-US" sz="2400" b="0" i="0" u="none" strike="noStrike" cap="none" spc="0">
+                <a:solidFill>
+                  <a:schemeClr val="tx2">
+                    <a:lumMod val="50000"/>
+                  </a:schemeClr>
+                </a:solidFill>
+                <a:latin typeface="Times New Roman"/>
+                <a:ea typeface="Times New Roman"/>
+                <a:cs typeface="Times New Roman"/>
+              </a:rPr>
+              <a:t>(</a:t>
+            </a:r>
+            <a:r>
+              <a:rPr lang="en-US" sz="2400" b="0" i="0" u="none" strike="noStrike" cap="none" spc="0">
+                <a:solidFill>
+                  <a:schemeClr val="accent4"/>
+                </a:solidFill>
+                <a:latin typeface="Times New Roman"/>
+                <a:ea typeface="Times New Roman"/>
+                <a:cs typeface="Times New Roman"/>
+              </a:rPr>
+              <a:t>int </a:t>
+            </a:r>
+            <a:r>
+              <a:rPr lang="en-US" sz="2400" b="0" i="0" u="none" strike="noStrike" cap="none" spc="0">
+                <a:solidFill>
+                  <a:schemeClr val="tx2">
+                    <a:lumMod val="50000"/>
+                  </a:schemeClr>
+                </a:solidFill>
+                <a:latin typeface="Times New Roman"/>
+                <a:ea typeface="Times New Roman"/>
+                <a:cs typeface="Times New Roman"/>
+              </a:rPr>
+              <a:t>i=</a:t>
+            </a:r>
+            <a:r>
+              <a:rPr lang="en-US" sz="2400" b="0" i="0" u="none" strike="noStrike" cap="none" spc="0">
+                <a:solidFill>
+                  <a:schemeClr val="accent3"/>
+                </a:solidFill>
+                <a:latin typeface="Times New Roman"/>
+                <a:ea typeface="Times New Roman"/>
+                <a:cs typeface="Times New Roman"/>
+              </a:rPr>
+              <a:t>1</a:t>
+            </a:r>
+            <a:r>
+              <a:rPr lang="en-US" sz="2400" b="0" i="0" u="none" strike="noStrike" cap="none" spc="0">
+                <a:solidFill>
+                  <a:schemeClr val="tx2">
+                    <a:lumMod val="50000"/>
+                  </a:schemeClr>
+                </a:solidFill>
+                <a:latin typeface="Times New Roman"/>
+                <a:ea typeface="Times New Roman"/>
+                <a:cs typeface="Times New Roman"/>
+              </a:rPr>
+              <a:t>;i&lt;=size-</a:t>
+            </a:r>
+            <a:r>
+              <a:rPr lang="en-US" sz="2400" b="0" i="0" u="none" strike="noStrike" cap="none" spc="0">
+                <a:solidFill>
+                  <a:schemeClr val="accent3"/>
+                </a:solidFill>
+                <a:latin typeface="Times New Roman"/>
+                <a:ea typeface="Times New Roman"/>
+                <a:cs typeface="Times New Roman"/>
+              </a:rPr>
+              <a:t>1</a:t>
+            </a:r>
+            <a:r>
+              <a:rPr lang="en-US" sz="2400" b="0" i="0" u="none" strike="noStrike" cap="none" spc="0">
+                <a:solidFill>
+                  <a:schemeClr val="tx2">
+                    <a:lumMod val="50000"/>
+                  </a:schemeClr>
+                </a:solidFill>
+                <a:latin typeface="Times New Roman"/>
+                <a:ea typeface="Times New Roman"/>
+                <a:cs typeface="Times New Roman"/>
+              </a:rPr>
+              <a:t>;i++)</a:t>
+            </a:r>
+            <a:endParaRPr sz="2400" b="0" i="0" u="none" strike="noStrike" cap="none" spc="0">
+              <a:solidFill>
+                <a:schemeClr val="tx2">
+                  <a:lumMod val="50000"/>
+                </a:schemeClr>
+              </a:solidFill>
+              <a:latin typeface="Times New Roman"/>
+              <a:ea typeface="Times New Roman"/>
+              <a:cs typeface="Times New Roman"/>
+            </a:endParaRPr>
+          </a:p>
+          <a:p>
+            <a:pPr marL="0" indent="0">
+              <a:buNone/>
+              <a:defRPr/>
+            </a:pPr>
+            <a:r>
+              <a:rPr lang="en-US" sz="2400" b="0" i="0" u="none" strike="noStrike" cap="none" spc="0">
+                <a:solidFill>
+                  <a:schemeClr val="tx2">
+                    <a:lumMod val="50000"/>
+                  </a:schemeClr>
+                </a:solidFill>
+                <a:latin typeface="Times New Roman"/>
+                <a:ea typeface="Times New Roman"/>
+                <a:cs typeface="Times New Roman"/>
+              </a:rPr>
+              <a:t>	{</a:t>
+            </a:r>
+            <a:endParaRPr sz="2400" b="0" i="0" u="none" strike="noStrike" cap="none" spc="0">
+              <a:solidFill>
+                <a:schemeClr val="tx2">
+                  <a:lumMod val="50000"/>
+                </a:schemeClr>
+              </a:solidFill>
+              <a:latin typeface="Times New Roman"/>
+              <a:ea typeface="Times New Roman"/>
+              <a:cs typeface="Times New Roman"/>
+            </a:endParaRPr>
+          </a:p>
+          <a:p>
+            <a:pPr marL="0" indent="0">
+              <a:buNone/>
+              <a:defRPr/>
+            </a:pPr>
+            <a:r>
+              <a:rPr lang="en-US" sz="2400" b="0" i="0" u="none" strike="noStrike" cap="none" spc="0">
+                <a:solidFill>
+                  <a:schemeClr val="tx2">
+                    <a:lumMod val="50000"/>
+                  </a:schemeClr>
+                </a:solidFill>
+                <a:latin typeface="Times New Roman"/>
+                <a:ea typeface="Times New Roman"/>
+                <a:cs typeface="Times New Roman"/>
+              </a:rPr>
+              <a:t>		</a:t>
+            </a:r>
+            <a:r>
+              <a:rPr lang="en-US" sz="2400" b="0" i="0" u="none" strike="noStrike" cap="none" spc="0">
+                <a:solidFill>
+                  <a:schemeClr val="accent4"/>
+                </a:solidFill>
+                <a:latin typeface="Times New Roman"/>
+                <a:ea typeface="Times New Roman"/>
+                <a:cs typeface="Times New Roman"/>
+              </a:rPr>
+              <a:t>int </a:t>
+            </a:r>
+            <a:r>
+              <a:rPr lang="en-US" sz="2400" b="0" i="0" u="none" strike="noStrike" cap="none" spc="0">
+                <a:solidFill>
+                  <a:schemeClr val="tx2">
+                    <a:lumMod val="50000"/>
+                  </a:schemeClr>
+                </a:solidFill>
+                <a:latin typeface="Times New Roman"/>
+                <a:ea typeface="Times New Roman"/>
+                <a:cs typeface="Times New Roman"/>
+              </a:rPr>
+              <a:t>j=i;</a:t>
+            </a:r>
+            <a:endParaRPr sz="2400" b="0" i="0" u="none" strike="noStrike" cap="none" spc="0">
+              <a:solidFill>
+                <a:schemeClr val="tx2">
+                  <a:lumMod val="50000"/>
+                </a:schemeClr>
+              </a:solidFill>
+              <a:latin typeface="Times New Roman"/>
+              <a:ea typeface="Times New Roman"/>
+              <a:cs typeface="Times New Roman"/>
+            </a:endParaRPr>
+          </a:p>
+          <a:p>
+            <a:pPr marL="0" indent="0">
+              <a:buNone/>
+              <a:defRPr/>
+            </a:pPr>
+            <a:r>
+              <a:rPr lang="en-US" sz="2400" b="0" i="0" u="none" strike="noStrike" cap="none" spc="0">
+                <a:solidFill>
+                  <a:schemeClr val="tx2">
+                    <a:lumMod val="50000"/>
+                  </a:schemeClr>
+                </a:solidFill>
+                <a:latin typeface="Times New Roman"/>
+                <a:ea typeface="Times New Roman"/>
+                <a:cs typeface="Times New Roman"/>
+              </a:rPr>
+              <a:t>		</a:t>
+            </a:r>
+            <a:r>
+              <a:rPr lang="en-US" sz="2400" b="0" i="0" u="none" strike="noStrike" cap="none" spc="0">
+                <a:solidFill>
+                  <a:schemeClr val="accent1"/>
+                </a:solidFill>
+                <a:latin typeface="Times New Roman"/>
+                <a:ea typeface="Times New Roman"/>
+                <a:cs typeface="Times New Roman"/>
+              </a:rPr>
+              <a:t>while</a:t>
+            </a:r>
+            <a:r>
+              <a:rPr lang="en-US" sz="2400" b="0" i="0" u="none" strike="noStrike" cap="none" spc="0">
+                <a:solidFill>
+                  <a:schemeClr val="tx2">
+                    <a:lumMod val="50000"/>
+                  </a:schemeClr>
+                </a:solidFill>
+                <a:latin typeface="Times New Roman"/>
+                <a:ea typeface="Times New Roman"/>
+                <a:cs typeface="Times New Roman"/>
+              </a:rPr>
+              <a:t>(j&gt;</a:t>
+            </a:r>
+            <a:r>
+              <a:rPr lang="en-US" sz="2400" b="0" i="0" u="none" strike="noStrike" cap="none" spc="0">
+                <a:solidFill>
+                  <a:schemeClr val="accent3"/>
+                </a:solidFill>
+                <a:latin typeface="Times New Roman"/>
+                <a:ea typeface="Times New Roman"/>
+                <a:cs typeface="Times New Roman"/>
+              </a:rPr>
+              <a:t>0 </a:t>
+            </a:r>
+            <a:r>
+              <a:rPr lang="en-US" sz="2400" b="0" i="0" u="none" strike="noStrike" cap="none" spc="0">
+                <a:solidFill>
+                  <a:schemeClr val="tx2">
+                    <a:lumMod val="50000"/>
+                  </a:schemeClr>
+                </a:solidFill>
+                <a:latin typeface="Times New Roman"/>
+                <a:ea typeface="Times New Roman"/>
+                <a:cs typeface="Times New Roman"/>
+              </a:rPr>
+              <a:t>&amp;&amp; inOrder(get(j-</a:t>
+            </a:r>
+            <a:r>
+              <a:rPr lang="en-US" sz="2400" b="0" i="0" u="none" strike="noStrike" cap="none" spc="0">
+                <a:solidFill>
+                  <a:schemeClr val="accent3"/>
+                </a:solidFill>
+                <a:latin typeface="Times New Roman"/>
+                <a:ea typeface="Times New Roman"/>
+                <a:cs typeface="Times New Roman"/>
+              </a:rPr>
+              <a:t>1</a:t>
+            </a:r>
+            <a:r>
+              <a:rPr lang="en-US" sz="2400" b="0" i="0" u="none" strike="noStrike" cap="none" spc="0">
+                <a:solidFill>
+                  <a:schemeClr val="tx2">
+                    <a:lumMod val="50000"/>
+                  </a:schemeClr>
+                </a:solidFill>
+                <a:latin typeface="Times New Roman"/>
+                <a:ea typeface="Times New Roman"/>
+                <a:cs typeface="Times New Roman"/>
+              </a:rPr>
+              <a:t>),get(j)))</a:t>
+            </a:r>
+            <a:endParaRPr sz="2400" b="0" i="0" u="none" strike="noStrike" cap="none" spc="0">
+              <a:solidFill>
+                <a:schemeClr val="tx2">
+                  <a:lumMod val="50000"/>
+                </a:schemeClr>
+              </a:solidFill>
+              <a:latin typeface="Times New Roman"/>
+              <a:ea typeface="Times New Roman"/>
+              <a:cs typeface="Times New Roman"/>
+            </a:endParaRPr>
+          </a:p>
+          <a:p>
+            <a:pPr marL="0" indent="0">
+              <a:buNone/>
+              <a:defRPr/>
+            </a:pPr>
+            <a:r>
+              <a:rPr lang="en-US" sz="2400" b="0" i="0" u="none" strike="noStrike" cap="none" spc="0">
+                <a:solidFill>
+                  <a:schemeClr val="tx2">
+                    <a:lumMod val="50000"/>
+                  </a:schemeClr>
+                </a:solidFill>
+                <a:latin typeface="Times New Roman"/>
+                <a:ea typeface="Times New Roman"/>
+                <a:cs typeface="Times New Roman"/>
+              </a:rPr>
+              <a:t>		{</a:t>
+            </a:r>
+            <a:endParaRPr sz="2400" b="0" i="0" u="none" strike="noStrike" cap="none" spc="0">
+              <a:solidFill>
+                <a:schemeClr val="tx2">
+                  <a:lumMod val="50000"/>
+                </a:schemeClr>
+              </a:solidFill>
+              <a:latin typeface="Times New Roman"/>
+              <a:ea typeface="Times New Roman"/>
+              <a:cs typeface="Times New Roman"/>
+            </a:endParaRPr>
+          </a:p>
+          <a:p>
+            <a:pPr marL="0" indent="0">
+              <a:buNone/>
+              <a:defRPr/>
+            </a:pPr>
+            <a:r>
+              <a:rPr lang="en-US" sz="2400" b="0" i="0" u="none" strike="noStrike" cap="none" spc="0">
+                <a:solidFill>
+                  <a:schemeClr val="tx2">
+                    <a:lumMod val="50000"/>
+                  </a:schemeClr>
+                </a:solidFill>
+                <a:latin typeface="Times New Roman"/>
+                <a:ea typeface="Times New Roman"/>
+                <a:cs typeface="Times New Roman"/>
+              </a:rPr>
+              <a:t>			swap(j,j-</a:t>
+            </a:r>
+            <a:r>
+              <a:rPr lang="en-US" sz="2400" b="0" i="0" u="none" strike="noStrike" cap="none" spc="0">
+                <a:solidFill>
+                  <a:schemeClr val="accent3"/>
+                </a:solidFill>
+                <a:latin typeface="Times New Roman"/>
+                <a:ea typeface="Times New Roman"/>
+                <a:cs typeface="Times New Roman"/>
+              </a:rPr>
+              <a:t>1</a:t>
+            </a:r>
+            <a:r>
+              <a:rPr lang="en-US" sz="2400" b="0" i="0" u="none" strike="noStrike" cap="none" spc="0">
+                <a:solidFill>
+                  <a:schemeClr val="tx2">
+                    <a:lumMod val="50000"/>
+                  </a:schemeClr>
+                </a:solidFill>
+                <a:latin typeface="Times New Roman"/>
+                <a:ea typeface="Times New Roman"/>
+                <a:cs typeface="Times New Roman"/>
+              </a:rPr>
+              <a:t>);</a:t>
+            </a:r>
+            <a:endParaRPr sz="2400" b="0" i="0" u="none" strike="noStrike" cap="none" spc="0">
+              <a:solidFill>
+                <a:schemeClr val="tx2">
+                  <a:lumMod val="50000"/>
+                </a:schemeClr>
+              </a:solidFill>
+              <a:latin typeface="Times New Roman"/>
+              <a:ea typeface="Times New Roman"/>
+              <a:cs typeface="Times New Roman"/>
+            </a:endParaRPr>
+          </a:p>
+          <a:p>
+            <a:pPr marL="0" indent="0">
+              <a:buNone/>
+              <a:defRPr/>
+            </a:pPr>
+            <a:r>
+              <a:rPr lang="en-US" sz="2400" b="0" i="0" u="none" strike="noStrike" cap="none" spc="0">
+                <a:solidFill>
+                  <a:schemeClr val="tx2">
+                    <a:lumMod val="50000"/>
+                  </a:schemeClr>
+                </a:solidFill>
+                <a:latin typeface="Times New Roman"/>
+                <a:ea typeface="Times New Roman"/>
+                <a:cs typeface="Times New Roman"/>
+              </a:rPr>
+              <a:t>			</a:t>
+            </a:r>
+            <a:r>
+              <a:rPr lang="en-US" sz="2400" b="0" i="0" u="none" strike="noStrike" cap="none" spc="0">
+                <a:solidFill>
+                  <a:schemeClr val="accent3"/>
+                </a:solidFill>
+                <a:latin typeface="Times New Roman"/>
+                <a:ea typeface="Times New Roman"/>
+                <a:cs typeface="Times New Roman"/>
+              </a:rPr>
+              <a:t>j</a:t>
+            </a:r>
+            <a:r>
+              <a:rPr lang="en-US" sz="2400" b="0" i="0" u="none" strike="noStrike" cap="none" spc="0">
+                <a:solidFill>
+                  <a:schemeClr val="tx2">
+                    <a:lumMod val="50000"/>
+                  </a:schemeClr>
+                </a:solidFill>
+                <a:latin typeface="Times New Roman"/>
+                <a:ea typeface="Times New Roman"/>
+                <a:cs typeface="Times New Roman"/>
+              </a:rPr>
+              <a:t>--;</a:t>
+            </a:r>
+            <a:endParaRPr sz="2400" b="0" i="0" u="none" strike="noStrike" cap="none" spc="0">
+              <a:solidFill>
+                <a:schemeClr val="tx2">
+                  <a:lumMod val="50000"/>
+                </a:schemeClr>
+              </a:solidFill>
+              <a:latin typeface="Times New Roman"/>
+              <a:ea typeface="Times New Roman"/>
+              <a:cs typeface="Times New Roman"/>
+            </a:endParaRPr>
+          </a:p>
+          <a:p>
+            <a:pPr marL="0" indent="0">
+              <a:buNone/>
+              <a:defRPr/>
+            </a:pPr>
+            <a:r>
+              <a:rPr lang="en-US" sz="2400" b="0" i="0" u="none" strike="noStrike" cap="none" spc="0">
+                <a:solidFill>
+                  <a:schemeClr val="tx2">
+                    <a:lumMod val="50000"/>
+                  </a:schemeClr>
+                </a:solidFill>
+                <a:latin typeface="Times New Roman"/>
+                <a:ea typeface="Times New Roman"/>
+                <a:cs typeface="Times New Roman"/>
+              </a:rPr>
+              <a:t>		}</a:t>
+            </a:r>
+            <a:endParaRPr sz="2400" b="0" i="0" u="none" strike="noStrike" cap="none" spc="0">
+              <a:solidFill>
+                <a:schemeClr val="tx2">
+                  <a:lumMod val="50000"/>
+                </a:schemeClr>
+              </a:solidFill>
+              <a:latin typeface="Times New Roman"/>
+              <a:ea typeface="Times New Roman"/>
+              <a:cs typeface="Times New Roman"/>
+            </a:endParaRPr>
+          </a:p>
+          <a:p>
+            <a:pPr marL="0" indent="0">
+              <a:buNone/>
+              <a:defRPr/>
+            </a:pPr>
+            <a:r>
+              <a:rPr lang="en-US" sz="2400" b="0" i="0" u="none" strike="noStrike" cap="none" spc="0">
+                <a:solidFill>
+                  <a:schemeClr val="tx2">
+                    <a:lumMod val="50000"/>
+                  </a:schemeClr>
+                </a:solidFill>
+                <a:latin typeface="Times New Roman"/>
+                <a:ea typeface="Times New Roman"/>
+                <a:cs typeface="Times New Roman"/>
+              </a:rPr>
+              <a:t>			</a:t>
+            </a:r>
+            <a:endParaRPr sz="2400" b="0" i="0" u="none" strike="noStrike" cap="none" spc="0">
+              <a:solidFill>
+                <a:schemeClr val="tx2">
+                  <a:lumMod val="50000"/>
+                </a:schemeClr>
+              </a:solidFill>
+              <a:latin typeface="Times New Roman"/>
+              <a:ea typeface="Times New Roman"/>
+              <a:cs typeface="Times New Roman"/>
+            </a:endParaRPr>
+          </a:p>
+          <a:p>
+            <a:pPr marL="0" indent="0">
+              <a:buNone/>
+              <a:defRPr/>
+            </a:pPr>
+            <a:r>
+              <a:rPr lang="en-US" sz="2400" b="0" i="0" u="none" strike="noStrike" cap="none" spc="0">
+                <a:solidFill>
+                  <a:schemeClr val="tx2">
+                    <a:lumMod val="50000"/>
+                  </a:schemeClr>
+                </a:solidFill>
+                <a:latin typeface="Times New Roman"/>
+                <a:ea typeface="Times New Roman"/>
+                <a:cs typeface="Times New Roman"/>
+              </a:rPr>
+              <a:t>	}</a:t>
+            </a:r>
+            <a:endParaRPr sz="2400" b="0" i="0" u="none" strike="noStrike" cap="none" spc="0">
+              <a:solidFill>
+                <a:schemeClr val="tx2">
+                  <a:lumMod val="50000"/>
+                </a:schemeClr>
+              </a:solidFill>
+              <a:latin typeface="Times New Roman"/>
+              <a:ea typeface="Times New Roman"/>
+              <a:cs typeface="Times New Roman"/>
+            </a:endParaRPr>
+          </a:p>
+          <a:p>
+            <a:pPr marL="0" indent="0">
+              <a:buNone/>
+              <a:defRPr/>
+            </a:pPr>
+            <a:r>
+              <a:rPr lang="en-US" sz="2400" b="0" i="0" u="none" strike="noStrike" cap="none" spc="0">
+                <a:solidFill>
+                  <a:schemeClr val="tx2">
+                    <a:lumMod val="50000"/>
+                  </a:schemeClr>
+                </a:solidFill>
+                <a:latin typeface="Times New Roman"/>
+                <a:ea typeface="Times New Roman"/>
+                <a:cs typeface="Times New Roman"/>
+              </a:rPr>
+              <a:t>}</a:t>
+            </a:r>
+            <a:endParaRPr sz="2400" b="0" i="0" u="none" strike="noStrike" cap="none" spc="0">
+              <a:solidFill>
+                <a:schemeClr val="tx2">
+                  <a:lumMod val="50000"/>
+                </a:schemeClr>
+              </a:solidFill>
+              <a:latin typeface="Times New Roman"/>
+              <a:ea typeface="Times New Roman"/>
+              <a:cs typeface="Times New Roman"/>
+            </a:endParaRPr>
+          </a:p>
+        </p:txBody>
+      </p:sp>
+    </p:spTree>
+  </p:cSld>
+  <p:clrMapOvr>
+    <a:masterClrMapping/>
+  </p:clrMapOvr>
+  <mc:AlternateContent xmlns:mc="http://schemas.openxmlformats.org/markup-compatibility/2006">
+    <mc:Choice xmlns:p14="http://schemas.microsoft.com/office/powerpoint/2010/main" Requires="p14">
+      <p:transition p14:dur="2000" advClick="1"/>
+    </mc:Choice>
+    <mc:Fallback>
+      <p:transition advClick="1"/>
+    </mc:Fallback>
+  </mc:AlternateContent>
+</p:sld>
+</file>
+
+<file path=ppt/slides/slide12.xml><?xml version="1.0" encoding="utf-8"?>
+<p:sld xmlns:a="http://schemas.openxmlformats.org/drawingml/2006/main" xmlns:r="http://schemas.openxmlformats.org/officeDocument/2006/relationships" xmlns:p="http://schemas.openxmlformats.org/presentationml/2006/main" xmlns:m="http://schemas.openxmlformats.org/officeDocument/2006/math" xmlns:w="http://schemas.openxmlformats.org/wordprocessingml/2006/main" showMasterPhAnim="0" show="1">
+  <p:cSld name="">
+    <p:spTree>
+      <p:nvGrpSpPr>
+        <p:cNvPr id="1" name="" hidden="0"/>
+        <p:cNvGrpSpPr/>
+        <p:nvPr isPhoto="0" userDrawn="0"/>
+      </p:nvGrpSpPr>
+      <p:grpSpPr bwMode="auto">
+        <a:xfrm>
+          <a:off x="0" y="0"/>
+          <a:ext cx="0" cy="0"/>
+          <a:chOff x="0" y="0"/>
+          <a:chExt cx="0" cy="0"/>
+        </a:xfrm>
+      </p:grpSpPr>
+      <p:sp>
+        <p:nvSpPr>
+          <p:cNvPr id="4" name="Заголовок 1" hidden="0"/>
+          <p:cNvSpPr>
+            <a:spLocks noGrp="1"/>
+          </p:cNvSpPr>
+          <p:nvPr isPhoto="0" userDrawn="0">
+            <p:ph type="title" hasCustomPrompt="0"/>
+          </p:nvPr>
+        </p:nvSpPr>
+        <p:spPr bwMode="auto"/>
+        <p:txBody>
+          <a:bodyPr/>
+          <a:lstStyle/>
+          <a:p>
+            <a:pPr>
+              <a:defRPr/>
+            </a:pPr>
+            <a:r>
+              <a:rPr/>
+              <a:t>{bubble_sort} / [code]</a:t>
+            </a:r>
+            <a:endParaRPr/>
+          </a:p>
+        </p:txBody>
+      </p:sp>
+      <p:sp>
+        <p:nvSpPr>
+          <p:cNvPr id="5" name="Объект 2" hidden="0"/>
+          <p:cNvSpPr>
+            <a:spLocks noGrp="1"/>
+          </p:cNvSpPr>
+          <p:nvPr isPhoto="0" userDrawn="0">
+            <p:ph idx="1" hasCustomPrompt="0"/>
+          </p:nvPr>
+        </p:nvSpPr>
+        <p:spPr bwMode="auto"/>
+        <p:txBody>
+          <a:bodyPr/>
+          <a:lstStyle/>
+          <a:p>
+            <a:pPr>
+              <a:defRPr/>
+            </a:pPr>
+            <a:r>
+              <a:rPr lang="en-US" sz="2800" b="0" i="0" u="none" strike="noStrike" cap="none" spc="0">
+                <a:solidFill>
+                  <a:schemeClr val="accent1"/>
+                </a:solidFill>
+                <a:latin typeface="Times New Roman"/>
+                <a:ea typeface="Times New Roman"/>
+                <a:cs typeface="Times New Roman"/>
+              </a:rPr>
+              <a:t>public </a:t>
+            </a:r>
+            <a:r>
+              <a:rPr lang="en-US" sz="2800" b="0" i="0" u="none" strike="noStrike" cap="none" spc="0">
+                <a:solidFill>
+                  <a:schemeClr val="accent4"/>
+                </a:solidFill>
+                <a:latin typeface="Times New Roman"/>
+                <a:ea typeface="Times New Roman"/>
+                <a:cs typeface="Times New Roman"/>
+              </a:rPr>
+              <a:t>void </a:t>
+            </a:r>
+            <a:r>
+              <a:rPr lang="en-US" sz="2800" b="0" i="0" u="none" strike="noStrike" cap="none" spc="0">
+                <a:solidFill>
+                  <a:schemeClr val="tx2">
+                    <a:lumMod val="50000"/>
+                  </a:schemeClr>
+                </a:solidFill>
+                <a:latin typeface="Times New Roman"/>
+                <a:ea typeface="Times New Roman"/>
+                <a:cs typeface="Times New Roman"/>
+              </a:rPr>
+              <a:t>bubbleSort()</a:t>
+            </a:r>
+            <a:endParaRPr sz="2800" b="0" i="0" u="none" strike="noStrike" cap="none" spc="0">
+              <a:solidFill>
+                <a:schemeClr val="tx2">
+                  <a:lumMod val="50000"/>
+                </a:schemeClr>
+              </a:solidFill>
+              <a:latin typeface="Times New Roman"/>
+              <a:ea typeface="Times New Roman"/>
+              <a:cs typeface="Times New Roman"/>
+            </a:endParaRPr>
+          </a:p>
+          <a:p>
+            <a:pPr marL="0" indent="0">
+              <a:buNone/>
+              <a:defRPr/>
+            </a:pPr>
+            <a:r>
+              <a:rPr lang="en-US" sz="2800" b="0" i="0" u="none" strike="noStrike" cap="none" spc="0">
+                <a:solidFill>
+                  <a:schemeClr val="tx2">
+                    <a:lumMod val="50000"/>
+                  </a:schemeClr>
+                </a:solidFill>
+                <a:latin typeface="Times New Roman"/>
+                <a:ea typeface="Times New Roman"/>
+                <a:cs typeface="Times New Roman"/>
+              </a:rPr>
+              <a:t>{</a:t>
+            </a:r>
+            <a:endParaRPr lang="en-US" sz="2800" b="0" i="0" u="none" strike="noStrike" cap="none" spc="0">
+              <a:solidFill>
+                <a:schemeClr val="tx2">
+                  <a:lumMod val="50000"/>
+                </a:schemeClr>
+              </a:solidFill>
+              <a:latin typeface="Times New Roman"/>
+              <a:ea typeface="Times New Roman"/>
+              <a:cs typeface="Times New Roman"/>
+            </a:endParaRPr>
+          </a:p>
+          <a:p>
+            <a:pPr marL="0" indent="0">
+              <a:buNone/>
+              <a:defRPr/>
+            </a:pPr>
+            <a:r>
+              <a:rPr lang="en-US" sz="2800" b="0" i="0" u="none" strike="noStrike" cap="none" spc="0">
+                <a:solidFill>
+                  <a:schemeClr val="tx2">
+                    <a:lumMod val="50000"/>
+                  </a:schemeClr>
+                </a:solidFill>
+                <a:latin typeface="Times New Roman"/>
+                <a:ea typeface="Times New Roman"/>
+                <a:cs typeface="Times New Roman"/>
+              </a:rPr>
+              <a:t>	</a:t>
+            </a:r>
+            <a:r>
+              <a:rPr lang="en-US" sz="2800" b="0" i="0" u="none" strike="noStrike" cap="none" spc="0">
+                <a:solidFill>
+                  <a:schemeClr val="accent1"/>
+                </a:solidFill>
+                <a:latin typeface="Times New Roman"/>
+                <a:ea typeface="Times New Roman"/>
+                <a:cs typeface="Times New Roman"/>
+              </a:rPr>
+              <a:t>for</a:t>
+            </a:r>
+            <a:r>
+              <a:rPr lang="en-US" sz="2800" b="0" i="0" u="none" strike="noStrike" cap="none" spc="0">
+                <a:solidFill>
+                  <a:schemeClr val="tx2">
+                    <a:lumMod val="50000"/>
+                  </a:schemeClr>
+                </a:solidFill>
+                <a:latin typeface="Times New Roman"/>
+                <a:ea typeface="Times New Roman"/>
+                <a:cs typeface="Times New Roman"/>
+              </a:rPr>
+              <a:t>(</a:t>
+            </a:r>
+            <a:r>
+              <a:rPr lang="en-US" sz="2800" b="0" i="0" u="none" strike="noStrike" cap="none" spc="0">
+                <a:solidFill>
+                  <a:schemeClr val="accent4"/>
+                </a:solidFill>
+                <a:latin typeface="Times New Roman"/>
+                <a:ea typeface="Times New Roman"/>
+                <a:cs typeface="Times New Roman"/>
+              </a:rPr>
+              <a:t>int </a:t>
+            </a:r>
+            <a:r>
+              <a:rPr lang="en-US" sz="2800" b="0" i="0" u="none" strike="noStrike" cap="none" spc="0">
+                <a:solidFill>
+                  <a:schemeClr val="tx2">
+                    <a:lumMod val="50000"/>
+                  </a:schemeClr>
+                </a:solidFill>
+                <a:latin typeface="Times New Roman"/>
+                <a:ea typeface="Times New Roman"/>
+                <a:cs typeface="Times New Roman"/>
+              </a:rPr>
+              <a:t>i=</a:t>
+            </a:r>
+            <a:r>
+              <a:rPr lang="en-US" sz="2800" b="0" i="0" u="none" strike="noStrike" cap="none" spc="0">
+                <a:solidFill>
+                  <a:schemeClr val="accent3"/>
+                </a:solidFill>
+                <a:latin typeface="Times New Roman"/>
+                <a:ea typeface="Times New Roman"/>
+                <a:cs typeface="Times New Roman"/>
+              </a:rPr>
+              <a:t>0</a:t>
+            </a:r>
+            <a:r>
+              <a:rPr lang="en-US" sz="2800" b="0" i="0" u="none" strike="noStrike" cap="none" spc="0">
+                <a:solidFill>
+                  <a:schemeClr val="tx2">
+                    <a:lumMod val="50000"/>
+                  </a:schemeClr>
+                </a:solidFill>
+                <a:latin typeface="Times New Roman"/>
+                <a:ea typeface="Times New Roman"/>
+                <a:cs typeface="Times New Roman"/>
+              </a:rPr>
+              <a:t>;i&lt;size;i++)</a:t>
+            </a:r>
+            <a:endParaRPr sz="2800" b="0" i="0" u="none" strike="noStrike" cap="none" spc="0">
+              <a:solidFill>
+                <a:schemeClr val="tx2">
+                  <a:lumMod val="50000"/>
+                </a:schemeClr>
+              </a:solidFill>
+              <a:latin typeface="Times New Roman"/>
+              <a:ea typeface="Times New Roman"/>
+              <a:cs typeface="Times New Roman"/>
+            </a:endParaRPr>
+          </a:p>
+          <a:p>
+            <a:pPr marL="0" indent="0">
+              <a:buNone/>
+              <a:defRPr/>
+            </a:pPr>
+            <a:r>
+              <a:rPr lang="en-US" sz="2800" b="0" i="0" u="none" strike="noStrike" cap="none" spc="0">
+                <a:solidFill>
+                  <a:schemeClr val="tx2">
+                    <a:lumMod val="50000"/>
+                  </a:schemeClr>
+                </a:solidFill>
+                <a:latin typeface="Times New Roman"/>
+                <a:ea typeface="Times New Roman"/>
+                <a:cs typeface="Times New Roman"/>
+              </a:rPr>
+              <a:t>	</a:t>
+            </a:r>
+            <a:r>
+              <a:rPr lang="en-US" sz="2800" b="0" i="0" u="none" strike="noStrike" cap="none" spc="0">
+                <a:solidFill>
+                  <a:schemeClr val="tx2">
+                    <a:lumMod val="50000"/>
+                  </a:schemeClr>
+                </a:solidFill>
+                <a:latin typeface="Times New Roman"/>
+                <a:ea typeface="Times New Roman"/>
+                <a:cs typeface="Times New Roman"/>
+              </a:rPr>
+              <a:t>{  </a:t>
+            </a:r>
+            <a:endParaRPr sz="2800" b="0" i="0" u="none" strike="noStrike" cap="none" spc="0">
+              <a:solidFill>
+                <a:schemeClr val="tx2">
+                  <a:lumMod val="50000"/>
+                </a:schemeClr>
+              </a:solidFill>
+              <a:latin typeface="Times New Roman"/>
+              <a:ea typeface="Times New Roman"/>
+              <a:cs typeface="Times New Roman"/>
+            </a:endParaRPr>
+          </a:p>
+          <a:p>
+            <a:pPr marL="0" indent="0">
+              <a:buNone/>
+              <a:defRPr/>
+            </a:pPr>
+            <a:r>
+              <a:rPr lang="en-US" sz="2800" b="0" i="0" u="none" strike="noStrike" cap="none" spc="0">
+                <a:solidFill>
+                  <a:schemeClr val="tx2">
+                    <a:lumMod val="50000"/>
+                  </a:schemeClr>
+                </a:solidFill>
+                <a:latin typeface="Times New Roman"/>
+                <a:ea typeface="Times New Roman"/>
+                <a:cs typeface="Times New Roman"/>
+              </a:rPr>
+              <a:t>		</a:t>
+            </a:r>
+            <a:r>
+              <a:rPr lang="en-US" sz="2800" b="0" i="0" u="none" strike="noStrike" cap="none" spc="0">
+                <a:solidFill>
+                  <a:schemeClr val="accent1"/>
+                </a:solidFill>
+                <a:latin typeface="Times New Roman"/>
+                <a:ea typeface="Times New Roman"/>
+                <a:cs typeface="Times New Roman"/>
+              </a:rPr>
+              <a:t>for</a:t>
+            </a:r>
+            <a:r>
+              <a:rPr lang="en-US" sz="2800" b="0" i="0" u="none" strike="noStrike" cap="none" spc="0">
+                <a:solidFill>
+                  <a:schemeClr val="tx2">
+                    <a:lumMod val="50000"/>
+                  </a:schemeClr>
+                </a:solidFill>
+                <a:latin typeface="Times New Roman"/>
+                <a:ea typeface="Times New Roman"/>
+                <a:cs typeface="Times New Roman"/>
+              </a:rPr>
+              <a:t>(</a:t>
+            </a:r>
+            <a:r>
+              <a:rPr lang="en-US" sz="2800" b="0" i="0" u="none" strike="noStrike" cap="none" spc="0">
+                <a:solidFill>
+                  <a:schemeClr val="accent4"/>
+                </a:solidFill>
+                <a:latin typeface="Times New Roman"/>
+                <a:ea typeface="Times New Roman"/>
+                <a:cs typeface="Times New Roman"/>
+              </a:rPr>
+              <a:t>int </a:t>
+            </a:r>
+            <a:r>
+              <a:rPr lang="en-US" sz="2800" b="0" i="0" u="none" strike="noStrike" cap="none" spc="0">
+                <a:solidFill>
+                  <a:schemeClr val="tx2">
+                    <a:lumMod val="50000"/>
+                  </a:schemeClr>
+                </a:solidFill>
+                <a:latin typeface="Times New Roman"/>
+                <a:ea typeface="Times New Roman"/>
+                <a:cs typeface="Times New Roman"/>
+              </a:rPr>
+              <a:t>j=</a:t>
+            </a:r>
+            <a:r>
+              <a:rPr lang="en-US" sz="2800" b="0" i="0" u="none" strike="noStrike" cap="none" spc="0">
+                <a:solidFill>
+                  <a:schemeClr val="accent3"/>
+                </a:solidFill>
+                <a:latin typeface="Times New Roman"/>
+                <a:ea typeface="Times New Roman"/>
+                <a:cs typeface="Times New Roman"/>
+              </a:rPr>
+              <a:t>1</a:t>
+            </a:r>
+            <a:r>
+              <a:rPr lang="en-US" sz="2800" b="0" i="0" u="none" strike="noStrike" cap="none" spc="0">
+                <a:solidFill>
+                  <a:schemeClr val="tx2">
+                    <a:lumMod val="50000"/>
+                  </a:schemeClr>
+                </a:solidFill>
+                <a:latin typeface="Times New Roman"/>
+                <a:ea typeface="Times New Roman"/>
+                <a:cs typeface="Times New Roman"/>
+              </a:rPr>
+              <a:t>;j&lt;=size-</a:t>
+            </a:r>
+            <a:r>
+              <a:rPr lang="en-US" sz="2800" b="0" i="0" u="none" strike="noStrike" cap="none" spc="0">
+                <a:solidFill>
+                  <a:schemeClr val="accent3"/>
+                </a:solidFill>
+                <a:latin typeface="Times New Roman"/>
+                <a:ea typeface="Times New Roman"/>
+                <a:cs typeface="Times New Roman"/>
+              </a:rPr>
+              <a:t>1</a:t>
+            </a:r>
+            <a:r>
+              <a:rPr lang="en-US" sz="2800" b="0" i="0" u="none" strike="noStrike" cap="none" spc="0">
+                <a:solidFill>
+                  <a:schemeClr val="tx2">
+                    <a:lumMod val="50000"/>
+                  </a:schemeClr>
+                </a:solidFill>
+                <a:latin typeface="Times New Roman"/>
+                <a:ea typeface="Times New Roman"/>
+                <a:cs typeface="Times New Roman"/>
+              </a:rPr>
+              <a:t>-i;j++)</a:t>
+            </a:r>
+            <a:endParaRPr sz="2800" b="0" i="0" u="none" strike="noStrike" cap="none" spc="0">
+              <a:solidFill>
+                <a:schemeClr val="tx2">
+                  <a:lumMod val="50000"/>
+                </a:schemeClr>
+              </a:solidFill>
+              <a:latin typeface="Times New Roman"/>
+              <a:ea typeface="Times New Roman"/>
+              <a:cs typeface="Times New Roman"/>
+            </a:endParaRPr>
+          </a:p>
+          <a:p>
+            <a:pPr marL="0" indent="0">
+              <a:buNone/>
+              <a:defRPr/>
+            </a:pPr>
+            <a:r>
+              <a:rPr lang="en-US" sz="2800" b="0" i="0" u="none" strike="noStrike" cap="none" spc="0">
+                <a:solidFill>
+                  <a:schemeClr val="tx2">
+                    <a:lumMod val="50000"/>
+                  </a:schemeClr>
+                </a:solidFill>
+                <a:latin typeface="Times New Roman"/>
+                <a:ea typeface="Times New Roman"/>
+                <a:cs typeface="Times New Roman"/>
+              </a:rPr>
+              <a:t>		{  </a:t>
+            </a:r>
+            <a:endParaRPr sz="2800" b="0" i="0" u="none" strike="noStrike" cap="none" spc="0">
+              <a:solidFill>
+                <a:schemeClr val="tx2">
+                  <a:lumMod val="50000"/>
+                </a:schemeClr>
+              </a:solidFill>
+              <a:latin typeface="Times New Roman"/>
+              <a:ea typeface="Times New Roman"/>
+              <a:cs typeface="Times New Roman"/>
+            </a:endParaRPr>
+          </a:p>
+          <a:p>
+            <a:pPr marL="0" indent="0">
+              <a:buNone/>
+              <a:defRPr/>
+            </a:pPr>
+            <a:r>
+              <a:rPr lang="en-US" sz="2800" b="0" i="0" u="none" strike="noStrike" cap="none" spc="0">
+                <a:solidFill>
+                  <a:schemeClr val="tx2">
+                    <a:lumMod val="50000"/>
+                  </a:schemeClr>
+                </a:solidFill>
+                <a:latin typeface="Times New Roman"/>
+                <a:ea typeface="Times New Roman"/>
+                <a:cs typeface="Times New Roman"/>
+              </a:rPr>
+              <a:t>			</a:t>
+            </a:r>
+            <a:r>
+              <a:rPr lang="en-US" sz="2800" b="0" i="0" u="none" strike="noStrike" cap="none" spc="0">
+                <a:solidFill>
+                  <a:schemeClr val="accent1"/>
+                </a:solidFill>
+                <a:latin typeface="Times New Roman"/>
+                <a:ea typeface="Times New Roman"/>
+                <a:cs typeface="Times New Roman"/>
+              </a:rPr>
+              <a:t>if</a:t>
+            </a:r>
+            <a:r>
+              <a:rPr lang="en-US" sz="2800" b="0" i="0" u="none" strike="noStrike" cap="none" spc="0">
+                <a:solidFill>
+                  <a:schemeClr val="tx2">
+                    <a:lumMod val="50000"/>
+                  </a:schemeClr>
+                </a:solidFill>
+                <a:latin typeface="Times New Roman"/>
+                <a:ea typeface="Times New Roman"/>
+                <a:cs typeface="Times New Roman"/>
+              </a:rPr>
+              <a:t>(!inOrder(get(j),get(j-</a:t>
+            </a:r>
+            <a:r>
+              <a:rPr lang="en-US" sz="2800" b="0" i="0" u="none" strike="noStrike" cap="none" spc="0">
+                <a:solidFill>
+                  <a:schemeClr val="accent3"/>
+                </a:solidFill>
+                <a:latin typeface="Times New Roman"/>
+                <a:ea typeface="Times New Roman"/>
+                <a:cs typeface="Times New Roman"/>
+              </a:rPr>
+              <a:t>1</a:t>
+            </a:r>
+            <a:r>
+              <a:rPr lang="en-US" sz="2800" b="0" i="0" u="none" strike="noStrike" cap="none" spc="0">
+                <a:solidFill>
+                  <a:schemeClr val="tx2">
+                    <a:lumMod val="50000"/>
+                  </a:schemeClr>
+                </a:solidFill>
+                <a:latin typeface="Times New Roman"/>
+                <a:ea typeface="Times New Roman"/>
+                <a:cs typeface="Times New Roman"/>
+              </a:rPr>
+              <a:t>)))swap(j-</a:t>
+            </a:r>
+            <a:r>
+              <a:rPr lang="en-US" sz="2800" b="0" i="0" u="none" strike="noStrike" cap="none" spc="0">
+                <a:solidFill>
+                  <a:schemeClr val="accent3"/>
+                </a:solidFill>
+                <a:latin typeface="Times New Roman"/>
+                <a:ea typeface="Times New Roman"/>
+                <a:cs typeface="Times New Roman"/>
+              </a:rPr>
+              <a:t>1</a:t>
+            </a:r>
+            <a:r>
+              <a:rPr lang="en-US" sz="2800" b="0" i="0" u="none" strike="noStrike" cap="none" spc="0">
+                <a:solidFill>
+                  <a:schemeClr val="tx2">
+                    <a:lumMod val="50000"/>
+                  </a:schemeClr>
+                </a:solidFill>
+                <a:latin typeface="Times New Roman"/>
+                <a:ea typeface="Times New Roman"/>
+                <a:cs typeface="Times New Roman"/>
+              </a:rPr>
+              <a:t>,j);</a:t>
+            </a:r>
+            <a:endParaRPr sz="2800" b="0" i="0" u="none" strike="noStrike" cap="none" spc="0">
+              <a:solidFill>
+                <a:schemeClr val="tx2">
+                  <a:lumMod val="50000"/>
+                </a:schemeClr>
+              </a:solidFill>
+              <a:latin typeface="Times New Roman"/>
+              <a:ea typeface="Times New Roman"/>
+              <a:cs typeface="Times New Roman"/>
+            </a:endParaRPr>
+          </a:p>
+          <a:p>
+            <a:pPr marL="0" indent="0">
+              <a:buNone/>
+              <a:defRPr/>
+            </a:pPr>
+            <a:r>
+              <a:rPr lang="en-US" sz="2800" b="0" i="0" u="none" strike="noStrike" cap="none" spc="0">
+                <a:solidFill>
+                  <a:schemeClr val="tx2">
+                    <a:lumMod val="50000"/>
+                  </a:schemeClr>
+                </a:solidFill>
+                <a:latin typeface="Times New Roman"/>
+                <a:ea typeface="Times New Roman"/>
+                <a:cs typeface="Times New Roman"/>
+              </a:rPr>
+              <a:t>		}  </a:t>
+            </a:r>
+            <a:endParaRPr sz="2800" b="0" i="0" u="none" strike="noStrike" cap="none" spc="0">
+              <a:solidFill>
+                <a:schemeClr val="tx2">
+                  <a:lumMod val="50000"/>
+                </a:schemeClr>
+              </a:solidFill>
+              <a:latin typeface="Times New Roman"/>
+              <a:ea typeface="Times New Roman"/>
+              <a:cs typeface="Times New Roman"/>
+            </a:endParaRPr>
+          </a:p>
+          <a:p>
+            <a:pPr marL="0" indent="0">
+              <a:buNone/>
+              <a:defRPr/>
+            </a:pPr>
+            <a:r>
+              <a:rPr lang="en-US" sz="2800" b="0" i="0" u="none" strike="noStrike" cap="none" spc="0">
+                <a:solidFill>
+                  <a:schemeClr val="tx2">
+                    <a:lumMod val="50000"/>
+                  </a:schemeClr>
+                </a:solidFill>
+                <a:latin typeface="Times New Roman"/>
+                <a:ea typeface="Times New Roman"/>
+                <a:cs typeface="Times New Roman"/>
+              </a:rPr>
+              <a:t>	} </a:t>
+            </a:r>
+            <a:endParaRPr sz="2800" b="0" i="0" u="none" strike="noStrike" cap="none" spc="0">
+              <a:solidFill>
+                <a:schemeClr val="tx2">
+                  <a:lumMod val="50000"/>
+                </a:schemeClr>
+              </a:solidFill>
+              <a:latin typeface="Times New Roman"/>
+              <a:ea typeface="Times New Roman"/>
+              <a:cs typeface="Times New Roman"/>
+            </a:endParaRPr>
+          </a:p>
+          <a:p>
+            <a:pPr marL="0" indent="0">
+              <a:buNone/>
+              <a:defRPr/>
+            </a:pPr>
+            <a:r>
+              <a:rPr lang="en-US" sz="2800" b="0" i="0" u="none" strike="noStrike" cap="none" spc="0">
+                <a:solidFill>
+                  <a:schemeClr val="tx2">
+                    <a:lumMod val="50000"/>
+                  </a:schemeClr>
+                </a:solidFill>
+                <a:latin typeface="Times New Roman"/>
+                <a:ea typeface="Times New Roman"/>
+                <a:cs typeface="Times New Roman"/>
+              </a:rPr>
+              <a:t>}</a:t>
+            </a:r>
+            <a:endParaRPr sz="2800" b="0" i="0" u="none" strike="noStrike" cap="none" spc="0">
+              <a:solidFill>
+                <a:schemeClr val="tx2">
+                  <a:lumMod val="50000"/>
+                </a:schemeClr>
+              </a:solidFill>
+              <a:latin typeface="Times New Roman"/>
+              <a:ea typeface="Times New Roman"/>
+              <a:cs typeface="Times New Roman"/>
+            </a:endParaRPr>
+          </a:p>
+        </p:txBody>
+      </p:sp>
+    </p:spTree>
+  </p:cSld>
+  <p:clrMapOvr>
+    <a:masterClrMapping/>
+  </p:clrMapOvr>
+  <mc:AlternateContent xmlns:mc="http://schemas.openxmlformats.org/markup-compatibility/2006">
+    <mc:Choice xmlns:p14="http://schemas.microsoft.com/office/powerpoint/2010/main" Requires="p14">
+      <p:transition p14:dur="2000" advClick="1"/>
+    </mc:Choice>
+    <mc:Fallback>
+      <p:transition advClick="1"/>
+    </mc:Fallback>
+  </mc:AlternateContent>
+</p:sld>
+</file>
+
+<file path=ppt/slides/slide13.xml><?xml version="1.0" encoding="utf-8"?>
+<p:sld xmlns:a="http://schemas.openxmlformats.org/drawingml/2006/main" xmlns:r="http://schemas.openxmlformats.org/officeDocument/2006/relationships" xmlns:p="http://schemas.openxmlformats.org/presentationml/2006/main" xmlns:m="http://schemas.openxmlformats.org/officeDocument/2006/math" xmlns:w="http://schemas.openxmlformats.org/wordprocessingml/2006/main" showMasterPhAnim="0" show="1">
+  <p:cSld name="">
+    <p:spTree>
+      <p:nvGrpSpPr>
+        <p:cNvPr id="1" name="" hidden="0"/>
+        <p:cNvGrpSpPr/>
+        <p:nvPr isPhoto="0" userDrawn="0"/>
+      </p:nvGrpSpPr>
+      <p:grpSpPr bwMode="auto">
+        <a:xfrm>
+          <a:off x="0" y="0"/>
+          <a:ext cx="0" cy="0"/>
+          <a:chOff x="0" y="0"/>
+          <a:chExt cx="0" cy="0"/>
+        </a:xfrm>
+      </p:grpSpPr>
+      <p:sp>
+        <p:nvSpPr>
+          <p:cNvPr id="4" name="Заголовок 1" hidden="0"/>
+          <p:cNvSpPr>
+            <a:spLocks noGrp="1"/>
+          </p:cNvSpPr>
+          <p:nvPr isPhoto="0" userDrawn="0">
+            <p:ph type="title" hasCustomPrompt="0"/>
+          </p:nvPr>
+        </p:nvSpPr>
+        <p:spPr bwMode="auto"/>
+        <p:txBody>
+          <a:bodyPr/>
+          <a:lstStyle/>
+          <a:p>
+            <a:pPr>
+              <a:defRPr/>
+            </a:pPr>
+            <a:r>
+              <a:rPr/>
+              <a:t>{quick_sort} / [code]</a:t>
             </a:r>
             <a:endParaRPr/>
           </a:p>
@@ -10372,7 +11726,7 @@
               <a:defRPr/>
             </a:pPr>
             <a:r>
-              <a:rPr lang="en-US" sz="1200" b="0" i="0" u="none" strike="noStrike" cap="none" spc="0">
+              <a:rPr lang="en-US" sz="1000" b="0" i="0" u="none" strike="noStrike" cap="none" spc="0">
                 <a:solidFill>
                   <a:schemeClr val="accent1"/>
                 </a:solidFill>
@@ -10383,7 +11737,7 @@
               <a:t>public </a:t>
             </a:r>
             <a:r>
-              <a:rPr lang="en-US" sz="1200" b="0" i="0" u="none" strike="noStrike" cap="none" spc="0">
+              <a:rPr lang="en-US" sz="1000" b="0" i="0" u="none" strike="noStrike" cap="none" spc="0">
                 <a:solidFill>
                   <a:schemeClr val="accent4"/>
                 </a:solidFill>
@@ -10394,7 +11748,7 @@
               <a:t>int </a:t>
             </a:r>
             <a:r>
-              <a:rPr lang="en-US" sz="1200" b="0" i="0" u="none" strike="noStrike" cap="none" spc="0">
+              <a:rPr lang="en-US" sz="1000" b="0" i="0" u="none" strike="noStrike" cap="none" spc="0">
                 <a:solidFill>
                   <a:schemeClr val="tx2">
                     <a:lumMod val="50000"/>
@@ -10406,7 +11760,20 @@
               </a:rPr>
               <a:t>partition(int lo, int hi)</a:t>
             </a:r>
-            <a:endParaRPr sz="1200" b="0" i="0" u="none" strike="noStrike" cap="none" spc="0">
+            <a:r>
+              <a:rPr lang="en-US" sz="1000" b="0" i="0" u="none" strike="noStrike" cap="none" spc="0">
+                <a:solidFill>
+                  <a:schemeClr val="tx2">
+                    <a:lumMod val="50000"/>
+                  </a:schemeClr>
+                </a:solidFill>
+                <a:latin typeface="Times New Roman"/>
+                <a:ea typeface="Times New Roman"/>
+                <a:cs typeface="Times New Roman"/>
+              </a:rPr>
+              <a:t>{</a:t>
+            </a:r>
+            <a:endParaRPr sz="1000" b="0" i="0" u="none" strike="noStrike" cap="none" spc="0">
               <a:solidFill>
                 <a:schemeClr val="tx2">
                   <a:lumMod val="50000"/>
@@ -10423,19 +11790,43 @@
               <a:defRPr/>
             </a:pPr>
             <a:r>
-              <a:rPr lang="en-US" sz="1200" b="0" i="0" u="none" strike="noStrike" cap="none" spc="0">
-                <a:solidFill>
-                  <a:schemeClr val="tx2">
-                    <a:lumMod val="50000"/>
-                  </a:schemeClr>
-                </a:solidFill>
-                <a:latin typeface="Times New Roman"/>
-                <a:ea typeface="Times New Roman"/>
-                <a:cs typeface="Times New Roman"/>
-              </a:rPr>
-              <a:t>{</a:t>
-            </a:r>
-            <a:endParaRPr sz="1200" b="0" i="0" u="none" strike="noStrike" cap="none" spc="0">
+              <a:rPr lang="en-US" sz="1000" b="0" i="0" u="none" strike="noStrike" cap="none" spc="0">
+                <a:solidFill>
+                  <a:schemeClr val="tx2">
+                    <a:lumMod val="50000"/>
+                  </a:schemeClr>
+                </a:solidFill>
+                <a:latin typeface="Times New Roman"/>
+                <a:ea typeface="Times New Roman"/>
+                <a:cs typeface="Times New Roman"/>
+              </a:rPr>
+              <a:t>	</a:t>
+            </a:r>
+            <a:r>
+              <a:rPr lang="en-US" sz="1000" b="0" i="0" u="none" strike="noStrike" cap="none" spc="0">
+                <a:solidFill>
+                  <a:schemeClr val="accent4"/>
+                </a:solidFill>
+                <a:latin typeface="Times New Roman"/>
+                <a:ea typeface="Times New Roman"/>
+                <a:cs typeface="Times New Roman"/>
+              </a:rPr>
+              <a:t>int </a:t>
+            </a:r>
+            <a:r>
+              <a:rPr lang="en-US" sz="1000" b="0" i="0" u="none" strike="noStrike" cap="none" spc="0">
+                <a:solidFill>
+                  <a:schemeClr val="tx2">
+                    <a:lumMod val="50000"/>
+                  </a:schemeClr>
+                </a:solidFill>
+                <a:latin typeface="Times New Roman"/>
+                <a:ea typeface="Times New Roman"/>
+                <a:cs typeface="Times New Roman"/>
+              </a:rPr>
+              <a:t>pivot=get(lo);</a:t>
+            </a:r>
+            <a:endParaRPr sz="1000" b="0" i="0" u="none" strike="noStrike" cap="none" spc="0">
               <a:solidFill>
                 <a:schemeClr val="tx2">
                   <a:lumMod val="50000"/>
@@ -10452,7 +11843,7 @@
               <a:defRPr/>
             </a:pPr>
             <a:r>
-              <a:rPr lang="en-US" sz="1200" b="0" i="0" u="none" strike="noStrike" cap="none" spc="0">
+              <a:rPr lang="en-US" sz="1000" b="0" i="0" u="none" strike="noStrike" cap="none" spc="0">
                 <a:solidFill>
                   <a:schemeClr val="tx2">
                     <a:lumMod val="50000"/>
@@ -10465,7 +11856,7 @@
               <a:t>	</a:t>
             </a:r>
             <a:r>
-              <a:rPr lang="en-US" sz="1200" b="0" i="0" u="none" strike="noStrike" cap="none" spc="0">
+              <a:rPr lang="en-US" sz="1000" b="0" i="0" u="none" strike="noStrike" cap="none" spc="0">
                 <a:solidFill>
                   <a:schemeClr val="accent4"/>
                 </a:solidFill>
@@ -10476,19 +11867,19 @@
               <a:t>int </a:t>
             </a:r>
             <a:r>
-              <a:rPr lang="en-US" sz="1200" b="0" i="0" u="none" strike="noStrike" cap="none" spc="0">
-                <a:solidFill>
-                  <a:schemeClr val="tx2">
-                    <a:lumMod val="50000"/>
-                  </a:schemeClr>
-                </a:solidFill>
-                <a:latin typeface="Times New Roman"/>
-                <a:ea typeface="Times New Roman"/>
-                <a:cs typeface="Times New Roman"/>
-              </a:rPr>
-              <a:t>pivot=get(lo);</a:t>
-            </a:r>
-            <a:endParaRPr sz="1200" b="0" i="0" u="none" strike="noStrike" cap="none" spc="0">
+              <a:rPr lang="en-US" sz="1000" b="0" i="0" u="none" strike="noStrike" cap="none" spc="0">
+                <a:solidFill>
+                  <a:schemeClr val="tx2">
+                    <a:lumMod val="50000"/>
+                  </a:schemeClr>
+                </a:solidFill>
+                <a:latin typeface="Times New Roman"/>
+                <a:ea typeface="Times New Roman"/>
+                <a:cs typeface="Times New Roman"/>
+              </a:rPr>
+              <a:t>i=lo;</a:t>
+            </a:r>
+            <a:endParaRPr sz="1000" b="0" i="0" u="none" strike="noStrike" cap="none" spc="0">
               <a:solidFill>
                 <a:schemeClr val="tx2">
                   <a:lumMod val="50000"/>
@@ -10505,7 +11896,7 @@
               <a:defRPr/>
             </a:pPr>
             <a:r>
-              <a:rPr lang="en-US" sz="1200" b="0" i="0" u="none" strike="noStrike" cap="none" spc="0">
+              <a:rPr lang="en-US" sz="1000" b="0" i="0" u="none" strike="noStrike" cap="none" spc="0">
                 <a:solidFill>
                   <a:schemeClr val="tx2">
                     <a:lumMod val="50000"/>
@@ -10518,7 +11909,7 @@
               <a:t>	</a:t>
             </a:r>
             <a:r>
-              <a:rPr lang="en-US" sz="1200" b="0" i="0" u="none" strike="noStrike" cap="none" spc="0">
+              <a:rPr lang="en-US" sz="1000" b="0" i="0" u="none" strike="noStrike" cap="none" spc="0">
                 <a:solidFill>
                   <a:schemeClr val="accent4"/>
                 </a:solidFill>
@@ -10529,19 +11920,19 @@
               <a:t>int </a:t>
             </a:r>
             <a:r>
-              <a:rPr lang="en-US" sz="1200" b="0" i="0" u="none" strike="noStrike" cap="none" spc="0">
-                <a:solidFill>
-                  <a:schemeClr val="tx2">
-                    <a:lumMod val="50000"/>
-                  </a:schemeClr>
-                </a:solidFill>
-                <a:latin typeface="Times New Roman"/>
-                <a:ea typeface="Times New Roman"/>
-                <a:cs typeface="Times New Roman"/>
-              </a:rPr>
-              <a:t>i=lo;</a:t>
-            </a:r>
-            <a:endParaRPr sz="1200" b="0" i="0" u="none" strike="noStrike" cap="none" spc="0">
+              <a:rPr lang="en-US" sz="1000" b="0" i="0" u="none" strike="noStrike" cap="none" spc="0">
+                <a:solidFill>
+                  <a:schemeClr val="tx2">
+                    <a:lumMod val="50000"/>
+                  </a:schemeClr>
+                </a:solidFill>
+                <a:latin typeface="Times New Roman"/>
+                <a:ea typeface="Times New Roman"/>
+                <a:cs typeface="Times New Roman"/>
+              </a:rPr>
+              <a:t>j=hi;</a:t>
+            </a:r>
+            <a:endParaRPr sz="1000" b="0" i="0" u="none" strike="noStrike" cap="none" spc="0">
               <a:solidFill>
                 <a:schemeClr val="tx2">
                   <a:lumMod val="50000"/>
@@ -10558,43 +11949,56 @@
               <a:defRPr/>
             </a:pPr>
             <a:r>
-              <a:rPr lang="en-US" sz="1200" b="0" i="0" u="none" strike="noStrike" cap="none" spc="0">
-                <a:solidFill>
-                  <a:schemeClr val="tx2">
-                    <a:lumMod val="50000"/>
-                  </a:schemeClr>
-                </a:solidFill>
-                <a:latin typeface="Times New Roman"/>
-                <a:ea typeface="Times New Roman"/>
-                <a:cs typeface="Times New Roman"/>
-              </a:rPr>
-              <a:t>	</a:t>
-            </a:r>
-            <a:r>
-              <a:rPr lang="en-US" sz="1200" b="0" i="0" u="none" strike="noStrike" cap="none" spc="0">
-                <a:solidFill>
-                  <a:schemeClr val="accent4"/>
-                </a:solidFill>
-                <a:latin typeface="Times New Roman"/>
-                <a:ea typeface="Times New Roman"/>
-                <a:cs typeface="Times New Roman"/>
-              </a:rPr>
-              <a:t>int </a:t>
-            </a:r>
-            <a:r>
-              <a:rPr lang="en-US" sz="1200" b="0" i="0" u="none" strike="noStrike" cap="none" spc="0">
-                <a:solidFill>
-                  <a:schemeClr val="tx2">
-                    <a:lumMod val="50000"/>
-                  </a:schemeClr>
-                </a:solidFill>
-                <a:latin typeface="Times New Roman"/>
-                <a:ea typeface="Times New Roman"/>
-                <a:cs typeface="Times New Roman"/>
-              </a:rPr>
-              <a:t>j=hi;</a:t>
-            </a:r>
-            <a:endParaRPr sz="1200" b="0" i="0" u="none" strike="noStrike" cap="none" spc="0">
+              <a:rPr lang="en-US" sz="1000" b="0" i="0" u="none" strike="noStrike" cap="none" spc="0">
+                <a:solidFill>
+                  <a:schemeClr val="tx2">
+                    <a:lumMod val="50000"/>
+                  </a:schemeClr>
+                </a:solidFill>
+                <a:latin typeface="Times New Roman"/>
+                <a:ea typeface="Times New Roman"/>
+                <a:cs typeface="Times New Roman"/>
+              </a:rPr>
+              <a:t>	while(</a:t>
+            </a:r>
+            <a:r>
+              <a:rPr lang="en-US" sz="1000" b="0" i="0" u="none" strike="noStrike" cap="none" spc="0">
+                <a:solidFill>
+                  <a:schemeClr val="accent1"/>
+                </a:solidFill>
+                <a:latin typeface="Times New Roman"/>
+                <a:ea typeface="Times New Roman"/>
+                <a:cs typeface="Times New Roman"/>
+              </a:rPr>
+              <a:t>true</a:t>
+            </a:r>
+            <a:r>
+              <a:rPr lang="en-US" sz="1000" b="0" i="0" u="none" strike="noStrike" cap="none" spc="0">
+                <a:solidFill>
+                  <a:schemeClr val="tx2">
+                    <a:lumMod val="50000"/>
+                  </a:schemeClr>
+                </a:solidFill>
+                <a:latin typeface="Times New Roman"/>
+                <a:ea typeface="Times New Roman"/>
+                <a:cs typeface="Times New Roman"/>
+              </a:rPr>
+              <a:t>) </a:t>
+            </a:r>
+            <a:r>
+              <a:rPr lang="en-US" sz="1000" b="0" i="0" u="none" strike="noStrike" cap="none" spc="0">
+                <a:solidFill>
+                  <a:schemeClr val="tx2">
+                    <a:lumMod val="50000"/>
+                  </a:schemeClr>
+                </a:solidFill>
+                <a:latin typeface="Times New Roman"/>
+                <a:ea typeface="Times New Roman"/>
+                <a:cs typeface="Times New Roman"/>
+              </a:rPr>
+              <a:t>{</a:t>
+            </a:r>
+            <a:endParaRPr sz="1000" b="0" i="0" u="none" strike="noStrike" cap="none" spc="0">
               <a:solidFill>
                 <a:schemeClr val="tx2">
                   <a:lumMod val="50000"/>
@@ -10611,20 +12015,20 @@
               <a:defRPr/>
             </a:pPr>
             <a:r>
-              <a:rPr lang="en-US" sz="1200" b="0" i="0" u="none" strike="noStrike" cap="none" spc="0">
-                <a:solidFill>
-                  <a:schemeClr val="tx2">
-                    <a:lumMod val="50000"/>
-                  </a:schemeClr>
-                </a:solidFill>
-                <a:latin typeface="Times New Roman"/>
-                <a:ea typeface="Times New Roman"/>
-                <a:cs typeface="Times New Roman"/>
-              </a:rPr>
-              <a:t>	</a:t>
-            </a:r>
-            <a:r>
-              <a:rPr lang="en-US" sz="1200" b="0" i="0" u="none" strike="noStrike" cap="none" spc="0">
+              <a:rPr lang="en-US" sz="1000" b="0" i="0" u="none" strike="noStrike" cap="none" spc="0">
+                <a:solidFill>
+                  <a:schemeClr val="tx2">
+                    <a:lumMod val="50000"/>
+                  </a:schemeClr>
+                </a:solidFill>
+                <a:latin typeface="Times New Roman"/>
+                <a:ea typeface="Times New Roman"/>
+                <a:cs typeface="Times New Roman"/>
+              </a:rPr>
+              <a:t>		</a:t>
+            </a:r>
+            <a:r>
+              <a:rPr lang="en-US" sz="1000" b="0" i="0" u="none" strike="noStrike" cap="none" spc="0">
                 <a:solidFill>
                   <a:schemeClr val="accent1"/>
                 </a:solidFill>
@@ -10632,46 +12036,35 @@
                 <a:ea typeface="Times New Roman"/>
                 <a:cs typeface="Times New Roman"/>
               </a:rPr>
-              <a:t>while </a:t>
-            </a:r>
-            <a:r>
-              <a:rPr lang="en-US" sz="1200" b="0" i="0" u="none" strike="noStrike" cap="none" spc="0">
-                <a:solidFill>
-                  <a:schemeClr val="tx2">
-                    <a:lumMod val="50000"/>
-                  </a:schemeClr>
-                </a:solidFill>
-                <a:latin typeface="Times New Roman"/>
-                <a:ea typeface="Times New Roman"/>
-                <a:cs typeface="Times New Roman"/>
-              </a:rPr>
-              <a:t>(</a:t>
-            </a:r>
-            <a:r>
-              <a:rPr lang="en-US" sz="1200" b="0" i="0" u="none" strike="noStrike" cap="none" spc="0">
-                <a:solidFill>
-                  <a:schemeClr val="accent1"/>
-                </a:solidFill>
-                <a:latin typeface="Times New Roman"/>
-                <a:ea typeface="Times New Roman"/>
-                <a:cs typeface="Times New Roman"/>
-              </a:rPr>
-              <a:t>true</a:t>
-            </a:r>
-            <a:r>
-              <a:rPr lang="en-US" sz="1200" b="0" i="0" u="none" strike="noStrike" cap="none" spc="0">
-                <a:solidFill>
-                  <a:schemeClr val="tx2">
-                    <a:lumMod val="50000"/>
-                  </a:schemeClr>
-                </a:solidFill>
-                <a:latin typeface="Times New Roman"/>
-                <a:ea typeface="Times New Roman"/>
-                <a:cs typeface="Times New Roman"/>
-              </a:rPr>
-              <a:t>) </a:t>
-            </a:r>
-            <a:endParaRPr sz="1200" b="0" i="0" u="none" strike="noStrike" cap="none" spc="0">
+              <a:t>if</a:t>
+            </a:r>
+            <a:r>
+              <a:rPr lang="en-US" sz="1000" b="0" i="0" u="none" strike="noStrike" cap="none" spc="0">
+                <a:solidFill>
+                  <a:schemeClr val="tx2">
+                    <a:lumMod val="50000"/>
+                  </a:schemeClr>
+                </a:solidFill>
+                <a:latin typeface="Times New Roman"/>
+                <a:ea typeface="Times New Roman"/>
+                <a:cs typeface="Times New Roman"/>
+              </a:rPr>
+              <a:t>(get(i)&lt;pivot)</a:t>
+            </a:r>
+            <a:r>
+              <a:rPr lang="en-US" sz="1000" b="0" i="0" u="none" strike="noStrike" cap="none" spc="0">
+                <a:solidFill>
+                  <a:schemeClr val="tx2">
+                    <a:lumMod val="50000"/>
+                  </a:schemeClr>
+                </a:solidFill>
+                <a:latin typeface="Times New Roman"/>
+                <a:ea typeface="Times New Roman"/>
+                <a:cs typeface="Times New Roman"/>
+              </a:rPr>
+              <a:t>{</a:t>
+            </a:r>
+            <a:endParaRPr sz="1000" b="0" i="0" u="none" strike="noStrike" cap="none" spc="0">
               <a:solidFill>
                 <a:schemeClr val="tx2">
                   <a:lumMod val="50000"/>
@@ -10688,19 +12081,56 @@
               <a:defRPr/>
             </a:pPr>
             <a:r>
-              <a:rPr lang="en-US" sz="1200" b="0" i="0" u="none" strike="noStrike" cap="none" spc="0">
-                <a:solidFill>
-                  <a:schemeClr val="tx2">
-                    <a:lumMod val="50000"/>
-                  </a:schemeClr>
-                </a:solidFill>
-                <a:latin typeface="Times New Roman"/>
-                <a:ea typeface="Times New Roman"/>
-                <a:cs typeface="Times New Roman"/>
-              </a:rPr>
-              <a:t>	{</a:t>
-            </a:r>
-            <a:endParaRPr sz="1200" b="0" i="0" u="none" strike="noStrike" cap="none" spc="0">
+              <a:rPr lang="en-US" sz="1000" b="0" i="0" u="none" strike="noStrike" cap="none" spc="0">
+                <a:solidFill>
+                  <a:schemeClr val="tx2">
+                    <a:lumMod val="50000"/>
+                  </a:schemeClr>
+                </a:solidFill>
+                <a:latin typeface="Times New Roman"/>
+                <a:ea typeface="Times New Roman"/>
+                <a:cs typeface="Times New Roman"/>
+              </a:rPr>
+              <a:t>			</a:t>
+            </a:r>
+            <a:r>
+              <a:rPr lang="en-US" sz="1000" b="0" i="0" u="none" strike="noStrike" cap="none" spc="0">
+                <a:solidFill>
+                  <a:schemeClr val="accent1"/>
+                </a:solidFill>
+                <a:latin typeface="Times New Roman"/>
+                <a:ea typeface="Times New Roman"/>
+                <a:cs typeface="Times New Roman"/>
+              </a:rPr>
+              <a:t>while</a:t>
+            </a:r>
+            <a:r>
+              <a:rPr lang="en-US" sz="1000" b="0" i="0" u="none" strike="noStrike" cap="none" spc="0">
+                <a:solidFill>
+                  <a:schemeClr val="tx2">
+                    <a:lumMod val="50000"/>
+                  </a:schemeClr>
+                </a:solidFill>
+                <a:latin typeface="Times New Roman"/>
+                <a:ea typeface="Times New Roman"/>
+                <a:cs typeface="Times New Roman"/>
+              </a:rPr>
+              <a:t>(get(i)&lt;pivot)</a:t>
+            </a:r>
+            <a:r>
+              <a:rPr lang="en-US" sz="1000" b="0" i="0" u="none" strike="noStrike" cap="none" spc="0">
+                <a:solidFill>
+                  <a:schemeClr val="tx2">
+                    <a:lumMod val="50000"/>
+                  </a:schemeClr>
+                </a:solidFill>
+                <a:latin typeface="Times New Roman"/>
+                <a:ea typeface="Times New Roman"/>
+                <a:cs typeface="Times New Roman"/>
+              </a:rPr>
+              <a:t>{</a:t>
+            </a:r>
+            <a:endParaRPr sz="1000" b="0" i="0" u="none" strike="noStrike" cap="none" spc="0">
               <a:solidFill>
                 <a:schemeClr val="tx2">
                   <a:lumMod val="50000"/>
@@ -10717,43 +12147,32 @@
               <a:defRPr/>
             </a:pPr>
             <a:r>
-              <a:rPr lang="en-US" sz="1200" b="0" i="0" u="none" strike="noStrike" cap="none" spc="0">
-                <a:solidFill>
-                  <a:schemeClr val="tx2">
-                    <a:lumMod val="50000"/>
-                  </a:schemeClr>
-                </a:solidFill>
-                <a:latin typeface="Times New Roman"/>
-                <a:ea typeface="Times New Roman"/>
-                <a:cs typeface="Times New Roman"/>
-              </a:rPr>
-              <a:t>		</a:t>
-            </a:r>
-            <a:r>
-              <a:rPr lang="en-US" sz="1200" b="0" i="0" u="none" strike="noStrike" cap="none" spc="0">
-                <a:solidFill>
-                  <a:schemeClr val="accent1"/>
-                </a:solidFill>
-                <a:latin typeface="Times New Roman"/>
-                <a:ea typeface="Times New Roman"/>
-                <a:cs typeface="Times New Roman"/>
-              </a:rPr>
-              <a:t>while</a:t>
-            </a:r>
-            <a:r>
-              <a:rPr lang="en-US" sz="1200" b="0" i="0" u="none" strike="noStrike" cap="none" spc="0">
-                <a:solidFill>
-                  <a:schemeClr val="tx2">
-                    <a:lumMod val="50000"/>
-                  </a:schemeClr>
-                </a:solidFill>
-                <a:latin typeface="Times New Roman"/>
-                <a:ea typeface="Times New Roman"/>
-                <a:cs typeface="Times New Roman"/>
-              </a:rPr>
-              <a:t>(get(i)&lt;pivot)</a:t>
-            </a:r>
-            <a:endParaRPr sz="1200" b="0" i="0" u="none" strike="noStrike" cap="none" spc="0">
+              <a:rPr lang="en-US" sz="1000" b="0" i="0" u="none" strike="noStrike" cap="none" spc="0">
+                <a:solidFill>
+                  <a:schemeClr val="tx2">
+                    <a:lumMod val="50000"/>
+                  </a:schemeClr>
+                </a:solidFill>
+                <a:latin typeface="Times New Roman"/>
+                <a:ea typeface="Times New Roman"/>
+                <a:cs typeface="Times New Roman"/>
+              </a:rPr>
+              <a:t>				i++;</a:t>
+            </a:r>
+            <a:r>
+              <a:rPr lang="en-US" sz="1000" b="0" i="0" u="none" strike="noStrike" cap="none" spc="0">
+                <a:solidFill>
+                  <a:schemeClr val="tx2">
+                    <a:lumMod val="50000"/>
+                  </a:schemeClr>
+                </a:solidFill>
+                <a:latin typeface="Times New Roman"/>
+                <a:ea typeface="Times New Roman"/>
+                <a:cs typeface="Times New Roman"/>
+              </a:rPr>
+              <a:t>						compareCount++;</a:t>
+            </a:r>
+            <a:endParaRPr sz="1000" b="0" i="0" u="none" strike="noStrike" cap="none" spc="0">
               <a:solidFill>
                 <a:schemeClr val="tx2">
                   <a:lumMod val="50000"/>
@@ -10770,19 +12189,19 @@
               <a:defRPr/>
             </a:pPr>
             <a:r>
-              <a:rPr lang="en-US" sz="1200" b="0" i="0" u="none" strike="noStrike" cap="none" spc="0">
-                <a:solidFill>
-                  <a:schemeClr val="tx2">
-                    <a:lumMod val="50000"/>
-                  </a:schemeClr>
-                </a:solidFill>
-                <a:latin typeface="Times New Roman"/>
-                <a:ea typeface="Times New Roman"/>
-                <a:cs typeface="Times New Roman"/>
-              </a:rPr>
-              <a:t>		{</a:t>
-            </a:r>
-            <a:endParaRPr sz="1200" b="0" i="0" u="none" strike="noStrike" cap="none" spc="0">
+              <a:rPr lang="en-US" sz="1000" b="0" i="0" u="none" strike="noStrike" cap="none" spc="0">
+                <a:solidFill>
+                  <a:schemeClr val="tx2">
+                    <a:lumMod val="50000"/>
+                  </a:schemeClr>
+                </a:solidFill>
+                <a:latin typeface="Times New Roman"/>
+                <a:ea typeface="Times New Roman"/>
+                <a:cs typeface="Times New Roman"/>
+              </a:rPr>
+              <a:t>			}</a:t>
+            </a:r>
+            <a:endParaRPr sz="1000" b="0" i="0" u="none" strike="noStrike" cap="none" spc="0">
               <a:solidFill>
                 <a:schemeClr val="tx2">
                   <a:lumMod val="50000"/>
@@ -10799,19 +12218,19 @@
               <a:defRPr/>
             </a:pPr>
             <a:r>
-              <a:rPr lang="en-US" sz="1200" b="0" i="0" u="none" strike="noStrike" cap="none" spc="0">
-                <a:solidFill>
-                  <a:schemeClr val="tx2">
-                    <a:lumMod val="50000"/>
-                  </a:schemeClr>
-                </a:solidFill>
-                <a:latin typeface="Times New Roman"/>
-                <a:ea typeface="Times New Roman"/>
-                <a:cs typeface="Times New Roman"/>
-              </a:rPr>
-              <a:t>			i++;</a:t>
-            </a:r>
-            <a:endParaRPr sz="1200" b="0" i="0" u="none" strike="noStrike" cap="none" spc="0">
+              <a:rPr lang="en-US" sz="1000" b="0" i="0" u="none" strike="noStrike" cap="none" spc="0">
+                <a:solidFill>
+                  <a:schemeClr val="tx2">
+                    <a:lumMod val="50000"/>
+                  </a:schemeClr>
+                </a:solidFill>
+                <a:latin typeface="Times New Roman"/>
+                <a:ea typeface="Times New Roman"/>
+                <a:cs typeface="Times New Roman"/>
+              </a:rPr>
+              <a:t>		}</a:t>
+            </a:r>
+            <a:endParaRPr sz="1000" b="0" i="0" u="none" strike="noStrike" cap="none" spc="0">
               <a:solidFill>
                 <a:schemeClr val="tx2">
                   <a:lumMod val="50000"/>
@@ -10828,19 +12247,43 @@
               <a:defRPr/>
             </a:pPr>
             <a:r>
-              <a:rPr lang="en-US" sz="1200" b="0" i="0" u="none" strike="noStrike" cap="none" spc="0">
-                <a:solidFill>
-                  <a:schemeClr val="tx2">
-                    <a:lumMod val="50000"/>
-                  </a:schemeClr>
-                </a:solidFill>
-                <a:latin typeface="Times New Roman"/>
-                <a:ea typeface="Times New Roman"/>
-                <a:cs typeface="Times New Roman"/>
-              </a:rPr>
-              <a:t>			compareCount++;</a:t>
-            </a:r>
-            <a:endParaRPr sz="1200" b="0" i="0" u="none" strike="noStrike" cap="none" spc="0">
+              <a:rPr lang="en-US" sz="1000" b="0" i="0" u="none" strike="noStrike" cap="none" spc="0">
+                <a:solidFill>
+                  <a:schemeClr val="tx2">
+                    <a:lumMod val="50000"/>
+                  </a:schemeClr>
+                </a:solidFill>
+                <a:latin typeface="Times New Roman"/>
+                <a:ea typeface="Times New Roman"/>
+                <a:cs typeface="Times New Roman"/>
+              </a:rPr>
+              <a:t>		</a:t>
+            </a:r>
+            <a:r>
+              <a:rPr lang="en-US" sz="1000" b="0" i="0" u="none" strike="noStrike" cap="none" spc="0">
+                <a:solidFill>
+                  <a:schemeClr val="accent1"/>
+                </a:solidFill>
+                <a:latin typeface="Times New Roman"/>
+                <a:ea typeface="Times New Roman"/>
+                <a:cs typeface="Times New Roman"/>
+              </a:rPr>
+              <a:t>else</a:t>
+            </a:r>
+            <a:r>
+              <a:rPr lang="en-US" sz="1000" b="0" i="0" u="none" strike="noStrike" cap="none" spc="0">
+                <a:solidFill>
+                  <a:schemeClr val="tx2">
+                    <a:lumMod val="50000"/>
+                  </a:schemeClr>
+                </a:solidFill>
+                <a:latin typeface="Times New Roman"/>
+                <a:ea typeface="Times New Roman"/>
+                <a:cs typeface="Times New Roman"/>
+              </a:rPr>
+              <a:t>{</a:t>
+            </a:r>
+            <a:endParaRPr sz="1000" b="0" i="0" u="none" strike="noStrike" cap="none" spc="0">
               <a:solidFill>
                 <a:schemeClr val="tx2">
                   <a:lumMod val="50000"/>
@@ -10857,19 +12300,19 @@
               <a:defRPr/>
             </a:pPr>
             <a:r>
-              <a:rPr lang="en-US" sz="1200" b="0" i="0" u="none" strike="noStrike" cap="none" spc="0">
-                <a:solidFill>
-                  <a:schemeClr val="tx2">
-                    <a:lumMod val="50000"/>
-                  </a:schemeClr>
-                </a:solidFill>
-                <a:latin typeface="Times New Roman"/>
-                <a:ea typeface="Times New Roman"/>
-                <a:cs typeface="Times New Roman"/>
-              </a:rPr>
-              <a:t>		}</a:t>
-            </a:r>
-            <a:endParaRPr sz="1200" b="0" i="0" u="none" strike="noStrike" cap="none" spc="0">
+              <a:rPr lang="en-US" sz="1000" b="0" i="0" u="none" strike="noStrike" cap="none" spc="0">
+                <a:solidFill>
+                  <a:schemeClr val="tx2">
+                    <a:lumMod val="50000"/>
+                  </a:schemeClr>
+                </a:solidFill>
+                <a:latin typeface="Times New Roman"/>
+                <a:ea typeface="Times New Roman"/>
+                <a:cs typeface="Times New Roman"/>
+              </a:rPr>
+              <a:t>			compareCount++;</a:t>
+            </a:r>
+            <a:endParaRPr sz="1000" b="0" i="0" u="none" strike="noStrike" cap="none" spc="0">
               <a:solidFill>
                 <a:schemeClr val="tx2">
                   <a:lumMod val="50000"/>
@@ -10886,43 +12329,32 @@
               <a:defRPr/>
             </a:pPr>
             <a:r>
-              <a:rPr lang="en-US" sz="1200" b="0" i="0" u="none" strike="noStrike" cap="none" spc="0">
-                <a:solidFill>
-                  <a:schemeClr val="tx2">
-                    <a:lumMod val="50000"/>
-                  </a:schemeClr>
-                </a:solidFill>
-                <a:latin typeface="Times New Roman"/>
-                <a:ea typeface="Times New Roman"/>
-                <a:cs typeface="Times New Roman"/>
-              </a:rPr>
-              <a:t>		</a:t>
-            </a:r>
-            <a:r>
-              <a:rPr lang="en-US" sz="1200" b="0" i="0" u="none" strike="noStrike" cap="none" spc="0">
-                <a:solidFill>
-                  <a:schemeClr val="accent1"/>
-                </a:solidFill>
-                <a:latin typeface="Times New Roman"/>
-                <a:ea typeface="Times New Roman"/>
-                <a:cs typeface="Times New Roman"/>
-              </a:rPr>
-              <a:t>while</a:t>
-            </a:r>
-            <a:r>
-              <a:rPr lang="en-US" sz="1200" b="0" i="0" u="none" strike="noStrike" cap="none" spc="0">
-                <a:solidFill>
-                  <a:schemeClr val="tx2">
-                    <a:lumMod val="50000"/>
-                  </a:schemeClr>
-                </a:solidFill>
-                <a:latin typeface="Times New Roman"/>
-                <a:ea typeface="Times New Roman"/>
-                <a:cs typeface="Times New Roman"/>
-              </a:rPr>
-              <a:t>(get(j)&gt;pivot)</a:t>
-            </a:r>
-            <a:endParaRPr sz="1200" b="0" i="0" u="none" strike="noStrike" cap="none" spc="0">
+              <a:rPr lang="en-US" sz="1000" b="0" i="0" u="none" strike="noStrike" cap="none" spc="0">
+                <a:solidFill>
+                  <a:schemeClr val="tx2">
+                    <a:lumMod val="50000"/>
+                  </a:schemeClr>
+                </a:solidFill>
+                <a:latin typeface="Times New Roman"/>
+                <a:ea typeface="Times New Roman"/>
+                <a:cs typeface="Times New Roman"/>
+              </a:rPr>
+              <a:t>		}</a:t>
+            </a:r>
+            <a:r>
+              <a:rPr lang="en-US" sz="1000" b="0" i="0" u="none" strike="noStrike" cap="none" spc="0">
+                <a:solidFill>
+                  <a:schemeClr val="tx2">
+                    <a:lumMod val="50000"/>
+                  </a:schemeClr>
+                </a:solidFill>
+                <a:latin typeface="Times New Roman"/>
+                <a:ea typeface="Times New Roman"/>
+                <a:cs typeface="Times New Roman"/>
+              </a:rPr>
+              <a:t>	</a:t>
+            </a:r>
+            <a:endParaRPr sz="1000" b="0" i="0" u="none" strike="noStrike" cap="none" spc="0">
               <a:solidFill>
                 <a:schemeClr val="tx2">
                   <a:lumMod val="50000"/>
@@ -10939,19 +12371,56 @@
               <a:defRPr/>
             </a:pPr>
             <a:r>
-              <a:rPr lang="en-US" sz="1200" b="0" i="0" u="none" strike="noStrike" cap="none" spc="0">
-                <a:solidFill>
-                  <a:schemeClr val="tx2">
-                    <a:lumMod val="50000"/>
-                  </a:schemeClr>
-                </a:solidFill>
-                <a:latin typeface="Times New Roman"/>
-                <a:ea typeface="Times New Roman"/>
-                <a:cs typeface="Times New Roman"/>
-              </a:rPr>
-              <a:t>		{</a:t>
-            </a:r>
-            <a:endParaRPr sz="1200" b="0" i="0" u="none" strike="noStrike" cap="none" spc="0">
+              <a:rPr lang="en-US" sz="1000" b="0" i="0" u="none" strike="noStrike" cap="none" spc="0">
+                <a:solidFill>
+                  <a:schemeClr val="tx2">
+                    <a:lumMod val="50000"/>
+                  </a:schemeClr>
+                </a:solidFill>
+                <a:latin typeface="Times New Roman"/>
+                <a:ea typeface="Times New Roman"/>
+                <a:cs typeface="Times New Roman"/>
+              </a:rPr>
+              <a:t>		</a:t>
+            </a:r>
+            <a:r>
+              <a:rPr lang="en-US" sz="1000" b="0" i="0" u="none" strike="noStrike" cap="none" spc="0">
+                <a:solidFill>
+                  <a:schemeClr val="accent1"/>
+                </a:solidFill>
+                <a:latin typeface="Times New Roman"/>
+                <a:ea typeface="Times New Roman"/>
+                <a:cs typeface="Times New Roman"/>
+              </a:rPr>
+              <a:t>if</a:t>
+            </a:r>
+            <a:r>
+              <a:rPr lang="en-US" sz="1000" b="0" i="0" u="none" strike="noStrike" cap="none" spc="0">
+                <a:solidFill>
+                  <a:schemeClr val="tx2">
+                    <a:lumMod val="50000"/>
+                  </a:schemeClr>
+                </a:solidFill>
+                <a:latin typeface="Times New Roman"/>
+                <a:ea typeface="Times New Roman"/>
+                <a:cs typeface="Times New Roman"/>
+              </a:rPr>
+              <a:t>(get(j)&gt;pivot)</a:t>
+            </a:r>
+            <a:r>
+              <a:rPr lang="en-US" sz="1000" b="0" i="0" u="none" strike="noStrike" cap="none" spc="0">
+                <a:solidFill>
+                  <a:schemeClr val="tx2">
+                    <a:lumMod val="50000"/>
+                  </a:schemeClr>
+                </a:solidFill>
+                <a:latin typeface="Times New Roman"/>
+                <a:ea typeface="Times New Roman"/>
+                <a:cs typeface="Times New Roman"/>
+              </a:rPr>
+              <a:t>{</a:t>
+            </a:r>
+            <a:endParaRPr sz="1000" b="0" i="0" u="none" strike="noStrike" cap="none" spc="0">
               <a:solidFill>
                 <a:schemeClr val="tx2">
                   <a:lumMod val="50000"/>
@@ -10968,19 +12437,56 @@
               <a:defRPr/>
             </a:pPr>
             <a:r>
-              <a:rPr lang="en-US" sz="1200" b="0" i="0" u="none" strike="noStrike" cap="none" spc="0">
-                <a:solidFill>
-                  <a:schemeClr val="tx2">
-                    <a:lumMod val="50000"/>
-                  </a:schemeClr>
-                </a:solidFill>
-                <a:latin typeface="Times New Roman"/>
-                <a:ea typeface="Times New Roman"/>
-                <a:cs typeface="Times New Roman"/>
-              </a:rPr>
-              <a:t>			j--;</a:t>
-            </a:r>
-            <a:endParaRPr sz="1200" b="0" i="0" u="none" strike="noStrike" cap="none" spc="0">
+              <a:rPr lang="en-US" sz="1000" b="0" i="0" u="none" strike="noStrike" cap="none" spc="0">
+                <a:solidFill>
+                  <a:schemeClr val="tx2">
+                    <a:lumMod val="50000"/>
+                  </a:schemeClr>
+                </a:solidFill>
+                <a:latin typeface="Times New Roman"/>
+                <a:ea typeface="Times New Roman"/>
+                <a:cs typeface="Times New Roman"/>
+              </a:rPr>
+              <a:t>			</a:t>
+            </a:r>
+            <a:r>
+              <a:rPr lang="en-US" sz="1000" b="0" i="0" u="none" strike="noStrike" cap="none" spc="0">
+                <a:solidFill>
+                  <a:schemeClr val="accent1"/>
+                </a:solidFill>
+                <a:latin typeface="Times New Roman"/>
+                <a:ea typeface="Times New Roman"/>
+                <a:cs typeface="Times New Roman"/>
+              </a:rPr>
+              <a:t>while</a:t>
+            </a:r>
+            <a:r>
+              <a:rPr lang="en-US" sz="1000" b="0" i="0" u="none" strike="noStrike" cap="none" spc="0">
+                <a:solidFill>
+                  <a:schemeClr val="tx2">
+                    <a:lumMod val="50000"/>
+                  </a:schemeClr>
+                </a:solidFill>
+                <a:latin typeface="Times New Roman"/>
+                <a:ea typeface="Times New Roman"/>
+                <a:cs typeface="Times New Roman"/>
+              </a:rPr>
+              <a:t>(get(j)&gt;pivot)</a:t>
+            </a:r>
+            <a:r>
+              <a:rPr lang="en-US" sz="1000" b="0" i="0" u="none" strike="noStrike" cap="none" spc="0">
+                <a:solidFill>
+                  <a:schemeClr val="tx2">
+                    <a:lumMod val="50000"/>
+                  </a:schemeClr>
+                </a:solidFill>
+                <a:latin typeface="Times New Roman"/>
+                <a:ea typeface="Times New Roman"/>
+                <a:cs typeface="Times New Roman"/>
+              </a:rPr>
+              <a:t>{</a:t>
+            </a:r>
+            <a:endParaRPr sz="1000" b="0" i="0" u="none" strike="noStrike" cap="none" spc="0">
               <a:solidFill>
                 <a:schemeClr val="tx2">
                   <a:lumMod val="50000"/>
@@ -10997,19 +12503,32 @@
               <a:defRPr/>
             </a:pPr>
             <a:r>
-              <a:rPr lang="en-US" sz="1200" b="0" i="0" u="none" strike="noStrike" cap="none" spc="0">
-                <a:solidFill>
-                  <a:schemeClr val="tx2">
-                    <a:lumMod val="50000"/>
-                  </a:schemeClr>
-                </a:solidFill>
-                <a:latin typeface="Times New Roman"/>
-                <a:ea typeface="Times New Roman"/>
-                <a:cs typeface="Times New Roman"/>
-              </a:rPr>
-              <a:t>			compareCount++;</a:t>
-            </a:r>
-            <a:endParaRPr sz="1200" b="0" i="0" u="none" strike="noStrike" cap="none" spc="0">
+              <a:rPr lang="en-US" sz="1000" b="0" i="0" u="none" strike="noStrike" cap="none" spc="0">
+                <a:solidFill>
+                  <a:schemeClr val="tx2">
+                    <a:lumMod val="50000"/>
+                  </a:schemeClr>
+                </a:solidFill>
+                <a:latin typeface="Times New Roman"/>
+                <a:ea typeface="Times New Roman"/>
+                <a:cs typeface="Times New Roman"/>
+              </a:rPr>
+              <a:t>				j--;</a:t>
+            </a:r>
+            <a:r>
+              <a:rPr lang="en-US" sz="1000" b="0" i="0" u="none" strike="noStrike" cap="none" spc="0">
+                <a:solidFill>
+                  <a:schemeClr val="tx2">
+                    <a:lumMod val="50000"/>
+                  </a:schemeClr>
+                </a:solidFill>
+                <a:latin typeface="Times New Roman"/>
+                <a:ea typeface="Times New Roman"/>
+                <a:cs typeface="Times New Roman"/>
+              </a:rPr>
+              <a:t>						compareCount++;</a:t>
+            </a:r>
+            <a:endParaRPr sz="1000" b="0" i="0" u="none" strike="noStrike" cap="none" spc="0">
               <a:solidFill>
                 <a:schemeClr val="tx2">
                   <a:lumMod val="50000"/>
@@ -11026,19 +12545,19 @@
               <a:defRPr/>
             </a:pPr>
             <a:r>
-              <a:rPr lang="en-US" sz="1200" b="0" i="0" u="none" strike="noStrike" cap="none" spc="0">
-                <a:solidFill>
-                  <a:schemeClr val="tx2">
-                    <a:lumMod val="50000"/>
-                  </a:schemeClr>
-                </a:solidFill>
-                <a:latin typeface="Times New Roman"/>
-                <a:ea typeface="Times New Roman"/>
-                <a:cs typeface="Times New Roman"/>
-              </a:rPr>
-              <a:t>		}</a:t>
-            </a:r>
-            <a:endParaRPr sz="1200" b="0" i="0" u="none" strike="noStrike" cap="none" spc="0">
+              <a:rPr lang="en-US" sz="1000" b="0" i="0" u="none" strike="noStrike" cap="none" spc="0">
+                <a:solidFill>
+                  <a:schemeClr val="tx2">
+                    <a:lumMod val="50000"/>
+                  </a:schemeClr>
+                </a:solidFill>
+                <a:latin typeface="Times New Roman"/>
+                <a:ea typeface="Times New Roman"/>
+                <a:cs typeface="Times New Roman"/>
+              </a:rPr>
+              <a:t>			}</a:t>
+            </a:r>
+            <a:endParaRPr sz="1000" b="0" i="0" u="none" strike="noStrike" cap="none" spc="0">
               <a:solidFill>
                 <a:schemeClr val="tx2">
                   <a:lumMod val="50000"/>
@@ -11055,43 +12574,19 @@
               <a:defRPr/>
             </a:pPr>
             <a:r>
-              <a:rPr lang="en-US" sz="1200" b="0" i="0" u="none" strike="noStrike" cap="none" spc="0">
-                <a:solidFill>
-                  <a:schemeClr val="tx2">
-                    <a:lumMod val="50000"/>
-                  </a:schemeClr>
-                </a:solidFill>
-                <a:latin typeface="Times New Roman"/>
-                <a:ea typeface="Times New Roman"/>
-                <a:cs typeface="Times New Roman"/>
-              </a:rPr>
-              <a:t>		</a:t>
-            </a:r>
-            <a:r>
-              <a:rPr lang="en-US" sz="1200" b="0" i="0" u="none" strike="noStrike" cap="none" spc="0">
-                <a:solidFill>
-                  <a:schemeClr val="accent1"/>
-                </a:solidFill>
-                <a:latin typeface="Times New Roman"/>
-                <a:ea typeface="Times New Roman"/>
-                <a:cs typeface="Times New Roman"/>
-              </a:rPr>
-              <a:t>if</a:t>
-            </a:r>
-            <a:r>
-              <a:rPr lang="en-US" sz="1200" b="0" i="0" u="none" strike="noStrike" cap="none" spc="0">
-                <a:solidFill>
-                  <a:schemeClr val="tx2">
-                    <a:lumMod val="50000"/>
-                  </a:schemeClr>
-                </a:solidFill>
-                <a:latin typeface="Times New Roman"/>
-                <a:ea typeface="Times New Roman"/>
-                <a:cs typeface="Times New Roman"/>
-              </a:rPr>
-              <a:t>(i&gt;=j)</a:t>
-            </a:r>
-            <a:endParaRPr sz="1200" b="0" i="0" u="none" strike="noStrike" cap="none" spc="0">
+              <a:rPr lang="en-US" sz="1000" b="0" i="0" u="none" strike="noStrike" cap="none" spc="0">
+                <a:solidFill>
+                  <a:schemeClr val="tx2">
+                    <a:lumMod val="50000"/>
+                  </a:schemeClr>
+                </a:solidFill>
+                <a:latin typeface="Times New Roman"/>
+                <a:ea typeface="Times New Roman"/>
+                <a:cs typeface="Times New Roman"/>
+              </a:rPr>
+              <a:t>		}</a:t>
+            </a:r>
+            <a:endParaRPr sz="1000" b="0" i="0" u="none" strike="noStrike" cap="none" spc="0">
               <a:solidFill>
                 <a:schemeClr val="tx2">
                   <a:lumMod val="50000"/>
@@ -11108,19 +12603,43 @@
               <a:defRPr/>
             </a:pPr>
             <a:r>
-              <a:rPr lang="en-US" sz="1200" b="0" i="0" u="none" strike="noStrike" cap="none" spc="0">
-                <a:solidFill>
-                  <a:schemeClr val="tx2">
-                    <a:lumMod val="50000"/>
-                  </a:schemeClr>
-                </a:solidFill>
-                <a:latin typeface="Times New Roman"/>
-                <a:ea typeface="Times New Roman"/>
-                <a:cs typeface="Times New Roman"/>
-              </a:rPr>
-              <a:t>		{</a:t>
-            </a:r>
-            <a:endParaRPr sz="1200" b="0" i="0" u="none" strike="noStrike" cap="none" spc="0">
+              <a:rPr lang="en-US" sz="1000" b="0" i="0" u="none" strike="noStrike" cap="none" spc="0">
+                <a:solidFill>
+                  <a:schemeClr val="tx2">
+                    <a:lumMod val="50000"/>
+                  </a:schemeClr>
+                </a:solidFill>
+                <a:latin typeface="Times New Roman"/>
+                <a:ea typeface="Times New Roman"/>
+                <a:cs typeface="Times New Roman"/>
+              </a:rPr>
+              <a:t>		</a:t>
+            </a:r>
+            <a:r>
+              <a:rPr lang="en-US" sz="1000" b="0" i="0" u="none" strike="noStrike" cap="none" spc="0">
+                <a:solidFill>
+                  <a:schemeClr val="accent1"/>
+                </a:solidFill>
+                <a:latin typeface="Times New Roman"/>
+                <a:ea typeface="Times New Roman"/>
+                <a:cs typeface="Times New Roman"/>
+              </a:rPr>
+              <a:t>else</a:t>
+            </a:r>
+            <a:r>
+              <a:rPr lang="en-US" sz="1000" b="0" i="0" u="none" strike="noStrike" cap="none" spc="0">
+                <a:solidFill>
+                  <a:schemeClr val="tx2">
+                    <a:lumMod val="50000"/>
+                  </a:schemeClr>
+                </a:solidFill>
+                <a:latin typeface="Times New Roman"/>
+                <a:ea typeface="Times New Roman"/>
+                <a:cs typeface="Times New Roman"/>
+              </a:rPr>
+              <a:t>{</a:t>
+            </a:r>
+            <a:endParaRPr sz="1000" b="0" i="0" u="none" strike="noStrike" cap="none" spc="0">
               <a:solidFill>
                 <a:schemeClr val="tx2">
                   <a:lumMod val="50000"/>
@@ -11137,7 +12656,7 @@
               <a:defRPr/>
             </a:pPr>
             <a:r>
-              <a:rPr lang="en-US" sz="1200" b="0" i="0" u="none" strike="noStrike" cap="none" spc="0">
+              <a:rPr lang="en-US" sz="1000" b="0" i="0" u="none" strike="noStrike" cap="none" spc="0">
                 <a:solidFill>
                   <a:schemeClr val="tx2">
                     <a:lumMod val="50000"/>
@@ -11149,7 +12668,7 @@
               </a:rPr>
               <a:t>			compareCount++;</a:t>
             </a:r>
-            <a:endParaRPr sz="1200" b="0" i="0" u="none" strike="noStrike" cap="none" spc="0">
+            <a:endParaRPr sz="1000" b="0" i="0" u="none" strike="noStrike" cap="none" spc="0">
               <a:solidFill>
                 <a:schemeClr val="tx2">
                   <a:lumMod val="50000"/>
@@ -11166,19 +12685,19 @@
               <a:defRPr/>
             </a:pPr>
             <a:r>
-              <a:rPr lang="en-US" sz="1200" b="0" i="0" u="none" strike="noStrike" cap="none" spc="0">
-                <a:solidFill>
-                  <a:schemeClr val="tx2">
-                    <a:lumMod val="50000"/>
-                  </a:schemeClr>
-                </a:solidFill>
-                <a:latin typeface="Times New Roman"/>
-                <a:ea typeface="Times New Roman"/>
-                <a:cs typeface="Times New Roman"/>
-              </a:rPr>
-              <a:t>			return j;</a:t>
-            </a:r>
-            <a:endParaRPr sz="1200" b="0" i="0" u="none" strike="noStrike" cap="none" spc="0">
+              <a:rPr lang="en-US" sz="1000" b="0" i="0" u="none" strike="noStrike" cap="none" spc="0">
+                <a:solidFill>
+                  <a:schemeClr val="tx2">
+                    <a:lumMod val="50000"/>
+                  </a:schemeClr>
+                </a:solidFill>
+                <a:latin typeface="Times New Roman"/>
+                <a:ea typeface="Times New Roman"/>
+                <a:cs typeface="Times New Roman"/>
+              </a:rPr>
+              <a:t>		}</a:t>
+            </a:r>
+            <a:endParaRPr sz="1000" b="0" i="0" u="none" strike="noStrike" cap="none" spc="0">
               <a:solidFill>
                 <a:schemeClr val="tx2">
                   <a:lumMod val="50000"/>
@@ -11195,19 +12714,56 @@
               <a:defRPr/>
             </a:pPr>
             <a:r>
-              <a:rPr lang="en-US" sz="1200" b="0" i="0" u="none" strike="noStrike" cap="none" spc="0">
-                <a:solidFill>
-                  <a:schemeClr val="tx2">
-                    <a:lumMod val="50000"/>
-                  </a:schemeClr>
-                </a:solidFill>
-                <a:latin typeface="Times New Roman"/>
-                <a:ea typeface="Times New Roman"/>
-                <a:cs typeface="Times New Roman"/>
-              </a:rPr>
-              <a:t>		}</a:t>
-            </a:r>
-            <a:endParaRPr sz="1200" b="0" i="0" u="none" strike="noStrike" cap="none" spc="0">
+              <a:rPr lang="en-US" sz="1000" b="0" i="0" u="none" strike="noStrike" cap="none" spc="0">
+                <a:solidFill>
+                  <a:schemeClr val="tx2">
+                    <a:lumMod val="50000"/>
+                  </a:schemeClr>
+                </a:solidFill>
+                <a:latin typeface="Times New Roman"/>
+                <a:ea typeface="Times New Roman"/>
+                <a:cs typeface="Times New Roman"/>
+              </a:rPr>
+              <a:t>		</a:t>
+            </a:r>
+            <a:r>
+              <a:rPr lang="en-US" sz="1000" b="0" i="0" u="none" strike="noStrike" cap="none" spc="0">
+                <a:solidFill>
+                  <a:schemeClr val="accent1"/>
+                </a:solidFill>
+                <a:latin typeface="Times New Roman"/>
+                <a:ea typeface="Times New Roman"/>
+                <a:cs typeface="Times New Roman"/>
+              </a:rPr>
+              <a:t>if</a:t>
+            </a:r>
+            <a:r>
+              <a:rPr lang="en-US" sz="1000" b="0" i="0" u="none" strike="noStrike" cap="none" spc="0">
+                <a:solidFill>
+                  <a:schemeClr val="tx2">
+                    <a:lumMod val="50000"/>
+                  </a:schemeClr>
+                </a:solidFill>
+                <a:latin typeface="Times New Roman"/>
+                <a:ea typeface="Times New Roman"/>
+                <a:cs typeface="Times New Roman"/>
+              </a:rPr>
+              <a:t>(i&gt;=j)</a:t>
+            </a:r>
+            <a:r>
+              <a:rPr lang="en-US" sz="1000" b="0" i="0" u="none" strike="noStrike" cap="none" spc="0">
+                <a:solidFill>
+                  <a:schemeClr val="tx2">
+                    <a:lumMod val="50000"/>
+                  </a:schemeClr>
+                </a:solidFill>
+                <a:latin typeface="Times New Roman"/>
+                <a:ea typeface="Times New Roman"/>
+                <a:cs typeface="Times New Roman"/>
+              </a:rPr>
+              <a:t>{</a:t>
+            </a:r>
+            <a:endParaRPr sz="1000" b="0" i="0" u="none" strike="noStrike" cap="none" spc="0">
               <a:solidFill>
                 <a:schemeClr val="tx2">
                   <a:lumMod val="50000"/>
@@ -11224,19 +12780,19 @@
               <a:defRPr/>
             </a:pPr>
             <a:r>
-              <a:rPr lang="en-US" sz="1200" b="0" i="0" u="none" strike="noStrike" cap="none" spc="0">
-                <a:solidFill>
-                  <a:schemeClr val="tx2">
-                    <a:lumMod val="50000"/>
-                  </a:schemeClr>
-                </a:solidFill>
-                <a:latin typeface="Times New Roman"/>
-                <a:ea typeface="Times New Roman"/>
-                <a:cs typeface="Times New Roman"/>
-              </a:rPr>
-              <a:t>		swap(i,j);</a:t>
-            </a:r>
-            <a:endParaRPr sz="1200" b="0" i="0" u="none" strike="noStrike" cap="none" spc="0">
+              <a:rPr lang="en-US" sz="1000" b="0" i="0" u="none" strike="noStrike" cap="none" spc="0">
+                <a:solidFill>
+                  <a:schemeClr val="tx2">
+                    <a:lumMod val="50000"/>
+                  </a:schemeClr>
+                </a:solidFill>
+                <a:latin typeface="Times New Roman"/>
+                <a:ea typeface="Times New Roman"/>
+                <a:cs typeface="Times New Roman"/>
+              </a:rPr>
+              <a:t>			compareCount++;</a:t>
+            </a:r>
+            <a:endParaRPr sz="1000" b="0" i="0" u="none" strike="noStrike" cap="none" spc="0">
               <a:solidFill>
                 <a:schemeClr val="tx2">
                   <a:lumMod val="50000"/>
@@ -11253,19 +12809,43 @@
               <a:defRPr/>
             </a:pPr>
             <a:r>
-              <a:rPr lang="en-US" sz="1200" b="0" i="0" u="none" strike="noStrike" cap="none" spc="0">
-                <a:solidFill>
-                  <a:schemeClr val="tx2">
-                    <a:lumMod val="50000"/>
-                  </a:schemeClr>
-                </a:solidFill>
-                <a:latin typeface="Times New Roman"/>
-                <a:ea typeface="Times New Roman"/>
-                <a:cs typeface="Times New Roman"/>
-              </a:rPr>
-              <a:t>	}</a:t>
-            </a:r>
-            <a:endParaRPr sz="1200" b="0" i="0" u="none" strike="noStrike" cap="none" spc="0">
+              <a:rPr lang="en-US" sz="1000" b="0" i="0" u="none" strike="noStrike" cap="none" spc="0">
+                <a:solidFill>
+                  <a:schemeClr val="tx2">
+                    <a:lumMod val="50000"/>
+                  </a:schemeClr>
+                </a:solidFill>
+                <a:latin typeface="Times New Roman"/>
+                <a:ea typeface="Times New Roman"/>
+                <a:cs typeface="Times New Roman"/>
+              </a:rPr>
+              <a:t>			</a:t>
+            </a:r>
+            <a:r>
+              <a:rPr lang="en-US" sz="1000" b="0" i="0" u="none" strike="noStrike" cap="none" spc="0">
+                <a:solidFill>
+                  <a:schemeClr val="accent1"/>
+                </a:solidFill>
+                <a:latin typeface="Times New Roman"/>
+                <a:ea typeface="Times New Roman"/>
+                <a:cs typeface="Times New Roman"/>
+              </a:rPr>
+              <a:t>return </a:t>
+            </a:r>
+            <a:r>
+              <a:rPr lang="en-US" sz="1000" b="0" i="0" u="none" strike="noStrike" cap="none" spc="0">
+                <a:solidFill>
+                  <a:schemeClr val="tx2">
+                    <a:lumMod val="50000"/>
+                  </a:schemeClr>
+                </a:solidFill>
+                <a:latin typeface="Times New Roman"/>
+                <a:ea typeface="Times New Roman"/>
+                <a:cs typeface="Times New Roman"/>
+              </a:rPr>
+              <a:t>j;</a:t>
+            </a:r>
+            <a:endParaRPr sz="1000" b="0" i="0" u="none" strike="noStrike" cap="none" spc="0">
               <a:solidFill>
                 <a:schemeClr val="tx2">
                   <a:lumMod val="50000"/>
@@ -11282,7 +12862,205 @@
               <a:defRPr/>
             </a:pPr>
             <a:r>
-              <a:rPr lang="en-US" sz="1200" b="0" i="0" u="none" strike="noStrike" cap="none" spc="0">
+              <a:rPr lang="en-US" sz="1000" b="0" i="0" u="none" strike="noStrike" cap="none" spc="0">
+                <a:solidFill>
+                  <a:schemeClr val="tx2">
+                    <a:lumMod val="50000"/>
+                  </a:schemeClr>
+                </a:solidFill>
+                <a:latin typeface="Times New Roman"/>
+                <a:ea typeface="Times New Roman"/>
+                <a:cs typeface="Times New Roman"/>
+              </a:rPr>
+              <a:t>		}</a:t>
+            </a:r>
+            <a:endParaRPr sz="1000" b="0" i="0" u="none" strike="noStrike" cap="none" spc="0">
+              <a:solidFill>
+                <a:schemeClr val="tx2">
+                  <a:lumMod val="50000"/>
+                </a:schemeClr>
+              </a:solidFill>
+              <a:latin typeface="Times New Roman"/>
+              <a:ea typeface="Times New Roman"/>
+              <a:cs typeface="Times New Roman"/>
+            </a:endParaRPr>
+          </a:p>
+          <a:p>
+            <a:pPr marL="0" indent="0">
+              <a:buNone/>
+              <a:defRPr/>
+            </a:pPr>
+            <a:r>
+              <a:rPr lang="en-US" sz="1000" b="0" i="0" u="none" strike="noStrike" cap="none" spc="0">
+                <a:solidFill>
+                  <a:schemeClr val="tx2">
+                    <a:lumMod val="50000"/>
+                  </a:schemeClr>
+                </a:solidFill>
+                <a:latin typeface="Times New Roman"/>
+                <a:ea typeface="Times New Roman"/>
+                <a:cs typeface="Times New Roman"/>
+              </a:rPr>
+              <a:t>		</a:t>
+            </a:r>
+            <a:r>
+              <a:rPr lang="en-US" sz="1000" b="0" i="0" u="none" strike="noStrike" cap="none" spc="0">
+                <a:solidFill>
+                  <a:schemeClr val="accent1"/>
+                </a:solidFill>
+                <a:latin typeface="Times New Roman"/>
+                <a:ea typeface="Times New Roman"/>
+                <a:cs typeface="Times New Roman"/>
+              </a:rPr>
+              <a:t>else</a:t>
+            </a:r>
+            <a:r>
+              <a:rPr lang="en-US" sz="1000" b="0" i="0" u="none" strike="noStrike" cap="none" spc="0">
+                <a:solidFill>
+                  <a:schemeClr val="tx2">
+                    <a:lumMod val="50000"/>
+                  </a:schemeClr>
+                </a:solidFill>
+                <a:latin typeface="Times New Roman"/>
+                <a:ea typeface="Times New Roman"/>
+                <a:cs typeface="Times New Roman"/>
+              </a:rPr>
+              <a:t>{</a:t>
+            </a:r>
+            <a:endParaRPr sz="1000" b="0" i="0" u="none" strike="noStrike" cap="none" spc="0">
+              <a:solidFill>
+                <a:schemeClr val="tx2">
+                  <a:lumMod val="50000"/>
+                </a:schemeClr>
+              </a:solidFill>
+              <a:latin typeface="Times New Roman"/>
+              <a:ea typeface="Times New Roman"/>
+              <a:cs typeface="Times New Roman"/>
+            </a:endParaRPr>
+          </a:p>
+          <a:p>
+            <a:pPr marL="0" indent="0">
+              <a:buNone/>
+              <a:defRPr/>
+            </a:pPr>
+            <a:r>
+              <a:rPr lang="en-US" sz="1000" b="0" i="0" u="none" strike="noStrike" cap="none" spc="0">
+                <a:solidFill>
+                  <a:schemeClr val="tx2">
+                    <a:lumMod val="50000"/>
+                  </a:schemeClr>
+                </a:solidFill>
+                <a:latin typeface="Times New Roman"/>
+                <a:ea typeface="Times New Roman"/>
+                <a:cs typeface="Times New Roman"/>
+              </a:rPr>
+              <a:t>			compareCount++;</a:t>
+            </a:r>
+            <a:endParaRPr sz="1000" b="0" i="0" u="none" strike="noStrike" cap="none" spc="0">
+              <a:solidFill>
+                <a:schemeClr val="tx2">
+                  <a:lumMod val="50000"/>
+                </a:schemeClr>
+              </a:solidFill>
+              <a:latin typeface="Times New Roman"/>
+              <a:ea typeface="Times New Roman"/>
+              <a:cs typeface="Times New Roman"/>
+            </a:endParaRPr>
+          </a:p>
+          <a:p>
+            <a:pPr marL="0" indent="0">
+              <a:buNone/>
+              <a:defRPr/>
+            </a:pPr>
+            <a:r>
+              <a:rPr lang="en-US" sz="1000" b="0" i="0" u="none" strike="noStrike" cap="none" spc="0">
+                <a:solidFill>
+                  <a:schemeClr val="tx2">
+                    <a:lumMod val="50000"/>
+                  </a:schemeClr>
+                </a:solidFill>
+                <a:latin typeface="Times New Roman"/>
+                <a:ea typeface="Times New Roman"/>
+                <a:cs typeface="Times New Roman"/>
+              </a:rPr>
+              <a:t>		}</a:t>
+            </a:r>
+            <a:endParaRPr sz="1000" b="0" i="0" u="none" strike="noStrike" cap="none" spc="0">
+              <a:solidFill>
+                <a:schemeClr val="tx2">
+                  <a:lumMod val="50000"/>
+                </a:schemeClr>
+              </a:solidFill>
+              <a:latin typeface="Times New Roman"/>
+              <a:ea typeface="Times New Roman"/>
+              <a:cs typeface="Times New Roman"/>
+            </a:endParaRPr>
+          </a:p>
+          <a:p>
+            <a:pPr marL="0" indent="0">
+              <a:buNone/>
+              <a:defRPr/>
+            </a:pPr>
+            <a:r>
+              <a:rPr lang="en-US" sz="1000" b="0" i="0" u="none" strike="noStrike" cap="none" spc="0">
+                <a:solidFill>
+                  <a:schemeClr val="tx2">
+                    <a:lumMod val="50000"/>
+                  </a:schemeClr>
+                </a:solidFill>
+                <a:latin typeface="Times New Roman"/>
+                <a:ea typeface="Times New Roman"/>
+                <a:cs typeface="Times New Roman"/>
+              </a:rPr>
+              <a:t>		swap(i,j);</a:t>
+            </a:r>
+            <a:endParaRPr sz="1000" b="0" i="0" u="none" strike="noStrike" cap="none" spc="0">
+              <a:solidFill>
+                <a:schemeClr val="tx2">
+                  <a:lumMod val="50000"/>
+                </a:schemeClr>
+              </a:solidFill>
+              <a:latin typeface="Times New Roman"/>
+              <a:ea typeface="Times New Roman"/>
+              <a:cs typeface="Times New Roman"/>
+            </a:endParaRPr>
+          </a:p>
+          <a:p>
+            <a:pPr marL="0" indent="0">
+              <a:buNone/>
+              <a:defRPr/>
+            </a:pPr>
+            <a:r>
+              <a:rPr lang="en-US" sz="1000" b="0" i="0" u="none" strike="noStrike" cap="none" spc="0">
+                <a:solidFill>
+                  <a:schemeClr val="tx2">
+                    <a:lumMod val="50000"/>
+                  </a:schemeClr>
+                </a:solidFill>
+                <a:latin typeface="Times New Roman"/>
+                <a:ea typeface="Times New Roman"/>
+                <a:cs typeface="Times New Roman"/>
+              </a:rPr>
+              <a:t>	}</a:t>
+            </a:r>
+            <a:endParaRPr sz="1000" b="0" i="0" u="none" strike="noStrike" cap="none" spc="0">
+              <a:solidFill>
+                <a:schemeClr val="tx2">
+                  <a:lumMod val="50000"/>
+                </a:schemeClr>
+              </a:solidFill>
+              <a:latin typeface="Times New Roman"/>
+              <a:ea typeface="Times New Roman"/>
+              <a:cs typeface="Times New Roman"/>
+            </a:endParaRPr>
+          </a:p>
+          <a:p>
+            <a:pPr marL="0" indent="0">
+              <a:buNone/>
+              <a:defRPr/>
+            </a:pPr>
+            <a:r>
+              <a:rPr lang="en-US" sz="1000" b="0" i="0" u="none" strike="noStrike" cap="none" spc="0">
                 <a:solidFill>
                   <a:schemeClr val="tx2">
                     <a:lumMod val="50000"/>
@@ -11294,7 +13072,7 @@
               </a:rPr>
               <a:t>}</a:t>
             </a:r>
-            <a:endParaRPr sz="1200" b="0" i="0" u="none" strike="noStrike" cap="none" spc="0">
+            <a:endParaRPr sz="1000" b="0" i="0" u="none" strike="noStrike" cap="none" spc="0">
               <a:solidFill>
                 <a:schemeClr val="tx2">
                   <a:lumMod val="50000"/>
@@ -11322,9 +13100,7 @@
           </a:xfrm>
         </p:spPr>
         <p:txBody>
-          <a:bodyPr vert="horz" lIns="91440" tIns="45720" rIns="91440" bIns="45720" rtlCol="0">
-            <a:normAutofit/>
-          </a:bodyPr>
+          <a:bodyPr vert="horz" lIns="91440" tIns="45720" rIns="91440" bIns="45720" rtlCol="0"/>
           <a:lstStyle>
             <a:lvl1pPr marL="342900" indent="-342900" algn="l" defTabSz="914400">
               <a:spcBef>
@@ -11841,7 +13617,31 @@
                 <a:ea typeface="Times New Roman"/>
                 <a:cs typeface="Times New Roman"/>
               </a:rPr>
-              <a:t>		return;</a:t>
+              <a:t>		</a:t>
+            </a:r>
+            <a:r>
+              <a:rPr lang="en-US" sz="1200" b="0" i="0" u="none" strike="noStrike" cap="none" spc="0">
+                <a:solidFill>
+                  <a:schemeClr val="accent1"/>
+                </a:solidFill>
+                <a:latin typeface="Times New Roman"/>
+                <a:ea typeface="Times New Roman"/>
+                <a:cs typeface="Times New Roman"/>
+              </a:rPr>
+              <a:t>return</a:t>
+            </a:r>
+            <a:r>
+              <a:rPr lang="en-US" sz="1200" b="0" i="0" u="none" strike="noStrike" cap="none" spc="0">
+                <a:solidFill>
+                  <a:schemeClr val="tx2">
+                    <a:lumMod val="50000"/>
+                  </a:schemeClr>
+                </a:solidFill>
+                <a:latin typeface="Times New Roman"/>
+                <a:ea typeface="Times New Roman"/>
+                <a:cs typeface="Times New Roman"/>
+              </a:rPr>
+              <a:t>;</a:t>
             </a:r>
             <a:endParaRPr lang="en-US" sz="1200" b="0" i="0" u="none" strike="noStrike" cap="none" spc="0">
               <a:solidFill>
@@ -12088,48 +13888,165 @@
           <p:cNvSpPr>
             <a:spLocks noGrp="1"/>
           </p:cNvSpPr>
-          <p:nvPr isPhoto="0" userDrawn="0">
-            <p:ph type="title" hasCustomPrompt="0"/>
+          <p:nvPr isPhoto="0" userDrawn="1">
+            <p:ph type="ctrTitle" hasCustomPrompt="0"/>
           </p:nvPr>
         </p:nvSpPr>
-        <p:spPr bwMode="auto"/>
-        <p:txBody>
-          <a:bodyPr/>
-          <a:lstStyle/>
-          <a:p>
-            <a:pPr>
-              <a:defRPr/>
-            </a:pPr>
-            <a:r>
-              <a:rPr/>
-              <a:t>Time</a:t>
-            </a:r>
-            <a:endParaRPr/>
-          </a:p>
-        </p:txBody>
-      </p:sp>
-      <p:pic>
-        <p:nvPicPr>
-          <p:cNvPr id="5" name="" hidden="0"/>
-          <p:cNvPicPr>
-            <a:picLocks noChangeAspect="1"/>
-          </p:cNvPicPr>
-          <p:nvPr isPhoto="0" userDrawn="0"/>
-        </p:nvPicPr>
-        <p:blipFill>
-          <a:blip r:embed="rId2"/>
-          <a:stretch/>
-        </p:blipFill>
         <p:spPr bwMode="auto">
-          <a:xfrm flipH="0" flipV="0">
-            <a:off x="1601752" y="1076767"/>
-            <a:ext cx="8899549" cy="5498256"/>
+          <a:xfrm>
+            <a:off x="1070366" y="3140966"/>
+            <a:ext cx="9994345" cy="1152126"/>
           </a:xfrm>
           <a:prstGeom prst="rect">
             <a:avLst/>
           </a:prstGeom>
+          <a:noFill/>
         </p:spPr>
-      </p:pic>
+        <p:txBody>
+          <a:bodyPr>
+            <a:normAutofit/>
+          </a:bodyPr>
+          <a:lstStyle>
+            <a:lvl1pPr algn="ctr">
+              <a:defRPr sz="4000"/>
+            </a:lvl1pPr>
+          </a:lstStyle>
+          <a:p>
+            <a:pPr>
+              <a:defRPr/>
+            </a:pPr>
+            <a:r>
+              <a:rPr/>
+              <a:t>{graphs_&amp;_analysis}</a:t>
+            </a:r>
+            <a:endParaRPr/>
+          </a:p>
+        </p:txBody>
+      </p:sp>
+      <p:sp>
+        <p:nvSpPr>
+          <p:cNvPr id="5" name="Подзаголовок 2" hidden="0"/>
+          <p:cNvSpPr>
+            <a:spLocks noGrp="1"/>
+          </p:cNvSpPr>
+          <p:nvPr isPhoto="0" userDrawn="1">
+            <p:ph type="subTitle" idx="1" hasCustomPrompt="0"/>
+          </p:nvPr>
+        </p:nvSpPr>
+        <p:spPr bwMode="auto">
+          <a:xfrm>
+            <a:off x="2043472" y="4437110"/>
+            <a:ext cx="8081652" cy="1008110"/>
+          </a:xfrm>
+        </p:spPr>
+        <p:txBody>
+          <a:bodyPr>
+            <a:normAutofit/>
+          </a:bodyPr>
+          <a:lstStyle>
+            <a:lvl1pPr marL="0" indent="0" algn="ctr">
+              <a:buNone/>
+              <a:defRPr sz="2800" b="1">
+                <a:solidFill>
+                  <a:schemeClr val="tx2">
+                    <a:lumMod val="75000"/>
+                  </a:schemeClr>
+                </a:solidFill>
+              </a:defRPr>
+            </a:lvl1pPr>
+            <a:lvl2pPr marL="457200" indent="0" algn="ctr">
+              <a:buNone/>
+              <a:defRPr>
+                <a:solidFill>
+                  <a:schemeClr val="tx1">
+                    <a:tint val="75000"/>
+                  </a:schemeClr>
+                </a:solidFill>
+              </a:defRPr>
+            </a:lvl2pPr>
+            <a:lvl3pPr marL="914400" indent="0" algn="ctr">
+              <a:buNone/>
+              <a:defRPr>
+                <a:solidFill>
+                  <a:schemeClr val="tx1">
+                    <a:tint val="75000"/>
+                  </a:schemeClr>
+                </a:solidFill>
+              </a:defRPr>
+            </a:lvl3pPr>
+            <a:lvl4pPr marL="1371600" indent="0" algn="ctr">
+              <a:buNone/>
+              <a:defRPr>
+                <a:solidFill>
+                  <a:schemeClr val="tx1">
+                    <a:tint val="75000"/>
+                  </a:schemeClr>
+                </a:solidFill>
+              </a:defRPr>
+            </a:lvl4pPr>
+            <a:lvl5pPr marL="1828800" indent="0" algn="ctr">
+              <a:buNone/>
+              <a:defRPr>
+                <a:solidFill>
+                  <a:schemeClr val="tx1">
+                    <a:tint val="75000"/>
+                  </a:schemeClr>
+                </a:solidFill>
+              </a:defRPr>
+            </a:lvl5pPr>
+            <a:lvl6pPr marL="2286000" indent="0" algn="ctr">
+              <a:buNone/>
+              <a:defRPr>
+                <a:solidFill>
+                  <a:schemeClr val="tx1">
+                    <a:tint val="75000"/>
+                  </a:schemeClr>
+                </a:solidFill>
+              </a:defRPr>
+            </a:lvl6pPr>
+            <a:lvl7pPr marL="2743200" indent="0" algn="ctr">
+              <a:buNone/>
+              <a:defRPr>
+                <a:solidFill>
+                  <a:schemeClr val="tx1">
+                    <a:tint val="75000"/>
+                  </a:schemeClr>
+                </a:solidFill>
+              </a:defRPr>
+            </a:lvl7pPr>
+            <a:lvl8pPr marL="3200400" indent="0" algn="ctr">
+              <a:buNone/>
+              <a:defRPr>
+                <a:solidFill>
+                  <a:schemeClr val="tx1">
+                    <a:tint val="75000"/>
+                  </a:schemeClr>
+                </a:solidFill>
+              </a:defRPr>
+            </a:lvl8pPr>
+            <a:lvl9pPr marL="3657600" indent="0" algn="ctr">
+              <a:buNone/>
+              <a:defRPr>
+                <a:solidFill>
+                  <a:schemeClr val="tx1">
+                    <a:tint val="75000"/>
+                  </a:schemeClr>
+                </a:solidFill>
+              </a:defRPr>
+            </a:lvl9pPr>
+          </a:lstStyle>
+          <a:p>
+            <a:pPr>
+              <a:defRPr/>
+            </a:pPr>
+            <a:r>
+              <a:rPr/>
+              <a:t>[selection] / [insertion] / [bubble] / [quick]</a:t>
+            </a:r>
+            <a:endParaRPr/>
+          </a:p>
+        </p:txBody>
+      </p:sp>
     </p:spTree>
   </p:cSld>
   <p:clrMapOvr>
@@ -12183,72 +14100,34 @@
             </a:pPr>
             <a:r>
               <a:rPr/>
-              <a:t>Time / Discussion</a:t>
+              <a:t>{time}</a:t>
             </a:r>
             <a:endParaRPr/>
           </a:p>
         </p:txBody>
       </p:sp>
-      <p:sp>
-        <p:nvSpPr>
-          <p:cNvPr id="5" name="Объект 2" hidden="0"/>
-          <p:cNvSpPr>
-            <a:spLocks noGrp="1"/>
-          </p:cNvSpPr>
-          <p:nvPr isPhoto="0" userDrawn="0">
-            <p:ph idx="1" hasCustomPrompt="0"/>
-          </p:nvPr>
-        </p:nvSpPr>
-        <p:spPr bwMode="auto"/>
-        <p:txBody>
-          <a:bodyPr/>
-          <a:lstStyle/>
-          <a:p>
-            <a:pPr>
-              <a:defRPr/>
-            </a:pPr>
-            <a:r>
-              <a:rPr/>
-              <a:t>Although QuickSort is slower than the other sorts for lists smaller than </a:t>
-            </a:r>
-            <a:r>
-              <a:rPr i="1"/>
-              <a:t>n=32</a:t>
-            </a:r>
-            <a:r>
-              <a:rPr/>
-              <a:t>, it outpaces the other sorting techniques for large lists. </a:t>
-            </a:r>
-            <a:endParaRPr/>
-          </a:p>
-          <a:p>
-            <a:pPr>
-              <a:defRPr/>
-            </a:pPr>
-            <a:r>
-              <a:rPr/>
-              <a:t>Since QuickSort is faster than the other techniques, it can process lists up to size </a:t>
-            </a:r>
-            <a:r>
-              <a:rPr i="1"/>
-              <a:t>n=268435456</a:t>
-            </a:r>
-            <a:r>
-              <a:rPr/>
-              <a:t> in less than a minute, compared to the other lists only being able to process lists up to size </a:t>
-            </a:r>
-            <a:r>
-              <a:rPr i="1"/>
-              <a:t>n=262144</a:t>
-            </a:r>
-            <a:r>
-              <a:rPr/>
-              <a:t> in less than a minute.</a:t>
-            </a:r>
-            <a:endParaRPr/>
-          </a:p>
-        </p:txBody>
-      </p:sp>
+      <p:pic>
+        <p:nvPicPr>
+          <p:cNvPr id="5" name="" hidden="0"/>
+          <p:cNvPicPr>
+            <a:picLocks noChangeAspect="1"/>
+          </p:cNvPicPr>
+          <p:nvPr isPhoto="0" userDrawn="0"/>
+        </p:nvPicPr>
+        <p:blipFill>
+          <a:blip r:embed="rId2"/>
+          <a:stretch/>
+        </p:blipFill>
+        <p:spPr bwMode="auto">
+          <a:xfrm flipH="0" flipV="0">
+            <a:off x="1542507" y="1004454"/>
+            <a:ext cx="9018037" cy="5571459"/>
+          </a:xfrm>
+          <a:prstGeom prst="rect">
+            <a:avLst/>
+          </a:prstGeom>
+        </p:spPr>
+      </p:pic>
     </p:spTree>
   </p:cSld>
   <p:clrMapOvr>
@@ -12302,34 +14181,72 @@
             </a:pPr>
             <a:r>
               <a:rPr/>
-              <a:t>Compare Count</a:t>
+              <a:t>{time} / [discussion]</a:t>
             </a:r>
             <a:endParaRPr/>
           </a:p>
         </p:txBody>
       </p:sp>
-      <p:pic>
-        <p:nvPicPr>
-          <p:cNvPr id="5" name="" hidden="0"/>
-          <p:cNvPicPr>
-            <a:picLocks noChangeAspect="1"/>
-          </p:cNvPicPr>
-          <p:nvPr isPhoto="0" userDrawn="0"/>
-        </p:nvPicPr>
-        <p:blipFill>
-          <a:blip r:embed="rId2"/>
-          <a:stretch/>
-        </p:blipFill>
-        <p:spPr bwMode="auto">
-          <a:xfrm flipH="0" flipV="0">
-            <a:off x="1589764" y="1076767"/>
-            <a:ext cx="8923524" cy="5513068"/>
-          </a:xfrm>
-          <a:prstGeom prst="rect">
-            <a:avLst/>
-          </a:prstGeom>
-        </p:spPr>
-      </p:pic>
+      <p:sp>
+        <p:nvSpPr>
+          <p:cNvPr id="5" name="Объект 2" hidden="0"/>
+          <p:cNvSpPr>
+            <a:spLocks noGrp="1"/>
+          </p:cNvSpPr>
+          <p:nvPr isPhoto="0" userDrawn="0">
+            <p:ph idx="1" hasCustomPrompt="0"/>
+          </p:nvPr>
+        </p:nvSpPr>
+        <p:spPr bwMode="auto"/>
+        <p:txBody>
+          <a:bodyPr/>
+          <a:lstStyle/>
+          <a:p>
+            <a:pPr>
+              <a:defRPr/>
+            </a:pPr>
+            <a:r>
+              <a:rPr/>
+              <a:t>Although QuickSort is slower than the other sorts for lists smaller than </a:t>
+            </a:r>
+            <a:r>
+              <a:rPr i="1"/>
+              <a:t>n=512</a:t>
+            </a:r>
+            <a:r>
+              <a:rPr/>
+              <a:t>, it outpaces the other sorting techniques for larger lists. </a:t>
+            </a:r>
+            <a:endParaRPr/>
+          </a:p>
+          <a:p>
+            <a:pPr>
+              <a:defRPr/>
+            </a:pPr>
+            <a:r>
+              <a:rPr/>
+              <a:t>Since QuickSort is faster than the other techniques, it can process lists up to size </a:t>
+            </a:r>
+            <a:r>
+              <a:rPr i="1"/>
+              <a:t>n=268435456</a:t>
+            </a:r>
+            <a:r>
+              <a:rPr/>
+              <a:t> in less than a minute, compared to the other lists only being able to process lists up to size </a:t>
+            </a:r>
+            <a:r>
+              <a:rPr i="1"/>
+              <a:t>n=262144</a:t>
+            </a:r>
+            <a:r>
+              <a:rPr/>
+              <a:t> in less than a minute.</a:t>
+            </a:r>
+            <a:endParaRPr/>
+          </a:p>
+        </p:txBody>
+      </p:sp>
     </p:spTree>
   </p:cSld>
   <p:clrMapOvr>
@@ -12383,48 +14300,34 @@
             </a:pPr>
             <a:r>
               <a:rPr/>
-              <a:t>Compare Count / Discussion</a:t>
+              <a:t>{compare_count}</a:t>
             </a:r>
             <a:endParaRPr/>
           </a:p>
         </p:txBody>
       </p:sp>
-      <p:sp>
-        <p:nvSpPr>
-          <p:cNvPr id="5" name="Объект 2" hidden="0"/>
-          <p:cNvSpPr>
-            <a:spLocks noGrp="1"/>
-          </p:cNvSpPr>
-          <p:nvPr isPhoto="0" userDrawn="0">
-            <p:ph idx="1" hasCustomPrompt="0"/>
-          </p:nvPr>
-        </p:nvSpPr>
-        <p:spPr bwMode="auto"/>
-        <p:txBody>
-          <a:bodyPr/>
-          <a:lstStyle/>
-          <a:p>
-            <a:pPr>
-              <a:defRPr/>
-            </a:pPr>
-            <a:r>
-              <a:rPr/>
-              <a:t>Once again, Quick Sort is slower than the other sorting techniques with lists with a length less than n=32. After that, Quick Sort becomes much more efficient and requires fewer compares to successfully sort. </a:t>
-            </a:r>
-            <a:endParaRPr/>
-          </a:p>
-          <a:p>
-            <a:pPr>
-              <a:defRPr/>
-            </a:pPr>
-            <a:r>
-              <a:rPr/>
-              <a:t>The number of Compare Counts for Insertion, Selection, &amp; Bubble sorting is incredibly similar. This is probably explained by all three sorts comparing values just once per loop. </a:t>
-            </a:r>
-            <a:endParaRPr/>
-          </a:p>
-        </p:txBody>
-      </p:sp>
+      <p:pic>
+        <p:nvPicPr>
+          <p:cNvPr id="5" name="" hidden="0"/>
+          <p:cNvPicPr>
+            <a:picLocks noChangeAspect="1"/>
+          </p:cNvPicPr>
+          <p:nvPr isPhoto="0" userDrawn="0"/>
+        </p:nvPicPr>
+        <p:blipFill>
+          <a:blip r:embed="rId2"/>
+          <a:stretch/>
+        </p:blipFill>
+        <p:spPr bwMode="auto">
+          <a:xfrm flipH="0" flipV="0">
+            <a:off x="1619271" y="1076765"/>
+            <a:ext cx="8896164" cy="5496164"/>
+          </a:xfrm>
+          <a:prstGeom prst="rect">
+            <a:avLst/>
+          </a:prstGeom>
+        </p:spPr>
+      </p:pic>
     </p:spTree>
   </p:cSld>
   <p:clrMapOvr>
@@ -12478,34 +14381,48 @@
             </a:pPr>
             <a:r>
               <a:rPr/>
-              <a:t>Swap Count</a:t>
+              <a:t>{compare_count} / [discussion]</a:t>
             </a:r>
             <a:endParaRPr/>
           </a:p>
         </p:txBody>
       </p:sp>
-      <p:pic>
-        <p:nvPicPr>
-          <p:cNvPr id="5" name="" hidden="0"/>
-          <p:cNvPicPr>
-            <a:picLocks noChangeAspect="1"/>
-          </p:cNvPicPr>
-          <p:nvPr isPhoto="0" userDrawn="0"/>
-        </p:nvPicPr>
-        <p:blipFill>
-          <a:blip r:embed="rId2"/>
-          <a:stretch/>
-        </p:blipFill>
-        <p:spPr bwMode="auto">
-          <a:xfrm flipH="0" flipV="0">
-            <a:off x="1609236" y="1076767"/>
-            <a:ext cx="8884581" cy="5489008"/>
-          </a:xfrm>
-          <a:prstGeom prst="rect">
-            <a:avLst/>
-          </a:prstGeom>
-        </p:spPr>
-      </p:pic>
+      <p:sp>
+        <p:nvSpPr>
+          <p:cNvPr id="5" name="Объект 2" hidden="0"/>
+          <p:cNvSpPr>
+            <a:spLocks noGrp="1"/>
+          </p:cNvSpPr>
+          <p:nvPr isPhoto="0" userDrawn="0">
+            <p:ph idx="1" hasCustomPrompt="0"/>
+          </p:nvPr>
+        </p:nvSpPr>
+        <p:spPr bwMode="auto"/>
+        <p:txBody>
+          <a:bodyPr/>
+          <a:lstStyle/>
+          <a:p>
+            <a:pPr>
+              <a:defRPr/>
+            </a:pPr>
+            <a:r>
+              <a:rPr/>
+              <a:t>Once again, Quick Sort is less efficient than the other sorting techniques with lists with a length less than n=512. After that, Quick Sort becomes much more efficient and requires fewer compares to successfully sort, relative to other sorts. </a:t>
+            </a:r>
+            <a:endParaRPr/>
+          </a:p>
+          <a:p>
+            <a:pPr>
+              <a:defRPr/>
+            </a:pPr>
+            <a:r>
+              <a:rPr/>
+              <a:t>The number of Compare Counts for Insertion, Selection, &amp; Bubble sorting is incredibly similar. This is explained by all three sorts comparing values just once per loop. </a:t>
+            </a:r>
+            <a:endParaRPr/>
+          </a:p>
+        </p:txBody>
+      </p:sp>
     </p:spTree>
   </p:cSld>
   <p:clrMapOvr>
@@ -12559,128 +14476,34 @@
             </a:pPr>
             <a:r>
               <a:rPr/>
-              <a:t>Swap Count / Discussion</a:t>
+              <a:t>{swap_count}</a:t>
             </a:r>
             <a:endParaRPr/>
           </a:p>
         </p:txBody>
       </p:sp>
-      <p:sp>
-        <p:nvSpPr>
-          <p:cNvPr id="5" name="Объект 2" hidden="0"/>
-          <p:cNvSpPr>
-            <a:spLocks noGrp="1"/>
-          </p:cNvSpPr>
-          <p:nvPr isPhoto="0" userDrawn="0">
-            <p:ph idx="1" hasCustomPrompt="0"/>
-          </p:nvPr>
-        </p:nvSpPr>
-        <p:spPr bwMode="auto"/>
-        <p:txBody>
-          <a:bodyPr/>
-          <a:lstStyle/>
-          <a:p>
-            <a:pPr>
-              <a:defRPr/>
-            </a:pPr>
-            <a:r>
-              <a:rPr/>
-              <a:t>Surprisingly, Selection Sort outpaces Quick Sort with the fewest swaps for all lists size n&gt;2. </a:t>
-            </a:r>
-            <a:endParaRPr/>
-          </a:p>
-          <a:p>
-            <a:pPr>
-              <a:defRPr/>
-            </a:pPr>
-            <a:r>
-              <a:rPr/>
-              <a:t>Insertion and Bubble Sort swap list items approximately the same number of times. </a:t>
-            </a:r>
-            <a:endParaRPr/>
-          </a:p>
-          <a:p>
-            <a:pPr>
-              <a:defRPr/>
-            </a:pPr>
-            <a:r>
-              <a:rPr/>
-              <a:t>It took approximately the same number of swaps for Quick Sort to sort </a:t>
-            </a:r>
-            <a:r>
-              <a:rPr lang="en-US" sz="3200" b="0" i="0" u="none" strike="noStrike" cap="none" spc="0">
-                <a:solidFill>
-                  <a:schemeClr val="tx2">
-                    <a:lumMod val="50000"/>
-                  </a:schemeClr>
-                </a:solidFill>
-                <a:latin typeface="+mn-lt"/>
-                <a:ea typeface="+mn-ea"/>
-                <a:cs typeface="+mn-cs"/>
-              </a:rPr>
-              <a:t>a list</a:t>
-            </a:r>
-            <a:r>
-              <a:rPr lang="en-US" sz="3200" b="0" i="1" u="none" strike="noStrike" cap="none" spc="0">
-                <a:solidFill>
-                  <a:schemeClr val="tx2">
-                    <a:lumMod val="50000"/>
-                  </a:schemeClr>
-                </a:solidFill>
-                <a:latin typeface="+mn-lt"/>
-                <a:ea typeface="+mn-ea"/>
-                <a:cs typeface="+mn-cs"/>
-              </a:rPr>
-              <a:t> n=268435456</a:t>
-            </a:r>
-            <a:r>
-              <a:rPr lang="en-US" sz="3200" b="0" i="0" u="none" strike="noStrike" cap="none" spc="0">
-                <a:solidFill>
-                  <a:schemeClr val="tx2">
-                    <a:lumMod val="50000"/>
-                  </a:schemeClr>
-                </a:solidFill>
-                <a:latin typeface="+mn-lt"/>
-                <a:ea typeface="+mn-ea"/>
-                <a:cs typeface="+mn-cs"/>
-              </a:rPr>
-              <a:t> </a:t>
-            </a:r>
-            <a:r>
-              <a:rPr/>
-              <a:t>as it took Insertion and Bubble Sort to sort a list </a:t>
-            </a:r>
-            <a:r>
-              <a:rPr i="1"/>
-              <a:t>n=</a:t>
-            </a:r>
-            <a:r>
-              <a:rPr lang="en-US" sz="3200" b="0" i="1" u="none" strike="noStrike" cap="none" spc="0">
-                <a:solidFill>
-                  <a:schemeClr val="tx2">
-                    <a:lumMod val="50000"/>
-                  </a:schemeClr>
-                </a:solidFill>
-                <a:latin typeface="+mn-lt"/>
-                <a:ea typeface="+mn-ea"/>
-                <a:cs typeface="+mn-cs"/>
-              </a:rPr>
-              <a:t>262144</a:t>
-            </a:r>
-            <a:r>
-              <a:rPr/>
-              <a:t>. </a:t>
-            </a:r>
-            <a:endParaRPr/>
-          </a:p>
-          <a:p>
-            <a:pPr>
-              <a:defRPr/>
-            </a:pPr>
-            <a:endParaRPr/>
-          </a:p>
-        </p:txBody>
-      </p:sp>
+      <p:pic>
+        <p:nvPicPr>
+          <p:cNvPr id="5" name="" hidden="0"/>
+          <p:cNvPicPr>
+            <a:picLocks noChangeAspect="1"/>
+          </p:cNvPicPr>
+          <p:nvPr isPhoto="0" userDrawn="0"/>
+        </p:nvPicPr>
+        <p:blipFill>
+          <a:blip r:embed="rId2"/>
+          <a:stretch/>
+        </p:blipFill>
+        <p:spPr bwMode="auto">
+          <a:xfrm flipH="0" flipV="0">
+            <a:off x="1600776" y="1026480"/>
+            <a:ext cx="8995913" cy="5557791"/>
+          </a:xfrm>
+          <a:prstGeom prst="rect">
+            <a:avLst/>
+          </a:prstGeom>
+        </p:spPr>
+      </p:pic>
     </p:spTree>
   </p:cSld>
   <p:clrMapOvr>
@@ -12734,7 +14557,7 @@
             </a:pPr>
             <a:r>
               <a:rPr/>
-              <a:t>Bubble Sort / Code</a:t>
+              <a:t>{swap_count} / [discussion]</a:t>
             </a:r>
             <a:endParaRPr/>
           </a:p>
@@ -12750,7 +14573,12 @@
             <p:ph idx="1" hasCustomPrompt="0"/>
           </p:nvPr>
         </p:nvSpPr>
-        <p:spPr bwMode="auto"/>
+        <p:spPr bwMode="auto">
+          <a:xfrm>
+            <a:off x="609598" y="1155815"/>
+            <a:ext cx="10972800" cy="4608513"/>
+          </a:xfrm>
+        </p:spPr>
         <p:txBody>
           <a:bodyPr/>
           <a:lstStyle/>
@@ -12759,564 +14587,168 @@
               <a:defRPr/>
             </a:pPr>
             <a:r>
-              <a:rPr lang="en-US" sz="2800" b="0" i="0" u="none" strike="noStrike" cap="none" spc="0">
-                <a:solidFill>
-                  <a:schemeClr val="accent1"/>
-                </a:solidFill>
-                <a:latin typeface="Times New Roman"/>
-                <a:ea typeface="Times New Roman"/>
-                <a:cs typeface="Times New Roman"/>
-              </a:rPr>
-              <a:t>public </a:t>
-            </a:r>
-            <a:r>
-              <a:rPr lang="en-US" sz="2800" b="0" i="0" u="none" strike="noStrike" cap="none" spc="0">
-                <a:solidFill>
-                  <a:schemeClr val="accent4"/>
-                </a:solidFill>
-                <a:latin typeface="Times New Roman"/>
-                <a:ea typeface="Times New Roman"/>
-                <a:cs typeface="Times New Roman"/>
-              </a:rPr>
-              <a:t>void </a:t>
-            </a:r>
-            <a:r>
-              <a:rPr lang="en-US" sz="2800" b="0" i="0" u="none" strike="noStrike" cap="none" spc="0">
-                <a:solidFill>
-                  <a:schemeClr val="tx2">
-                    <a:lumMod val="50000"/>
-                  </a:schemeClr>
-                </a:solidFill>
-                <a:latin typeface="Times New Roman"/>
-                <a:ea typeface="Times New Roman"/>
-                <a:cs typeface="Times New Roman"/>
-              </a:rPr>
-              <a:t>bubbleSort()</a:t>
-            </a:r>
-            <a:endParaRPr sz="2800" b="0" i="0" u="none" strike="noStrike" cap="none" spc="0">
-              <a:solidFill>
-                <a:schemeClr val="tx2">
-                  <a:lumMod val="50000"/>
-                </a:schemeClr>
-              </a:solidFill>
+              <a:rPr/>
+              <a:t>Selection Sort is the superior sorting technique when looking at swap count. This efficiency is caused by Selection Sort only swapping n-1 times.</a:t>
+            </a:r>
+            <a:endParaRPr/>
+          </a:p>
+          <a:p>
+            <a:pPr>
+              <a:defRPr/>
+            </a:pPr>
+            <a:r>
+              <a:rPr/>
+              <a:t>Insertion and Bubble Sort swap items approximately the same number of times. </a:t>
+            </a:r>
+            <a:endParaRPr/>
+          </a:p>
+          <a:p>
+            <a:pPr>
+              <a:defRPr/>
+            </a:pPr>
+            <a:r>
+              <a:rPr/>
+              <a:t>It took approximately the same number of swaps for Quick Sort to sort </a:t>
+            </a:r>
+            <a:r>
+              <a:rPr lang="en-US" sz="3200" b="0" i="0" u="none" strike="noStrike" cap="none" spc="0">
+                <a:solidFill>
+                  <a:schemeClr val="tx2">
+                    <a:lumMod val="50000"/>
+                  </a:schemeClr>
+                </a:solidFill>
+                <a:latin typeface="+mn-lt"/>
+                <a:ea typeface="+mn-ea"/>
+                <a:cs typeface="+mn-cs"/>
+              </a:rPr>
+              <a:t>a list</a:t>
+            </a:r>
+            <a:r>
+              <a:rPr lang="en-US" sz="3200" b="0" i="1" u="none" strike="noStrike" cap="none" spc="0">
+                <a:solidFill>
+                  <a:schemeClr val="tx2">
+                    <a:lumMod val="50000"/>
+                  </a:schemeClr>
+                </a:solidFill>
+                <a:latin typeface="+mn-lt"/>
+                <a:ea typeface="+mn-ea"/>
+                <a:cs typeface="+mn-cs"/>
+              </a:rPr>
+              <a:t> n=268435456</a:t>
+            </a:r>
+            <a:r>
+              <a:rPr lang="en-US" sz="3200" b="0" i="0" u="none" strike="noStrike" cap="none" spc="0">
+                <a:solidFill>
+                  <a:schemeClr val="tx2">
+                    <a:lumMod val="50000"/>
+                  </a:schemeClr>
+                </a:solidFill>
+                <a:latin typeface="+mn-lt"/>
+                <a:ea typeface="+mn-ea"/>
+                <a:cs typeface="+mn-cs"/>
+              </a:rPr>
+              <a:t> </a:t>
+            </a:r>
+            <a:r>
+              <a:rPr/>
+              <a:t>as it took Insertion and Bubble Sort to sort a list </a:t>
+            </a:r>
+            <a:r>
+              <a:rPr i="1"/>
+              <a:t>n=</a:t>
+            </a:r>
+            <a:r>
+              <a:rPr lang="en-US" sz="3200" b="0" i="1" u="none" strike="noStrike" cap="none" spc="0">
+                <a:solidFill>
+                  <a:schemeClr val="tx2">
+                    <a:lumMod val="50000"/>
+                  </a:schemeClr>
+                </a:solidFill>
+                <a:latin typeface="+mn-lt"/>
+                <a:ea typeface="+mn-ea"/>
+                <a:cs typeface="+mn-cs"/>
+              </a:rPr>
+              <a:t>262144</a:t>
+            </a:r>
+            <a:r>
+              <a:rPr/>
+              <a:t>. </a:t>
+            </a:r>
+            <a:endParaRPr/>
+          </a:p>
+          <a:p>
+            <a:pPr>
+              <a:defRPr/>
+            </a:pPr>
+            <a:r>
+              <a:rPr/>
+              <a:t>Additionally, it took approximately the same number of swaps for Selection Sort to sort a list </a:t>
+            </a:r>
+            <a:r>
+              <a:rPr i="1">
+                <a:latin typeface="Times New Roman"/>
+                <a:ea typeface="Times New Roman"/>
+                <a:cs typeface="Times New Roman"/>
+              </a:rPr>
+              <a:t>n=</a:t>
+            </a:r>
+            <a:r>
+              <a:rPr sz="3200" b="0" i="1" u="none">
+                <a:solidFill>
+                  <a:srgbClr val="000000"/>
+                </a:solidFill>
+                <a:latin typeface="Times New Roman"/>
+                <a:ea typeface="Times New Roman"/>
+                <a:cs typeface="Times New Roman"/>
+              </a:rPr>
+              <a:t>262144</a:t>
+            </a:r>
+            <a:r>
+              <a:rPr sz="3200">
+                <a:latin typeface="Times New Roman"/>
+                <a:ea typeface="Times New Roman"/>
+                <a:cs typeface="Times New Roman"/>
+              </a:rPr>
+              <a:t> as it took Quick Sort to sort a list </a:t>
+            </a:r>
+            <a:r>
+              <a:rPr sz="3200" i="1">
+                <a:latin typeface="Times New Roman"/>
+                <a:ea typeface="Times New Roman"/>
+                <a:cs typeface="Times New Roman"/>
+              </a:rPr>
+              <a:t>n=</a:t>
+            </a:r>
+            <a:r>
+              <a:rPr sz="3200" b="0" i="1" u="none">
+                <a:solidFill>
+                  <a:srgbClr val="000000"/>
+                </a:solidFill>
+                <a:latin typeface="Times New Roman"/>
+                <a:ea typeface="Times New Roman"/>
+                <a:cs typeface="Times New Roman"/>
+              </a:rPr>
+              <a:t>32768</a:t>
+            </a:r>
+            <a:r>
+              <a:rPr sz="3200">
+                <a:latin typeface="Times New Roman"/>
+                <a:ea typeface="Times New Roman"/>
+                <a:cs typeface="Times New Roman"/>
+              </a:rPr>
+              <a:t>.</a:t>
+            </a:r>
+            <a:endParaRPr sz="3200">
               <a:latin typeface="Times New Roman"/>
               <a:ea typeface="Times New Roman"/>
               <a:cs typeface="Times New Roman"/>
             </a:endParaRPr>
           </a:p>
           <a:p>
-            <a:pPr marL="0" indent="0">
-              <a:buNone/>
-              <a:defRPr/>
-            </a:pPr>
-            <a:r>
-              <a:rPr lang="en-US" sz="2800" b="0" i="0" u="none" strike="noStrike" cap="none" spc="0">
-                <a:solidFill>
-                  <a:schemeClr val="tx2">
-                    <a:lumMod val="50000"/>
-                  </a:schemeClr>
-                </a:solidFill>
-                <a:latin typeface="Times New Roman"/>
-                <a:ea typeface="Times New Roman"/>
-                <a:cs typeface="Times New Roman"/>
-              </a:rPr>
-              <a:t>{</a:t>
-            </a:r>
-            <a:endParaRPr lang="en-US" sz="2800" b="0" i="0" u="none" strike="noStrike" cap="none" spc="0">
-              <a:solidFill>
-                <a:schemeClr val="tx2">
-                  <a:lumMod val="50000"/>
-                </a:schemeClr>
-              </a:solidFill>
-              <a:latin typeface="Times New Roman"/>
-              <a:ea typeface="Times New Roman"/>
-              <a:cs typeface="Times New Roman"/>
-            </a:endParaRPr>
-          </a:p>
-          <a:p>
-            <a:pPr marL="0" indent="0">
-              <a:buNone/>
-              <a:defRPr/>
-            </a:pPr>
-            <a:r>
-              <a:rPr lang="en-US" sz="2800" b="0" i="0" u="none" strike="noStrike" cap="none" spc="0">
-                <a:solidFill>
-                  <a:schemeClr val="tx2">
-                    <a:lumMod val="50000"/>
-                  </a:schemeClr>
-                </a:solidFill>
-                <a:latin typeface="Times New Roman"/>
-                <a:ea typeface="Times New Roman"/>
-                <a:cs typeface="Times New Roman"/>
-              </a:rPr>
-              <a:t>	</a:t>
-            </a:r>
-            <a:r>
-              <a:rPr lang="en-US" sz="2800" b="0" i="0" u="none" strike="noStrike" cap="none" spc="0">
-                <a:solidFill>
-                  <a:schemeClr val="accent1"/>
-                </a:solidFill>
-                <a:latin typeface="Times New Roman"/>
-                <a:ea typeface="Times New Roman"/>
-                <a:cs typeface="Times New Roman"/>
-              </a:rPr>
-              <a:t>for</a:t>
-            </a:r>
-            <a:r>
-              <a:rPr lang="en-US" sz="2800" b="0" i="0" u="none" strike="noStrike" cap="none" spc="0">
-                <a:solidFill>
-                  <a:schemeClr val="tx2">
-                    <a:lumMod val="50000"/>
-                  </a:schemeClr>
-                </a:solidFill>
-                <a:latin typeface="Times New Roman"/>
-                <a:ea typeface="Times New Roman"/>
-                <a:cs typeface="Times New Roman"/>
-              </a:rPr>
-              <a:t>(</a:t>
-            </a:r>
-            <a:r>
-              <a:rPr lang="en-US" sz="2800" b="0" i="0" u="none" strike="noStrike" cap="none" spc="0">
-                <a:solidFill>
-                  <a:schemeClr val="accent4"/>
-                </a:solidFill>
-                <a:latin typeface="Times New Roman"/>
-                <a:ea typeface="Times New Roman"/>
-                <a:cs typeface="Times New Roman"/>
-              </a:rPr>
-              <a:t>int </a:t>
-            </a:r>
-            <a:r>
-              <a:rPr lang="en-US" sz="2800" b="0" i="0" u="none" strike="noStrike" cap="none" spc="0">
-                <a:solidFill>
-                  <a:schemeClr val="tx2">
-                    <a:lumMod val="50000"/>
-                  </a:schemeClr>
-                </a:solidFill>
-                <a:latin typeface="Times New Roman"/>
-                <a:ea typeface="Times New Roman"/>
-                <a:cs typeface="Times New Roman"/>
-              </a:rPr>
-              <a:t>i=</a:t>
-            </a:r>
-            <a:r>
-              <a:rPr lang="en-US" sz="2800" b="0" i="0" u="none" strike="noStrike" cap="none" spc="0">
-                <a:solidFill>
-                  <a:schemeClr val="accent3"/>
-                </a:solidFill>
-                <a:latin typeface="Times New Roman"/>
-                <a:ea typeface="Times New Roman"/>
-                <a:cs typeface="Times New Roman"/>
-              </a:rPr>
-              <a:t>0</a:t>
-            </a:r>
-            <a:r>
-              <a:rPr lang="en-US" sz="2800" b="0" i="0" u="none" strike="noStrike" cap="none" spc="0">
-                <a:solidFill>
-                  <a:schemeClr val="tx2">
-                    <a:lumMod val="50000"/>
-                  </a:schemeClr>
-                </a:solidFill>
-                <a:latin typeface="Times New Roman"/>
-                <a:ea typeface="Times New Roman"/>
-                <a:cs typeface="Times New Roman"/>
-              </a:rPr>
-              <a:t>;i&lt;size;i++)</a:t>
-            </a:r>
-            <a:endParaRPr sz="2800" b="0" i="0" u="none" strike="noStrike" cap="none" spc="0">
-              <a:solidFill>
-                <a:schemeClr val="tx2">
-                  <a:lumMod val="50000"/>
-                </a:schemeClr>
-              </a:solidFill>
-              <a:latin typeface="Times New Roman"/>
-              <a:ea typeface="Times New Roman"/>
-              <a:cs typeface="Times New Roman"/>
-            </a:endParaRPr>
-          </a:p>
-          <a:p>
-            <a:pPr marL="0" indent="0">
-              <a:buNone/>
-              <a:defRPr/>
-            </a:pPr>
-            <a:r>
-              <a:rPr lang="en-US" sz="2800" b="0" i="0" u="none" strike="noStrike" cap="none" spc="0">
-                <a:solidFill>
-                  <a:schemeClr val="tx2">
-                    <a:lumMod val="50000"/>
-                  </a:schemeClr>
-                </a:solidFill>
-                <a:latin typeface="Times New Roman"/>
-                <a:ea typeface="Times New Roman"/>
-                <a:cs typeface="Times New Roman"/>
-              </a:rPr>
-              <a:t>	</a:t>
-            </a:r>
-            <a:r>
-              <a:rPr lang="en-US" sz="2800" b="0" i="0" u="none" strike="noStrike" cap="none" spc="0">
-                <a:solidFill>
-                  <a:schemeClr val="tx2">
-                    <a:lumMod val="50000"/>
-                  </a:schemeClr>
-                </a:solidFill>
-                <a:latin typeface="Times New Roman"/>
-                <a:ea typeface="Times New Roman"/>
-                <a:cs typeface="Times New Roman"/>
-              </a:rPr>
-              <a:t>{  </a:t>
-            </a:r>
-            <a:endParaRPr sz="2800" b="0" i="0" u="none" strike="noStrike" cap="none" spc="0">
-              <a:solidFill>
-                <a:schemeClr val="tx2">
-                  <a:lumMod val="50000"/>
-                </a:schemeClr>
-              </a:solidFill>
-              <a:latin typeface="Times New Roman"/>
-              <a:ea typeface="Times New Roman"/>
-              <a:cs typeface="Times New Roman"/>
-            </a:endParaRPr>
-          </a:p>
-          <a:p>
-            <a:pPr marL="0" indent="0">
-              <a:buNone/>
-              <a:defRPr/>
-            </a:pPr>
-            <a:r>
-              <a:rPr lang="en-US" sz="2800" b="0" i="0" u="none" strike="noStrike" cap="none" spc="0">
-                <a:solidFill>
-                  <a:schemeClr val="tx2">
-                    <a:lumMod val="50000"/>
-                  </a:schemeClr>
-                </a:solidFill>
-                <a:latin typeface="Times New Roman"/>
-                <a:ea typeface="Times New Roman"/>
-                <a:cs typeface="Times New Roman"/>
-              </a:rPr>
-              <a:t>		</a:t>
-            </a:r>
-            <a:r>
-              <a:rPr lang="en-US" sz="2800" b="0" i="0" u="none" strike="noStrike" cap="none" spc="0">
-                <a:solidFill>
-                  <a:schemeClr val="accent1"/>
-                </a:solidFill>
-                <a:latin typeface="Times New Roman"/>
-                <a:ea typeface="Times New Roman"/>
-                <a:cs typeface="Times New Roman"/>
-              </a:rPr>
-              <a:t>for</a:t>
-            </a:r>
-            <a:r>
-              <a:rPr lang="en-US" sz="2800" b="0" i="0" u="none" strike="noStrike" cap="none" spc="0">
-                <a:solidFill>
-                  <a:schemeClr val="tx2">
-                    <a:lumMod val="50000"/>
-                  </a:schemeClr>
-                </a:solidFill>
-                <a:latin typeface="Times New Roman"/>
-                <a:ea typeface="Times New Roman"/>
-                <a:cs typeface="Times New Roman"/>
-              </a:rPr>
-              <a:t>(</a:t>
-            </a:r>
-            <a:r>
-              <a:rPr lang="en-US" sz="2800" b="0" i="0" u="none" strike="noStrike" cap="none" spc="0">
-                <a:solidFill>
-                  <a:schemeClr val="accent4"/>
-                </a:solidFill>
-                <a:latin typeface="Times New Roman"/>
-                <a:ea typeface="Times New Roman"/>
-                <a:cs typeface="Times New Roman"/>
-              </a:rPr>
-              <a:t>int </a:t>
-            </a:r>
-            <a:r>
-              <a:rPr lang="en-US" sz="2800" b="0" i="0" u="none" strike="noStrike" cap="none" spc="0">
-                <a:solidFill>
-                  <a:schemeClr val="tx2">
-                    <a:lumMod val="50000"/>
-                  </a:schemeClr>
-                </a:solidFill>
-                <a:latin typeface="Times New Roman"/>
-                <a:ea typeface="Times New Roman"/>
-                <a:cs typeface="Times New Roman"/>
-              </a:rPr>
-              <a:t>j=</a:t>
-            </a:r>
-            <a:r>
-              <a:rPr lang="en-US" sz="2800" b="0" i="0" u="none" strike="noStrike" cap="none" spc="0">
-                <a:solidFill>
-                  <a:schemeClr val="accent3"/>
-                </a:solidFill>
-                <a:latin typeface="Times New Roman"/>
-                <a:ea typeface="Times New Roman"/>
-                <a:cs typeface="Times New Roman"/>
-              </a:rPr>
-              <a:t>1</a:t>
-            </a:r>
-            <a:r>
-              <a:rPr lang="en-US" sz="2800" b="0" i="0" u="none" strike="noStrike" cap="none" spc="0">
-                <a:solidFill>
-                  <a:schemeClr val="tx2">
-                    <a:lumMod val="50000"/>
-                  </a:schemeClr>
-                </a:solidFill>
-                <a:latin typeface="Times New Roman"/>
-                <a:ea typeface="Times New Roman"/>
-                <a:cs typeface="Times New Roman"/>
-              </a:rPr>
-              <a:t>;j&lt;=size-</a:t>
-            </a:r>
-            <a:r>
-              <a:rPr lang="en-US" sz="2800" b="0" i="0" u="none" strike="noStrike" cap="none" spc="0">
-                <a:solidFill>
-                  <a:schemeClr val="accent3"/>
-                </a:solidFill>
-                <a:latin typeface="Times New Roman"/>
-                <a:ea typeface="Times New Roman"/>
-                <a:cs typeface="Times New Roman"/>
-              </a:rPr>
-              <a:t>1</a:t>
-            </a:r>
-            <a:r>
-              <a:rPr lang="en-US" sz="2800" b="0" i="0" u="none" strike="noStrike" cap="none" spc="0">
-                <a:solidFill>
-                  <a:schemeClr val="tx2">
-                    <a:lumMod val="50000"/>
-                  </a:schemeClr>
-                </a:solidFill>
-                <a:latin typeface="Times New Roman"/>
-                <a:ea typeface="Times New Roman"/>
-                <a:cs typeface="Times New Roman"/>
-              </a:rPr>
-              <a:t>-i;j++)</a:t>
-            </a:r>
-            <a:endParaRPr sz="2800" b="0" i="0" u="none" strike="noStrike" cap="none" spc="0">
-              <a:solidFill>
-                <a:schemeClr val="tx2">
-                  <a:lumMod val="50000"/>
-                </a:schemeClr>
-              </a:solidFill>
-              <a:latin typeface="Times New Roman"/>
-              <a:ea typeface="Times New Roman"/>
-              <a:cs typeface="Times New Roman"/>
-            </a:endParaRPr>
-          </a:p>
-          <a:p>
-            <a:pPr marL="0" indent="0">
-              <a:buNone/>
-              <a:defRPr/>
-            </a:pPr>
-            <a:r>
-              <a:rPr lang="en-US" sz="2800" b="0" i="0" u="none" strike="noStrike" cap="none" spc="0">
-                <a:solidFill>
-                  <a:schemeClr val="tx2">
-                    <a:lumMod val="50000"/>
-                  </a:schemeClr>
-                </a:solidFill>
-                <a:latin typeface="Times New Roman"/>
-                <a:ea typeface="Times New Roman"/>
-                <a:cs typeface="Times New Roman"/>
-              </a:rPr>
-              <a:t>		{  </a:t>
-            </a:r>
-            <a:endParaRPr sz="2800" b="0" i="0" u="none" strike="noStrike" cap="none" spc="0">
-              <a:solidFill>
-                <a:schemeClr val="tx2">
-                  <a:lumMod val="50000"/>
-                </a:schemeClr>
-              </a:solidFill>
-              <a:latin typeface="Times New Roman"/>
-              <a:ea typeface="Times New Roman"/>
-              <a:cs typeface="Times New Roman"/>
-            </a:endParaRPr>
-          </a:p>
-          <a:p>
-            <a:pPr marL="0" indent="0">
-              <a:buNone/>
-              <a:defRPr/>
-            </a:pPr>
-            <a:r>
-              <a:rPr lang="en-US" sz="2800" b="0" i="0" u="none" strike="noStrike" cap="none" spc="0">
-                <a:solidFill>
-                  <a:schemeClr val="tx2">
-                    <a:lumMod val="50000"/>
-                  </a:schemeClr>
-                </a:solidFill>
-                <a:latin typeface="Times New Roman"/>
-                <a:ea typeface="Times New Roman"/>
-                <a:cs typeface="Times New Roman"/>
-              </a:rPr>
-              <a:t>			</a:t>
-            </a:r>
-            <a:r>
-              <a:rPr lang="en-US" sz="2800" b="0" i="0" u="none" strike="noStrike" cap="none" spc="0">
-                <a:solidFill>
-                  <a:schemeClr val="accent1"/>
-                </a:solidFill>
-                <a:latin typeface="Times New Roman"/>
-                <a:ea typeface="Times New Roman"/>
-                <a:cs typeface="Times New Roman"/>
-              </a:rPr>
-              <a:t>if</a:t>
-            </a:r>
-            <a:r>
-              <a:rPr lang="en-US" sz="2800" b="0" i="0" u="none" strike="noStrike" cap="none" spc="0">
-                <a:solidFill>
-                  <a:schemeClr val="tx2">
-                    <a:lumMod val="50000"/>
-                  </a:schemeClr>
-                </a:solidFill>
-                <a:latin typeface="Times New Roman"/>
-                <a:ea typeface="Times New Roman"/>
-                <a:cs typeface="Times New Roman"/>
-              </a:rPr>
-              <a:t>(!inOrder(get(j),get(j-</a:t>
-            </a:r>
-            <a:r>
-              <a:rPr lang="en-US" sz="2800" b="0" i="0" u="none" strike="noStrike" cap="none" spc="0">
-                <a:solidFill>
-                  <a:schemeClr val="accent3"/>
-                </a:solidFill>
-                <a:latin typeface="Times New Roman"/>
-                <a:ea typeface="Times New Roman"/>
-                <a:cs typeface="Times New Roman"/>
-              </a:rPr>
-              <a:t>1</a:t>
-            </a:r>
-            <a:r>
-              <a:rPr lang="en-US" sz="2800" b="0" i="0" u="none" strike="noStrike" cap="none" spc="0">
-                <a:solidFill>
-                  <a:schemeClr val="tx2">
-                    <a:lumMod val="50000"/>
-                  </a:schemeClr>
-                </a:solidFill>
-                <a:latin typeface="Times New Roman"/>
-                <a:ea typeface="Times New Roman"/>
-                <a:cs typeface="Times New Roman"/>
-              </a:rPr>
-              <a:t>)))swap(j-</a:t>
-            </a:r>
-            <a:r>
-              <a:rPr lang="en-US" sz="2800" b="0" i="0" u="none" strike="noStrike" cap="none" spc="0">
-                <a:solidFill>
-                  <a:schemeClr val="accent3"/>
-                </a:solidFill>
-                <a:latin typeface="Times New Roman"/>
-                <a:ea typeface="Times New Roman"/>
-                <a:cs typeface="Times New Roman"/>
-              </a:rPr>
-              <a:t>1</a:t>
-            </a:r>
-            <a:r>
-              <a:rPr lang="en-US" sz="2800" b="0" i="0" u="none" strike="noStrike" cap="none" spc="0">
-                <a:solidFill>
-                  <a:schemeClr val="tx2">
-                    <a:lumMod val="50000"/>
-                  </a:schemeClr>
-                </a:solidFill>
-                <a:latin typeface="Times New Roman"/>
-                <a:ea typeface="Times New Roman"/>
-                <a:cs typeface="Times New Roman"/>
-              </a:rPr>
-              <a:t>,j);</a:t>
-            </a:r>
-            <a:endParaRPr sz="2800" b="0" i="0" u="none" strike="noStrike" cap="none" spc="0">
-              <a:solidFill>
-                <a:schemeClr val="tx2">
-                  <a:lumMod val="50000"/>
-                </a:schemeClr>
-              </a:solidFill>
-              <a:latin typeface="Times New Roman"/>
-              <a:ea typeface="Times New Roman"/>
-              <a:cs typeface="Times New Roman"/>
-            </a:endParaRPr>
-          </a:p>
-          <a:p>
-            <a:pPr marL="0" indent="0">
-              <a:buNone/>
-              <a:defRPr/>
-            </a:pPr>
-            <a:r>
-              <a:rPr lang="en-US" sz="2800" b="0" i="0" u="none" strike="noStrike" cap="none" spc="0">
-                <a:solidFill>
-                  <a:schemeClr val="tx2">
-                    <a:lumMod val="50000"/>
-                  </a:schemeClr>
-                </a:solidFill>
-                <a:latin typeface="Times New Roman"/>
-                <a:ea typeface="Times New Roman"/>
-                <a:cs typeface="Times New Roman"/>
-              </a:rPr>
-              <a:t>		}  </a:t>
-            </a:r>
-            <a:endParaRPr sz="2800" b="0" i="0" u="none" strike="noStrike" cap="none" spc="0">
-              <a:solidFill>
-                <a:schemeClr val="tx2">
-                  <a:lumMod val="50000"/>
-                </a:schemeClr>
-              </a:solidFill>
-              <a:latin typeface="Times New Roman"/>
-              <a:ea typeface="Times New Roman"/>
-              <a:cs typeface="Times New Roman"/>
-            </a:endParaRPr>
-          </a:p>
-          <a:p>
-            <a:pPr marL="0" indent="0">
-              <a:buNone/>
-              <a:defRPr/>
-            </a:pPr>
-            <a:r>
-              <a:rPr lang="en-US" sz="2800" b="0" i="0" u="none" strike="noStrike" cap="none" spc="0">
-                <a:solidFill>
-                  <a:schemeClr val="tx2">
-                    <a:lumMod val="50000"/>
-                  </a:schemeClr>
-                </a:solidFill>
-                <a:latin typeface="Times New Roman"/>
-                <a:ea typeface="Times New Roman"/>
-                <a:cs typeface="Times New Roman"/>
-              </a:rPr>
-              <a:t>	} </a:t>
-            </a:r>
-            <a:endParaRPr sz="2800" b="0" i="0" u="none" strike="noStrike" cap="none" spc="0">
-              <a:solidFill>
-                <a:schemeClr val="tx2">
-                  <a:lumMod val="50000"/>
-                </a:schemeClr>
-              </a:solidFill>
-              <a:latin typeface="Times New Roman"/>
-              <a:ea typeface="Times New Roman"/>
-              <a:cs typeface="Times New Roman"/>
-            </a:endParaRPr>
-          </a:p>
-          <a:p>
-            <a:pPr marL="0" indent="0">
-              <a:buNone/>
-              <a:defRPr/>
-            </a:pPr>
-            <a:r>
-              <a:rPr lang="en-US" sz="2800" b="0" i="0" u="none" strike="noStrike" cap="none" spc="0">
-                <a:solidFill>
-                  <a:schemeClr val="tx2">
-                    <a:lumMod val="50000"/>
-                  </a:schemeClr>
-                </a:solidFill>
-                <a:latin typeface="Times New Roman"/>
-                <a:ea typeface="Times New Roman"/>
-                <a:cs typeface="Times New Roman"/>
-              </a:rPr>
-              <a:t>}</a:t>
-            </a:r>
-            <a:endParaRPr sz="2800" b="0" i="0" u="none" strike="noStrike" cap="none" spc="0">
-              <a:solidFill>
-                <a:schemeClr val="tx2">
-                  <a:lumMod val="50000"/>
-                </a:schemeClr>
-              </a:solidFill>
-              <a:latin typeface="Times New Roman"/>
-              <a:ea typeface="Times New Roman"/>
-              <a:cs typeface="Times New Roman"/>
-            </a:endParaRPr>
+            <a:pPr>
+              <a:defRPr/>
+            </a:pPr>
+            <a:endParaRPr/>
           </a:p>
         </p:txBody>
       </p:sp>
@@ -13359,21 +14791,36 @@
           <p:cNvSpPr>
             <a:spLocks noGrp="1"/>
           </p:cNvSpPr>
-          <p:nvPr isPhoto="0" userDrawn="0">
-            <p:ph type="title" hasCustomPrompt="0"/>
+          <p:nvPr isPhoto="0" userDrawn="1">
+            <p:ph type="ctrTitle" hasCustomPrompt="0"/>
           </p:nvPr>
         </p:nvSpPr>
-        <p:spPr bwMode="auto"/>
+        <p:spPr bwMode="auto">
+          <a:xfrm>
+            <a:off x="1070366" y="3140966"/>
+            <a:ext cx="9994345" cy="1152126"/>
+          </a:xfrm>
+          <a:prstGeom prst="rect">
+            <a:avLst/>
+          </a:prstGeom>
+          <a:noFill/>
+        </p:spPr>
         <p:txBody>
-          <a:bodyPr/>
-          <a:lstStyle/>
+          <a:bodyPr>
+            <a:normAutofit/>
+          </a:bodyPr>
+          <a:lstStyle>
+            <a:lvl1pPr algn="ctr">
+              <a:defRPr sz="4000"/>
+            </a:lvl1pPr>
+          </a:lstStyle>
           <a:p>
             <a:pPr>
               <a:defRPr/>
             </a:pPr>
             <a:r>
               <a:rPr/>
-              <a:t>Insertion Sort / Code</a:t>
+              <a:t>{code}</a:t>
             </a:r>
             <a:endParaRPr/>
           </a:p>
@@ -13381,655 +14828,134 @@
       </p:sp>
       <p:sp>
         <p:nvSpPr>
-          <p:cNvPr id="5" name="Объект 2" hidden="0"/>
+          <p:cNvPr id="5" name="Подзаголовок 2" hidden="0"/>
           <p:cNvSpPr>
             <a:spLocks noGrp="1"/>
           </p:cNvSpPr>
-          <p:nvPr isPhoto="0" userDrawn="0">
-            <p:ph idx="1" hasCustomPrompt="0"/>
+          <p:nvPr isPhoto="0" userDrawn="1">
+            <p:ph type="subTitle" idx="1" hasCustomPrompt="0"/>
           </p:nvPr>
         </p:nvSpPr>
-        <p:spPr bwMode="auto"/>
+        <p:spPr bwMode="auto">
+          <a:xfrm>
+            <a:off x="2043472" y="4437110"/>
+            <a:ext cx="8081652" cy="1008110"/>
+          </a:xfrm>
+        </p:spPr>
         <p:txBody>
-          <a:bodyPr/>
-          <a:lstStyle/>
+          <a:bodyPr>
+            <a:normAutofit/>
+          </a:bodyPr>
+          <a:lstStyle>
+            <a:lvl1pPr marL="0" indent="0" algn="ctr">
+              <a:buNone/>
+              <a:defRPr sz="2800" b="1">
+                <a:solidFill>
+                  <a:schemeClr val="tx2">
+                    <a:lumMod val="75000"/>
+                  </a:schemeClr>
+                </a:solidFill>
+              </a:defRPr>
+            </a:lvl1pPr>
+            <a:lvl2pPr marL="457200" indent="0" algn="ctr">
+              <a:buNone/>
+              <a:defRPr>
+                <a:solidFill>
+                  <a:schemeClr val="tx1">
+                    <a:tint val="75000"/>
+                  </a:schemeClr>
+                </a:solidFill>
+              </a:defRPr>
+            </a:lvl2pPr>
+            <a:lvl3pPr marL="914400" indent="0" algn="ctr">
+              <a:buNone/>
+              <a:defRPr>
+                <a:solidFill>
+                  <a:schemeClr val="tx1">
+                    <a:tint val="75000"/>
+                  </a:schemeClr>
+                </a:solidFill>
+              </a:defRPr>
+            </a:lvl3pPr>
+            <a:lvl4pPr marL="1371600" indent="0" algn="ctr">
+              <a:buNone/>
+              <a:defRPr>
+                <a:solidFill>
+                  <a:schemeClr val="tx1">
+                    <a:tint val="75000"/>
+                  </a:schemeClr>
+                </a:solidFill>
+              </a:defRPr>
+            </a:lvl4pPr>
+            <a:lvl5pPr marL="1828800" indent="0" algn="ctr">
+              <a:buNone/>
+              <a:defRPr>
+                <a:solidFill>
+                  <a:schemeClr val="tx1">
+                    <a:tint val="75000"/>
+                  </a:schemeClr>
+                </a:solidFill>
+              </a:defRPr>
+            </a:lvl5pPr>
+            <a:lvl6pPr marL="2286000" indent="0" algn="ctr">
+              <a:buNone/>
+              <a:defRPr>
+                <a:solidFill>
+                  <a:schemeClr val="tx1">
+                    <a:tint val="75000"/>
+                  </a:schemeClr>
+                </a:solidFill>
+              </a:defRPr>
+            </a:lvl6pPr>
+            <a:lvl7pPr marL="2743200" indent="0" algn="ctr">
+              <a:buNone/>
+              <a:defRPr>
+                <a:solidFill>
+                  <a:schemeClr val="tx1">
+                    <a:tint val="75000"/>
+                  </a:schemeClr>
+                </a:solidFill>
+              </a:defRPr>
+            </a:lvl7pPr>
+            <a:lvl8pPr marL="3200400" indent="0" algn="ctr">
+              <a:buNone/>
+              <a:defRPr>
+                <a:solidFill>
+                  <a:schemeClr val="tx1">
+                    <a:tint val="75000"/>
+                  </a:schemeClr>
+                </a:solidFill>
+              </a:defRPr>
+            </a:lvl8pPr>
+            <a:lvl9pPr marL="3657600" indent="0" algn="ctr">
+              <a:buNone/>
+              <a:defRPr>
+                <a:solidFill>
+                  <a:schemeClr val="tx1">
+                    <a:tint val="75000"/>
+                  </a:schemeClr>
+                </a:solidFill>
+              </a:defRPr>
+            </a:lvl9pPr>
+          </a:lstStyle>
           <a:p>
             <a:pPr>
               <a:defRPr/>
             </a:pPr>
             <a:r>
-              <a:rPr lang="en-US" sz="2400" b="0" i="0" u="none" strike="noStrike" cap="none" spc="0">
-                <a:solidFill>
-                  <a:schemeClr val="accent1"/>
-                </a:solidFill>
-                <a:latin typeface="Times New Roman"/>
-                <a:ea typeface="Times New Roman"/>
-                <a:cs typeface="Times New Roman"/>
-              </a:rPr>
-              <a:t>public </a:t>
-            </a:r>
-            <a:r>
-              <a:rPr lang="en-US" sz="2400" b="0" i="0" u="none" strike="noStrike" cap="none" spc="0">
-                <a:solidFill>
-                  <a:schemeClr val="accent4"/>
-                </a:solidFill>
-                <a:latin typeface="Times New Roman"/>
-                <a:ea typeface="Times New Roman"/>
-                <a:cs typeface="Times New Roman"/>
-              </a:rPr>
-              <a:t>void </a:t>
-            </a:r>
-            <a:r>
-              <a:rPr lang="en-US" sz="2400" b="0" i="0" u="none" strike="noStrike" cap="none" spc="0">
-                <a:solidFill>
-                  <a:schemeClr val="tx2">
-                    <a:lumMod val="50000"/>
-                  </a:schemeClr>
-                </a:solidFill>
-                <a:latin typeface="Times New Roman"/>
-                <a:ea typeface="Times New Roman"/>
-                <a:cs typeface="Times New Roman"/>
-              </a:rPr>
-              <a:t>insertionSort()</a:t>
-            </a:r>
-            <a:endParaRPr sz="2400" b="0" i="0" u="none" strike="noStrike" cap="none" spc="0">
-              <a:solidFill>
-                <a:schemeClr val="tx2">
-                  <a:lumMod val="50000"/>
-                </a:schemeClr>
-              </a:solidFill>
-              <a:latin typeface="Times New Roman"/>
-              <a:ea typeface="Times New Roman"/>
-              <a:cs typeface="Times New Roman"/>
-            </a:endParaRPr>
-          </a:p>
-          <a:p>
-            <a:pPr marL="0" indent="0">
-              <a:buNone/>
-              <a:defRPr/>
-            </a:pPr>
-            <a:r>
-              <a:rPr lang="en-US" sz="2400" b="0" i="0" u="none" strike="noStrike" cap="none" spc="0">
-                <a:solidFill>
-                  <a:schemeClr val="tx2">
-                    <a:lumMod val="50000"/>
-                  </a:schemeClr>
-                </a:solidFill>
-                <a:latin typeface="Times New Roman"/>
-                <a:ea typeface="Times New Roman"/>
-                <a:cs typeface="Times New Roman"/>
-              </a:rPr>
-              <a:t>{</a:t>
-            </a:r>
-            <a:endParaRPr sz="2400" b="0" i="0" u="none" strike="noStrike" cap="none" spc="0">
-              <a:solidFill>
-                <a:schemeClr val="tx2">
-                  <a:lumMod val="50000"/>
-                </a:schemeClr>
-              </a:solidFill>
-              <a:latin typeface="Times New Roman"/>
-              <a:ea typeface="Times New Roman"/>
-              <a:cs typeface="Times New Roman"/>
-            </a:endParaRPr>
-          </a:p>
-          <a:p>
-            <a:pPr marL="0" indent="0">
-              <a:buNone/>
-              <a:defRPr/>
-            </a:pPr>
-            <a:r>
-              <a:rPr lang="en-US" sz="2400" b="0" i="0" u="none" strike="noStrike" cap="none" spc="0">
-                <a:solidFill>
-                  <a:schemeClr val="tx2">
-                    <a:lumMod val="50000"/>
-                  </a:schemeClr>
-                </a:solidFill>
-                <a:latin typeface="Times New Roman"/>
-                <a:ea typeface="Times New Roman"/>
-                <a:cs typeface="Times New Roman"/>
-              </a:rPr>
-              <a:t>	</a:t>
-            </a:r>
-            <a:r>
-              <a:rPr lang="en-US" sz="2400" b="0" i="0" u="none" strike="noStrike" cap="none" spc="0">
-                <a:solidFill>
-                  <a:schemeClr val="accent1"/>
-                </a:solidFill>
-                <a:latin typeface="Times New Roman"/>
-                <a:ea typeface="Times New Roman"/>
-                <a:cs typeface="Times New Roman"/>
-              </a:rPr>
-              <a:t>for</a:t>
-            </a:r>
-            <a:r>
-              <a:rPr lang="en-US" sz="2400" b="0" i="0" u="none" strike="noStrike" cap="none" spc="0">
-                <a:solidFill>
-                  <a:schemeClr val="tx2">
-                    <a:lumMod val="50000"/>
-                  </a:schemeClr>
-                </a:solidFill>
-                <a:latin typeface="Times New Roman"/>
-                <a:ea typeface="Times New Roman"/>
-                <a:cs typeface="Times New Roman"/>
-              </a:rPr>
-              <a:t>(</a:t>
-            </a:r>
-            <a:r>
-              <a:rPr lang="en-US" sz="2400" b="0" i="0" u="none" strike="noStrike" cap="none" spc="0">
-                <a:solidFill>
-                  <a:schemeClr val="accent4"/>
-                </a:solidFill>
-                <a:latin typeface="Times New Roman"/>
-                <a:ea typeface="Times New Roman"/>
-                <a:cs typeface="Times New Roman"/>
-              </a:rPr>
-              <a:t>int </a:t>
-            </a:r>
-            <a:r>
-              <a:rPr lang="en-US" sz="2400" b="0" i="0" u="none" strike="noStrike" cap="none" spc="0">
-                <a:solidFill>
-                  <a:schemeClr val="tx2">
-                    <a:lumMod val="50000"/>
-                  </a:schemeClr>
-                </a:solidFill>
-                <a:latin typeface="Times New Roman"/>
-                <a:ea typeface="Times New Roman"/>
-                <a:cs typeface="Times New Roman"/>
-              </a:rPr>
-              <a:t>i=</a:t>
-            </a:r>
-            <a:r>
-              <a:rPr lang="en-US" sz="2400" b="0" i="0" u="none" strike="noStrike" cap="none" spc="0">
-                <a:solidFill>
-                  <a:schemeClr val="accent3"/>
-                </a:solidFill>
-                <a:latin typeface="Times New Roman"/>
-                <a:ea typeface="Times New Roman"/>
-                <a:cs typeface="Times New Roman"/>
-              </a:rPr>
-              <a:t>1</a:t>
-            </a:r>
-            <a:r>
-              <a:rPr lang="en-US" sz="2400" b="0" i="0" u="none" strike="noStrike" cap="none" spc="0">
-                <a:solidFill>
-                  <a:schemeClr val="tx2">
-                    <a:lumMod val="50000"/>
-                  </a:schemeClr>
-                </a:solidFill>
-                <a:latin typeface="Times New Roman"/>
-                <a:ea typeface="Times New Roman"/>
-                <a:cs typeface="Times New Roman"/>
-              </a:rPr>
-              <a:t>;i&lt;=size-</a:t>
-            </a:r>
-            <a:r>
-              <a:rPr lang="en-US" sz="2400" b="0" i="0" u="none" strike="noStrike" cap="none" spc="0">
-                <a:solidFill>
-                  <a:schemeClr val="accent3"/>
-                </a:solidFill>
-                <a:latin typeface="Times New Roman"/>
-                <a:ea typeface="Times New Roman"/>
-                <a:cs typeface="Times New Roman"/>
-              </a:rPr>
-              <a:t>1</a:t>
-            </a:r>
-            <a:r>
-              <a:rPr lang="en-US" sz="2400" b="0" i="0" u="none" strike="noStrike" cap="none" spc="0">
-                <a:solidFill>
-                  <a:schemeClr val="tx2">
-                    <a:lumMod val="50000"/>
-                  </a:schemeClr>
-                </a:solidFill>
-                <a:latin typeface="Times New Roman"/>
-                <a:ea typeface="Times New Roman"/>
-                <a:cs typeface="Times New Roman"/>
-              </a:rPr>
-              <a:t>;i++)</a:t>
-            </a:r>
-            <a:endParaRPr sz="2400" b="0" i="0" u="none" strike="noStrike" cap="none" spc="0">
-              <a:solidFill>
-                <a:schemeClr val="tx2">
-                  <a:lumMod val="50000"/>
-                </a:schemeClr>
-              </a:solidFill>
-              <a:latin typeface="Times New Roman"/>
-              <a:ea typeface="Times New Roman"/>
-              <a:cs typeface="Times New Roman"/>
-            </a:endParaRPr>
-          </a:p>
-          <a:p>
-            <a:pPr marL="0" indent="0">
-              <a:buNone/>
-              <a:defRPr/>
-            </a:pPr>
-            <a:r>
-              <a:rPr lang="en-US" sz="2400" b="0" i="0" u="none" strike="noStrike" cap="none" spc="0">
-                <a:solidFill>
-                  <a:schemeClr val="tx2">
-                    <a:lumMod val="50000"/>
-                  </a:schemeClr>
-                </a:solidFill>
-                <a:latin typeface="Times New Roman"/>
-                <a:ea typeface="Times New Roman"/>
-                <a:cs typeface="Times New Roman"/>
-              </a:rPr>
-              <a:t>	{</a:t>
-            </a:r>
-            <a:endParaRPr sz="2400" b="0" i="0" u="none" strike="noStrike" cap="none" spc="0">
-              <a:solidFill>
-                <a:schemeClr val="tx2">
-                  <a:lumMod val="50000"/>
-                </a:schemeClr>
-              </a:solidFill>
-              <a:latin typeface="Times New Roman"/>
-              <a:ea typeface="Times New Roman"/>
-              <a:cs typeface="Times New Roman"/>
-            </a:endParaRPr>
-          </a:p>
-          <a:p>
-            <a:pPr marL="0" indent="0">
-              <a:buNone/>
-              <a:defRPr/>
-            </a:pPr>
-            <a:r>
-              <a:rPr lang="en-US" sz="2400" b="0" i="0" u="none" strike="noStrike" cap="none" spc="0">
-                <a:solidFill>
-                  <a:schemeClr val="tx2">
-                    <a:lumMod val="50000"/>
-                  </a:schemeClr>
-                </a:solidFill>
-                <a:latin typeface="Times New Roman"/>
-                <a:ea typeface="Times New Roman"/>
-                <a:cs typeface="Times New Roman"/>
-              </a:rPr>
-              <a:t>		</a:t>
-            </a:r>
-            <a:r>
-              <a:rPr lang="en-US" sz="2400" b="0" i="0" u="none" strike="noStrike" cap="none" spc="0">
-                <a:solidFill>
-                  <a:schemeClr val="accent4"/>
-                </a:solidFill>
-                <a:latin typeface="Times New Roman"/>
-                <a:ea typeface="Times New Roman"/>
-                <a:cs typeface="Times New Roman"/>
-              </a:rPr>
-              <a:t>int </a:t>
-            </a:r>
-            <a:r>
-              <a:rPr lang="en-US" sz="2400" b="0" i="0" u="none" strike="noStrike" cap="none" spc="0">
-                <a:solidFill>
-                  <a:schemeClr val="tx2">
-                    <a:lumMod val="50000"/>
-                  </a:schemeClr>
-                </a:solidFill>
-                <a:latin typeface="Times New Roman"/>
-                <a:ea typeface="Times New Roman"/>
-                <a:cs typeface="Times New Roman"/>
-              </a:rPr>
-              <a:t>j=i;</a:t>
-            </a:r>
-            <a:endParaRPr sz="2400" b="0" i="0" u="none" strike="noStrike" cap="none" spc="0">
-              <a:solidFill>
-                <a:schemeClr val="tx2">
-                  <a:lumMod val="50000"/>
-                </a:schemeClr>
-              </a:solidFill>
-              <a:latin typeface="Times New Roman"/>
-              <a:ea typeface="Times New Roman"/>
-              <a:cs typeface="Times New Roman"/>
-            </a:endParaRPr>
-          </a:p>
-          <a:p>
-            <a:pPr marL="0" indent="0">
-              <a:buNone/>
-              <a:defRPr/>
-            </a:pPr>
-            <a:r>
-              <a:rPr lang="en-US" sz="2400" b="0" i="0" u="none" strike="noStrike" cap="none" spc="0">
-                <a:solidFill>
-                  <a:schemeClr val="tx2">
-                    <a:lumMod val="50000"/>
-                  </a:schemeClr>
-                </a:solidFill>
-                <a:latin typeface="Times New Roman"/>
-                <a:ea typeface="Times New Roman"/>
-                <a:cs typeface="Times New Roman"/>
-              </a:rPr>
-              <a:t>		</a:t>
-            </a:r>
-            <a:r>
-              <a:rPr lang="en-US" sz="2400" b="0" i="0" u="none" strike="noStrike" cap="none" spc="0">
-                <a:solidFill>
-                  <a:schemeClr val="accent1"/>
-                </a:solidFill>
-                <a:latin typeface="Times New Roman"/>
-                <a:ea typeface="Times New Roman"/>
-                <a:cs typeface="Times New Roman"/>
-              </a:rPr>
-              <a:t>while</a:t>
-            </a:r>
-            <a:r>
-              <a:rPr lang="en-US" sz="2400" b="0" i="0" u="none" strike="noStrike" cap="none" spc="0">
-                <a:solidFill>
-                  <a:schemeClr val="tx2">
-                    <a:lumMod val="50000"/>
-                  </a:schemeClr>
-                </a:solidFill>
-                <a:latin typeface="Times New Roman"/>
-                <a:ea typeface="Times New Roman"/>
-                <a:cs typeface="Times New Roman"/>
-              </a:rPr>
-              <a:t>(j&gt;</a:t>
-            </a:r>
-            <a:r>
-              <a:rPr lang="en-US" sz="2400" b="0" i="0" u="none" strike="noStrike" cap="none" spc="0">
-                <a:solidFill>
-                  <a:schemeClr val="accent3"/>
-                </a:solidFill>
-                <a:latin typeface="Times New Roman"/>
-                <a:ea typeface="Times New Roman"/>
-                <a:cs typeface="Times New Roman"/>
-              </a:rPr>
-              <a:t>0 </a:t>
-            </a:r>
-            <a:r>
-              <a:rPr lang="en-US" sz="2400" b="0" i="0" u="none" strike="noStrike" cap="none" spc="0">
-                <a:solidFill>
-                  <a:schemeClr val="tx2">
-                    <a:lumMod val="50000"/>
-                  </a:schemeClr>
-                </a:solidFill>
-                <a:latin typeface="Times New Roman"/>
-                <a:ea typeface="Times New Roman"/>
-                <a:cs typeface="Times New Roman"/>
-              </a:rPr>
-              <a:t>&amp;&amp; inOrder(get(j-</a:t>
-            </a:r>
-            <a:r>
-              <a:rPr lang="en-US" sz="2400" b="0" i="0" u="none" strike="noStrike" cap="none" spc="0">
-                <a:solidFill>
-                  <a:schemeClr val="accent3"/>
-                </a:solidFill>
-                <a:latin typeface="Times New Roman"/>
-                <a:ea typeface="Times New Roman"/>
-                <a:cs typeface="Times New Roman"/>
-              </a:rPr>
-              <a:t>1</a:t>
-            </a:r>
-            <a:r>
-              <a:rPr lang="en-US" sz="2400" b="0" i="0" u="none" strike="noStrike" cap="none" spc="0">
-                <a:solidFill>
-                  <a:schemeClr val="tx2">
-                    <a:lumMod val="50000"/>
-                  </a:schemeClr>
-                </a:solidFill>
-                <a:latin typeface="Times New Roman"/>
-                <a:ea typeface="Times New Roman"/>
-                <a:cs typeface="Times New Roman"/>
-              </a:rPr>
-              <a:t>),get(j)))</a:t>
-            </a:r>
-            <a:endParaRPr sz="2400" b="0" i="0" u="none" strike="noStrike" cap="none" spc="0">
-              <a:solidFill>
-                <a:schemeClr val="tx2">
-                  <a:lumMod val="50000"/>
-                </a:schemeClr>
-              </a:solidFill>
-              <a:latin typeface="Times New Roman"/>
-              <a:ea typeface="Times New Roman"/>
-              <a:cs typeface="Times New Roman"/>
-            </a:endParaRPr>
-          </a:p>
-          <a:p>
-            <a:pPr marL="0" indent="0">
-              <a:buNone/>
-              <a:defRPr/>
-            </a:pPr>
-            <a:r>
-              <a:rPr lang="en-US" sz="2400" b="0" i="0" u="none" strike="noStrike" cap="none" spc="0">
-                <a:solidFill>
-                  <a:schemeClr val="tx2">
-                    <a:lumMod val="50000"/>
-                  </a:schemeClr>
-                </a:solidFill>
-                <a:latin typeface="Times New Roman"/>
-                <a:ea typeface="Times New Roman"/>
-                <a:cs typeface="Times New Roman"/>
-              </a:rPr>
-              <a:t>		{</a:t>
-            </a:r>
-            <a:endParaRPr sz="2400" b="0" i="0" u="none" strike="noStrike" cap="none" spc="0">
-              <a:solidFill>
-                <a:schemeClr val="tx2">
-                  <a:lumMod val="50000"/>
-                </a:schemeClr>
-              </a:solidFill>
-              <a:latin typeface="Times New Roman"/>
-              <a:ea typeface="Times New Roman"/>
-              <a:cs typeface="Times New Roman"/>
-            </a:endParaRPr>
-          </a:p>
-          <a:p>
-            <a:pPr marL="0" indent="0">
-              <a:buNone/>
-              <a:defRPr/>
-            </a:pPr>
-            <a:r>
-              <a:rPr lang="en-US" sz="2400" b="0" i="0" u="none" strike="noStrike" cap="none" spc="0">
-                <a:solidFill>
-                  <a:schemeClr val="tx2">
-                    <a:lumMod val="50000"/>
-                  </a:schemeClr>
-                </a:solidFill>
-                <a:latin typeface="Times New Roman"/>
-                <a:ea typeface="Times New Roman"/>
-                <a:cs typeface="Times New Roman"/>
-              </a:rPr>
-              <a:t>			swap(j,j-</a:t>
-            </a:r>
-            <a:r>
-              <a:rPr lang="en-US" sz="2400" b="0" i="0" u="none" strike="noStrike" cap="none" spc="0">
-                <a:solidFill>
-                  <a:schemeClr val="accent3"/>
-                </a:solidFill>
-                <a:latin typeface="Times New Roman"/>
-                <a:ea typeface="Times New Roman"/>
-                <a:cs typeface="Times New Roman"/>
-              </a:rPr>
-              <a:t>1</a:t>
-            </a:r>
-            <a:r>
-              <a:rPr lang="en-US" sz="2400" b="0" i="0" u="none" strike="noStrike" cap="none" spc="0">
-                <a:solidFill>
-                  <a:schemeClr val="tx2">
-                    <a:lumMod val="50000"/>
-                  </a:schemeClr>
-                </a:solidFill>
-                <a:latin typeface="Times New Roman"/>
-                <a:ea typeface="Times New Roman"/>
-                <a:cs typeface="Times New Roman"/>
-              </a:rPr>
-              <a:t>);</a:t>
-            </a:r>
-            <a:endParaRPr sz="2400" b="0" i="0" u="none" strike="noStrike" cap="none" spc="0">
-              <a:solidFill>
-                <a:schemeClr val="tx2">
-                  <a:lumMod val="50000"/>
-                </a:schemeClr>
-              </a:solidFill>
-              <a:latin typeface="Times New Roman"/>
-              <a:ea typeface="Times New Roman"/>
-              <a:cs typeface="Times New Roman"/>
-            </a:endParaRPr>
-          </a:p>
-          <a:p>
-            <a:pPr marL="0" indent="0">
-              <a:buNone/>
-              <a:defRPr/>
-            </a:pPr>
-            <a:r>
-              <a:rPr lang="en-US" sz="2400" b="0" i="0" u="none" strike="noStrike" cap="none" spc="0">
-                <a:solidFill>
-                  <a:schemeClr val="tx2">
-                    <a:lumMod val="50000"/>
-                  </a:schemeClr>
-                </a:solidFill>
-                <a:latin typeface="Times New Roman"/>
-                <a:ea typeface="Times New Roman"/>
-                <a:cs typeface="Times New Roman"/>
-              </a:rPr>
-              <a:t>			</a:t>
-            </a:r>
-            <a:r>
-              <a:rPr lang="en-US" sz="2400" b="0" i="0" u="none" strike="noStrike" cap="none" spc="0">
-                <a:solidFill>
-                  <a:schemeClr val="accent3"/>
-                </a:solidFill>
-                <a:latin typeface="Times New Roman"/>
-                <a:ea typeface="Times New Roman"/>
-                <a:cs typeface="Times New Roman"/>
-              </a:rPr>
-              <a:t>j</a:t>
-            </a:r>
-            <a:r>
-              <a:rPr lang="en-US" sz="2400" b="0" i="0" u="none" strike="noStrike" cap="none" spc="0">
-                <a:solidFill>
-                  <a:schemeClr val="tx2">
-                    <a:lumMod val="50000"/>
-                  </a:schemeClr>
-                </a:solidFill>
-                <a:latin typeface="Times New Roman"/>
-                <a:ea typeface="Times New Roman"/>
-                <a:cs typeface="Times New Roman"/>
-              </a:rPr>
-              <a:t>--;</a:t>
-            </a:r>
-            <a:endParaRPr sz="2400" b="0" i="0" u="none" strike="noStrike" cap="none" spc="0">
-              <a:solidFill>
-                <a:schemeClr val="tx2">
-                  <a:lumMod val="50000"/>
-                </a:schemeClr>
-              </a:solidFill>
-              <a:latin typeface="Times New Roman"/>
-              <a:ea typeface="Times New Roman"/>
-              <a:cs typeface="Times New Roman"/>
-            </a:endParaRPr>
-          </a:p>
-          <a:p>
-            <a:pPr marL="0" indent="0">
-              <a:buNone/>
-              <a:defRPr/>
-            </a:pPr>
-            <a:r>
-              <a:rPr lang="en-US" sz="2400" b="0" i="0" u="none" strike="noStrike" cap="none" spc="0">
-                <a:solidFill>
-                  <a:schemeClr val="tx2">
-                    <a:lumMod val="50000"/>
-                  </a:schemeClr>
-                </a:solidFill>
-                <a:latin typeface="Times New Roman"/>
-                <a:ea typeface="Times New Roman"/>
-                <a:cs typeface="Times New Roman"/>
-              </a:rPr>
-              <a:t>		}</a:t>
-            </a:r>
-            <a:endParaRPr sz="2400" b="0" i="0" u="none" strike="noStrike" cap="none" spc="0">
-              <a:solidFill>
-                <a:schemeClr val="tx2">
-                  <a:lumMod val="50000"/>
-                </a:schemeClr>
-              </a:solidFill>
-              <a:latin typeface="Times New Roman"/>
-              <a:ea typeface="Times New Roman"/>
-              <a:cs typeface="Times New Roman"/>
-            </a:endParaRPr>
-          </a:p>
-          <a:p>
-            <a:pPr marL="0" indent="0">
-              <a:buNone/>
-              <a:defRPr/>
-            </a:pPr>
-            <a:r>
-              <a:rPr lang="en-US" sz="2400" b="0" i="0" u="none" strike="noStrike" cap="none" spc="0">
-                <a:solidFill>
-                  <a:schemeClr val="tx2">
-                    <a:lumMod val="50000"/>
-                  </a:schemeClr>
-                </a:solidFill>
-                <a:latin typeface="Times New Roman"/>
-                <a:ea typeface="Times New Roman"/>
-                <a:cs typeface="Times New Roman"/>
-              </a:rPr>
-              <a:t>			</a:t>
-            </a:r>
-            <a:endParaRPr sz="2400" b="0" i="0" u="none" strike="noStrike" cap="none" spc="0">
-              <a:solidFill>
-                <a:schemeClr val="tx2">
-                  <a:lumMod val="50000"/>
-                </a:schemeClr>
-              </a:solidFill>
-              <a:latin typeface="Times New Roman"/>
-              <a:ea typeface="Times New Roman"/>
-              <a:cs typeface="Times New Roman"/>
-            </a:endParaRPr>
-          </a:p>
-          <a:p>
-            <a:pPr marL="0" indent="0">
-              <a:buNone/>
-              <a:defRPr/>
-            </a:pPr>
-            <a:r>
-              <a:rPr lang="en-US" sz="2400" b="0" i="0" u="none" strike="noStrike" cap="none" spc="0">
-                <a:solidFill>
-                  <a:schemeClr val="tx2">
-                    <a:lumMod val="50000"/>
-                  </a:schemeClr>
-                </a:solidFill>
-                <a:latin typeface="Times New Roman"/>
-                <a:ea typeface="Times New Roman"/>
-                <a:cs typeface="Times New Roman"/>
-              </a:rPr>
-              <a:t>	}</a:t>
-            </a:r>
-            <a:endParaRPr sz="2400" b="0" i="0" u="none" strike="noStrike" cap="none" spc="0">
-              <a:solidFill>
-                <a:schemeClr val="tx2">
-                  <a:lumMod val="50000"/>
-                </a:schemeClr>
-              </a:solidFill>
-              <a:latin typeface="Times New Roman"/>
-              <a:ea typeface="Times New Roman"/>
-              <a:cs typeface="Times New Roman"/>
-            </a:endParaRPr>
-          </a:p>
-          <a:p>
-            <a:pPr marL="0" indent="0">
-              <a:buNone/>
-              <a:defRPr/>
-            </a:pPr>
-            <a:r>
-              <a:rPr lang="en-US" sz="2400" b="0" i="0" u="none" strike="noStrike" cap="none" spc="0">
-                <a:solidFill>
-                  <a:schemeClr val="tx2">
-                    <a:lumMod val="50000"/>
-                  </a:schemeClr>
-                </a:solidFill>
-                <a:latin typeface="Times New Roman"/>
-                <a:ea typeface="Times New Roman"/>
-                <a:cs typeface="Times New Roman"/>
-              </a:rPr>
-              <a:t>}</a:t>
-            </a:r>
-            <a:endParaRPr sz="2400" b="0" i="0" u="none" strike="noStrike" cap="none" spc="0">
-              <a:solidFill>
-                <a:schemeClr val="tx2">
-                  <a:lumMod val="50000"/>
-                </a:schemeClr>
-              </a:solidFill>
-              <a:latin typeface="Times New Roman"/>
-              <a:ea typeface="Times New Roman"/>
-              <a:cs typeface="Times New Roman"/>
-            </a:endParaRPr>
+              <a:rPr lang="en-US" sz="2800" b="1" i="0" u="none" strike="noStrike" cap="none" spc="0">
+                <a:solidFill>
+                  <a:schemeClr val="tx2">
+                    <a:lumMod val="75000"/>
+                  </a:schemeClr>
+                </a:solidFill>
+                <a:latin typeface="+mn-lt"/>
+                <a:ea typeface="+mn-ea"/>
+                <a:cs typeface="+mn-cs"/>
+              </a:rPr>
+              <a:t>[selection] / [insertion] / [bubble] / [quick]</a:t>
+            </a:r>
+            <a:endParaRPr/>
           </a:p>
         </p:txBody>
       </p:sp>
